--- a/outline_primary.pptx
+++ b/outline_primary.pptx
@@ -5,7 +5,7 @@
     <p:sldMasterId id="2147483672" r:id="rId1"/>
   </p:sldMasterIdLst>
   <p:handoutMasterIdLst>
-    <p:handoutMasterId r:id="rId11"/>
+    <p:handoutMasterId r:id="rId13"/>
   </p:handoutMasterIdLst>
   <p:sldIdLst>
     <p:sldId id="257" r:id="rId2"/>
@@ -13,10 +13,12 @@
     <p:sldId id="258" r:id="rId4"/>
     <p:sldId id="259" r:id="rId5"/>
     <p:sldId id="260" r:id="rId6"/>
-    <p:sldId id="261" r:id="rId7"/>
-    <p:sldId id="262" r:id="rId8"/>
-    <p:sldId id="263" r:id="rId9"/>
-    <p:sldId id="264" r:id="rId10"/>
+    <p:sldId id="265" r:id="rId7"/>
+    <p:sldId id="266" r:id="rId8"/>
+    <p:sldId id="261" r:id="rId9"/>
+    <p:sldId id="262" r:id="rId10"/>
+    <p:sldId id="263" r:id="rId11"/>
+    <p:sldId id="264" r:id="rId12"/>
   </p:sldIdLst>
   <p:sldSz cx="9144000" cy="6858000" type="screen4x3"/>
   <p:notesSz cx="6858000" cy="9144000"/>
@@ -115,6 +117,14 @@
       </a:defRPr>
     </a:lvl9pPr>
   </p:defaultTextStyle>
+  <p:extLst>
+    <p:ext uri="{EFAFB233-063F-42B5-8137-9DF3F51BA10A}">
+      <p15:sldGuideLst xmlns:p15="http://schemas.microsoft.com/office/powerpoint/2012/main"/>
+    </p:ext>
+    <p:ext uri="{2D200454-40CA-4A62-9FC3-DE9A4176ACB9}">
+      <p15:notesGuideLst xmlns:p15="http://schemas.microsoft.com/office/powerpoint/2012/main"/>
+    </p:ext>
+  </p:extLst>
 </p:presentation>
 </file>
 
@@ -379,7 +389,7 @@
           <a:p>
             <a:fld id="{F82A908F-B119-4E87-AAC7-887AD88C8625}" type="datetimeFigureOut">
               <a:rPr lang="en-GB" smtClean="0"/>
-              <a:t>06/10/2015</a:t>
+              <a:t>14/10/2015</a:t>
             </a:fld>
             <a:endParaRPr lang="en-GB"/>
           </a:p>
@@ -549,7 +559,7 @@
           <a:p>
             <a:fld id="{F82A908F-B119-4E87-AAC7-887AD88C8625}" type="datetimeFigureOut">
               <a:rPr lang="en-GB" smtClean="0"/>
-              <a:t>06/10/2015</a:t>
+              <a:t>14/10/2015</a:t>
             </a:fld>
             <a:endParaRPr lang="en-GB"/>
           </a:p>
@@ -729,7 +739,7 @@
           <a:p>
             <a:fld id="{F82A908F-B119-4E87-AAC7-887AD88C8625}" type="datetimeFigureOut">
               <a:rPr lang="en-GB" smtClean="0"/>
-              <a:t>06/10/2015</a:t>
+              <a:t>14/10/2015</a:t>
             </a:fld>
             <a:endParaRPr lang="en-GB"/>
           </a:p>
@@ -915,7 +925,7 @@
           <a:p>
             <a:fld id="{F82A908F-B119-4E87-AAC7-887AD88C8625}" type="datetimeFigureOut">
               <a:rPr lang="en-GB" smtClean="0"/>
-              <a:t>06/10/2015</a:t>
+              <a:t>14/10/2015</a:t>
             </a:fld>
             <a:endParaRPr lang="en-GB"/>
           </a:p>
@@ -1159,7 +1169,7 @@
           <a:p>
             <a:fld id="{F82A908F-B119-4E87-AAC7-887AD88C8625}" type="datetimeFigureOut">
               <a:rPr lang="en-GB" smtClean="0"/>
-              <a:t>06/10/2015</a:t>
+              <a:t>14/10/2015</a:t>
             </a:fld>
             <a:endParaRPr lang="en-GB"/>
           </a:p>
@@ -1391,7 +1401,7 @@
           <a:p>
             <a:fld id="{F82A908F-B119-4E87-AAC7-887AD88C8625}" type="datetimeFigureOut">
               <a:rPr lang="en-GB" smtClean="0"/>
-              <a:t>06/10/2015</a:t>
+              <a:t>14/10/2015</a:t>
             </a:fld>
             <a:endParaRPr lang="en-GB"/>
           </a:p>
@@ -1758,7 +1768,7 @@
           <a:p>
             <a:fld id="{F82A908F-B119-4E87-AAC7-887AD88C8625}" type="datetimeFigureOut">
               <a:rPr lang="en-GB" smtClean="0"/>
-              <a:t>06/10/2015</a:t>
+              <a:t>14/10/2015</a:t>
             </a:fld>
             <a:endParaRPr lang="en-GB"/>
           </a:p>
@@ -1876,7 +1886,7 @@
           <a:p>
             <a:fld id="{F82A908F-B119-4E87-AAC7-887AD88C8625}" type="datetimeFigureOut">
               <a:rPr lang="en-GB" smtClean="0"/>
-              <a:t>06/10/2015</a:t>
+              <a:t>14/10/2015</a:t>
             </a:fld>
             <a:endParaRPr lang="en-GB"/>
           </a:p>
@@ -1971,7 +1981,7 @@
           <a:p>
             <a:fld id="{F82A908F-B119-4E87-AAC7-887AD88C8625}" type="datetimeFigureOut">
               <a:rPr lang="en-GB" smtClean="0"/>
-              <a:t>06/10/2015</a:t>
+              <a:t>14/10/2015</a:t>
             </a:fld>
             <a:endParaRPr lang="en-GB"/>
           </a:p>
@@ -2248,7 +2258,7 @@
           <a:p>
             <a:fld id="{F82A908F-B119-4E87-AAC7-887AD88C8625}" type="datetimeFigureOut">
               <a:rPr lang="en-GB" smtClean="0"/>
-              <a:t>06/10/2015</a:t>
+              <a:t>14/10/2015</a:t>
             </a:fld>
             <a:endParaRPr lang="en-GB"/>
           </a:p>
@@ -2505,7 +2515,7 @@
           <a:p>
             <a:fld id="{F82A908F-B119-4E87-AAC7-887AD88C8625}" type="datetimeFigureOut">
               <a:rPr lang="en-GB" smtClean="0"/>
-              <a:t>06/10/2015</a:t>
+              <a:t>14/10/2015</a:t>
             </a:fld>
             <a:endParaRPr lang="en-GB"/>
           </a:p>
@@ -2718,7 +2728,7 @@
           <a:p>
             <a:fld id="{F82A908F-B119-4E87-AAC7-887AD88C8625}" type="datetimeFigureOut">
               <a:rPr lang="en-GB" smtClean="0"/>
-              <a:t>06/10/2015</a:t>
+              <a:t>14/10/2015</a:t>
             </a:fld>
             <a:endParaRPr lang="en-GB"/>
           </a:p>
@@ -3182,6 +3192,3420 @@
 </p:sld>
 </file>
 
+<file path=ppt/slides/slide10.xml><?xml version="1.0" encoding="utf-8"?>
+<p:sld xmlns:a="http://schemas.openxmlformats.org/drawingml/2006/main" xmlns:r="http://schemas.openxmlformats.org/officeDocument/2006/relationships" xmlns:p="http://schemas.openxmlformats.org/presentationml/2006/main">
+  <p:cSld>
+    <p:spTree>
+      <p:nvGrpSpPr>
+        <p:cNvPr id="1" name=""/>
+        <p:cNvGrpSpPr/>
+        <p:nvPr/>
+      </p:nvGrpSpPr>
+      <p:grpSpPr>
+        <a:xfrm>
+          <a:off x="0" y="0"/>
+          <a:ext cx="0" cy="0"/>
+          <a:chOff x="0" y="0"/>
+          <a:chExt cx="0" cy="0"/>
+        </a:xfrm>
+      </p:grpSpPr>
+      <p:sp>
+        <p:nvSpPr>
+          <p:cNvPr id="2" name="Title 1"/>
+          <p:cNvSpPr>
+            <a:spLocks noGrp="1"/>
+          </p:cNvSpPr>
+          <p:nvPr>
+            <p:ph type="title"/>
+          </p:nvPr>
+        </p:nvSpPr>
+        <p:spPr/>
+        <p:txBody>
+          <a:bodyPr/>
+          <a:lstStyle/>
+          <a:p>
+            <a:r>
+              <a:rPr lang="en-GB" dirty="0" smtClean="0"/>
+              <a:t>7. </a:t>
+            </a:r>
+            <a:r>
+              <a:rPr lang="en-GB" dirty="0" smtClean="0"/>
+              <a:t>Select rocket</a:t>
+            </a:r>
+            <a:endParaRPr lang="en-GB" dirty="0"/>
+          </a:p>
+        </p:txBody>
+      </p:sp>
+      <p:sp>
+        <p:nvSpPr>
+          <p:cNvPr id="3" name="Content Placeholder 2"/>
+          <p:cNvSpPr>
+            <a:spLocks noGrp="1"/>
+          </p:cNvSpPr>
+          <p:nvPr>
+            <p:ph idx="1"/>
+          </p:nvPr>
+        </p:nvSpPr>
+        <p:spPr/>
+        <p:txBody>
+          <a:bodyPr/>
+          <a:lstStyle/>
+          <a:p>
+            <a:r>
+              <a:rPr lang="en-GB" dirty="0" smtClean="0"/>
+              <a:t>Build your rocket</a:t>
+            </a:r>
+            <a:endParaRPr lang="en-GB" dirty="0"/>
+          </a:p>
+        </p:txBody>
+      </p:sp>
+      <p:sp>
+        <p:nvSpPr>
+          <p:cNvPr id="7171" name="Rectangle 7170"/>
+          <p:cNvSpPr/>
+          <p:nvPr/>
+        </p:nvSpPr>
+        <p:spPr>
+          <a:xfrm>
+            <a:off x="5823417" y="2721092"/>
+            <a:ext cx="796633" cy="2665377"/>
+          </a:xfrm>
+          <a:prstGeom prst="rect">
+            <a:avLst/>
+          </a:prstGeom>
+          <a:solidFill>
+            <a:schemeClr val="bg1"/>
+          </a:solidFill>
+          <a:ln>
+            <a:solidFill>
+              <a:schemeClr val="tx1"/>
+            </a:solidFill>
+          </a:ln>
+        </p:spPr>
+        <p:style>
+          <a:lnRef idx="2">
+            <a:schemeClr val="accent1">
+              <a:shade val="50000"/>
+            </a:schemeClr>
+          </a:lnRef>
+          <a:fillRef idx="1">
+            <a:schemeClr val="accent1"/>
+          </a:fillRef>
+          <a:effectRef idx="0">
+            <a:schemeClr val="accent1"/>
+          </a:effectRef>
+          <a:fontRef idx="minor">
+            <a:schemeClr val="lt1"/>
+          </a:fontRef>
+        </p:style>
+        <p:txBody>
+          <a:bodyPr rtlCol="0" anchor="ctr"/>
+          <a:lstStyle/>
+          <a:p>
+            <a:pPr algn="ctr"/>
+            <a:endParaRPr lang="en-GB"/>
+          </a:p>
+        </p:txBody>
+      </p:sp>
+      <p:sp>
+        <p:nvSpPr>
+          <p:cNvPr id="4" name="Isosceles Triangle 3"/>
+          <p:cNvSpPr/>
+          <p:nvPr/>
+        </p:nvSpPr>
+        <p:spPr>
+          <a:xfrm rot="5400000">
+            <a:off x="7718856" y="3045656"/>
+            <a:ext cx="939114" cy="370703"/>
+          </a:xfrm>
+          <a:prstGeom prst="triangle">
+            <a:avLst/>
+          </a:prstGeom>
+          <a:solidFill>
+            <a:schemeClr val="tx1"/>
+          </a:solidFill>
+          <a:ln>
+            <a:solidFill>
+              <a:schemeClr val="tx1"/>
+            </a:solidFill>
+          </a:ln>
+        </p:spPr>
+        <p:style>
+          <a:lnRef idx="2">
+            <a:schemeClr val="accent1">
+              <a:shade val="50000"/>
+            </a:schemeClr>
+          </a:lnRef>
+          <a:fillRef idx="1">
+            <a:schemeClr val="accent1"/>
+          </a:fillRef>
+          <a:effectRef idx="0">
+            <a:schemeClr val="accent1"/>
+          </a:effectRef>
+          <a:fontRef idx="minor">
+            <a:schemeClr val="lt1"/>
+          </a:fontRef>
+        </p:style>
+        <p:txBody>
+          <a:bodyPr rtlCol="0" anchor="ctr"/>
+          <a:lstStyle/>
+          <a:p>
+            <a:pPr algn="ctr"/>
+            <a:endParaRPr lang="en-GB"/>
+          </a:p>
+        </p:txBody>
+      </p:sp>
+      <p:sp>
+        <p:nvSpPr>
+          <p:cNvPr id="5" name="Isosceles Triangle 4"/>
+          <p:cNvSpPr/>
+          <p:nvPr/>
+        </p:nvSpPr>
+        <p:spPr>
+          <a:xfrm rot="16200000">
+            <a:off x="496328" y="3045656"/>
+            <a:ext cx="939114" cy="370703"/>
+          </a:xfrm>
+          <a:prstGeom prst="triangle">
+            <a:avLst/>
+          </a:prstGeom>
+          <a:solidFill>
+            <a:schemeClr val="tx1"/>
+          </a:solidFill>
+          <a:ln>
+            <a:solidFill>
+              <a:schemeClr val="tx1"/>
+            </a:solidFill>
+          </a:ln>
+        </p:spPr>
+        <p:style>
+          <a:lnRef idx="2">
+            <a:schemeClr val="accent1">
+              <a:shade val="50000"/>
+            </a:schemeClr>
+          </a:lnRef>
+          <a:fillRef idx="1">
+            <a:schemeClr val="accent1"/>
+          </a:fillRef>
+          <a:effectRef idx="0">
+            <a:schemeClr val="accent1"/>
+          </a:effectRef>
+          <a:fontRef idx="minor">
+            <a:schemeClr val="lt1"/>
+          </a:fontRef>
+        </p:style>
+        <p:txBody>
+          <a:bodyPr rtlCol="0" anchor="ctr"/>
+          <a:lstStyle/>
+          <a:p>
+            <a:pPr algn="ctr"/>
+            <a:endParaRPr lang="en-GB"/>
+          </a:p>
+        </p:txBody>
+      </p:sp>
+      <p:sp>
+        <p:nvSpPr>
+          <p:cNvPr id="6" name="TextBox 5"/>
+          <p:cNvSpPr txBox="1"/>
+          <p:nvPr/>
+        </p:nvSpPr>
+        <p:spPr>
+          <a:xfrm rot="16200000">
+            <a:off x="355974" y="4066470"/>
+            <a:ext cx="1219825" cy="523220"/>
+          </a:xfrm>
+          <a:prstGeom prst="rect">
+            <a:avLst/>
+          </a:prstGeom>
+          <a:noFill/>
+        </p:spPr>
+        <p:txBody>
+          <a:bodyPr wrap="square" rtlCol="0">
+            <a:spAutoFit/>
+          </a:bodyPr>
+          <a:lstStyle/>
+          <a:p>
+            <a:pPr algn="r"/>
+            <a:r>
+              <a:rPr lang="en-GB" sz="2800" dirty="0" smtClean="0"/>
+              <a:t>Power</a:t>
+            </a:r>
+            <a:endParaRPr lang="en-GB" sz="2800" dirty="0"/>
+          </a:p>
+        </p:txBody>
+      </p:sp>
+      <p:sp>
+        <p:nvSpPr>
+          <p:cNvPr id="7" name="TextBox 6"/>
+          <p:cNvSpPr txBox="1"/>
+          <p:nvPr/>
+        </p:nvSpPr>
+        <p:spPr>
+          <a:xfrm rot="16200000">
+            <a:off x="7414306" y="4154406"/>
+            <a:ext cx="1395699" cy="523220"/>
+          </a:xfrm>
+          <a:prstGeom prst="rect">
+            <a:avLst/>
+          </a:prstGeom>
+          <a:noFill/>
+        </p:spPr>
+        <p:txBody>
+          <a:bodyPr wrap="square" rtlCol="0">
+            <a:spAutoFit/>
+          </a:bodyPr>
+          <a:lstStyle/>
+          <a:p>
+            <a:pPr algn="r"/>
+            <a:r>
+              <a:rPr lang="en-GB" sz="2800" dirty="0" smtClean="0"/>
+              <a:t>Launch!</a:t>
+            </a:r>
+            <a:endParaRPr lang="en-GB" sz="2800" dirty="0"/>
+          </a:p>
+        </p:txBody>
+      </p:sp>
+      <p:sp>
+        <p:nvSpPr>
+          <p:cNvPr id="11" name="TextBox 10"/>
+          <p:cNvSpPr txBox="1"/>
+          <p:nvPr/>
+        </p:nvSpPr>
+        <p:spPr>
+          <a:xfrm>
+            <a:off x="7921707" y="5113866"/>
+            <a:ext cx="1045703" cy="461665"/>
+          </a:xfrm>
+          <a:prstGeom prst="rect">
+            <a:avLst/>
+          </a:prstGeom>
+          <a:solidFill>
+            <a:schemeClr val="bg1"/>
+          </a:solidFill>
+          <a:ln>
+            <a:solidFill>
+              <a:srgbClr val="FF0000"/>
+            </a:solidFill>
+          </a:ln>
+        </p:spPr>
+        <p:txBody>
+          <a:bodyPr wrap="square" rtlCol="0">
+            <a:spAutoFit/>
+          </a:bodyPr>
+          <a:lstStyle/>
+          <a:p>
+            <a:r>
+              <a:rPr lang="en-GB" sz="800" dirty="0" smtClean="0">
+                <a:solidFill>
+                  <a:srgbClr val="FF0000"/>
+                </a:solidFill>
+              </a:rPr>
+              <a:t>Navigation only shows if launch is possible</a:t>
+            </a:r>
+          </a:p>
+        </p:txBody>
+      </p:sp>
+      <p:sp>
+        <p:nvSpPr>
+          <p:cNvPr id="12" name="Rectangle 11"/>
+          <p:cNvSpPr/>
+          <p:nvPr/>
+        </p:nvSpPr>
+        <p:spPr>
+          <a:xfrm>
+            <a:off x="2182175" y="2692400"/>
+            <a:ext cx="838200" cy="838200"/>
+          </a:xfrm>
+          <a:prstGeom prst="rect">
+            <a:avLst/>
+          </a:prstGeom>
+          <a:solidFill>
+            <a:schemeClr val="bg1"/>
+          </a:solidFill>
+          <a:ln w="28575">
+            <a:solidFill>
+              <a:schemeClr val="tx1"/>
+            </a:solidFill>
+          </a:ln>
+        </p:spPr>
+        <p:style>
+          <a:lnRef idx="2">
+            <a:schemeClr val="accent1">
+              <a:shade val="50000"/>
+            </a:schemeClr>
+          </a:lnRef>
+          <a:fillRef idx="1">
+            <a:schemeClr val="accent1"/>
+          </a:fillRef>
+          <a:effectRef idx="0">
+            <a:schemeClr val="accent1"/>
+          </a:effectRef>
+          <a:fontRef idx="minor">
+            <a:schemeClr val="lt1"/>
+          </a:fontRef>
+        </p:style>
+        <p:txBody>
+          <a:bodyPr rtlCol="0" anchor="ctr"/>
+          <a:lstStyle/>
+          <a:p>
+            <a:pPr algn="ctr"/>
+            <a:endParaRPr lang="en-GB"/>
+          </a:p>
+        </p:txBody>
+      </p:sp>
+      <p:sp>
+        <p:nvSpPr>
+          <p:cNvPr id="13" name="Rectangle 12"/>
+          <p:cNvSpPr/>
+          <p:nvPr/>
+        </p:nvSpPr>
+        <p:spPr>
+          <a:xfrm>
+            <a:off x="3020375" y="2692400"/>
+            <a:ext cx="838200" cy="838200"/>
+          </a:xfrm>
+          <a:prstGeom prst="rect">
+            <a:avLst/>
+          </a:prstGeom>
+          <a:solidFill>
+            <a:schemeClr val="bg1"/>
+          </a:solidFill>
+          <a:ln w="28575">
+            <a:solidFill>
+              <a:schemeClr val="tx1"/>
+            </a:solidFill>
+          </a:ln>
+        </p:spPr>
+        <p:style>
+          <a:lnRef idx="2">
+            <a:schemeClr val="accent1">
+              <a:shade val="50000"/>
+            </a:schemeClr>
+          </a:lnRef>
+          <a:fillRef idx="1">
+            <a:schemeClr val="accent1"/>
+          </a:fillRef>
+          <a:effectRef idx="0">
+            <a:schemeClr val="accent1"/>
+          </a:effectRef>
+          <a:fontRef idx="minor">
+            <a:schemeClr val="lt1"/>
+          </a:fontRef>
+        </p:style>
+        <p:txBody>
+          <a:bodyPr rtlCol="0" anchor="ctr"/>
+          <a:lstStyle/>
+          <a:p>
+            <a:pPr algn="ctr"/>
+            <a:endParaRPr lang="en-GB"/>
+          </a:p>
+        </p:txBody>
+      </p:sp>
+      <p:sp>
+        <p:nvSpPr>
+          <p:cNvPr id="14" name="Rectangle 13"/>
+          <p:cNvSpPr/>
+          <p:nvPr/>
+        </p:nvSpPr>
+        <p:spPr>
+          <a:xfrm>
+            <a:off x="3858575" y="2692400"/>
+            <a:ext cx="838200" cy="838200"/>
+          </a:xfrm>
+          <a:prstGeom prst="rect">
+            <a:avLst/>
+          </a:prstGeom>
+          <a:solidFill>
+            <a:schemeClr val="bg1"/>
+          </a:solidFill>
+          <a:ln w="28575">
+            <a:solidFill>
+              <a:schemeClr val="tx1"/>
+            </a:solidFill>
+          </a:ln>
+        </p:spPr>
+        <p:style>
+          <a:lnRef idx="2">
+            <a:schemeClr val="accent1">
+              <a:shade val="50000"/>
+            </a:schemeClr>
+          </a:lnRef>
+          <a:fillRef idx="1">
+            <a:schemeClr val="accent1"/>
+          </a:fillRef>
+          <a:effectRef idx="0">
+            <a:schemeClr val="accent1"/>
+          </a:effectRef>
+          <a:fontRef idx="minor">
+            <a:schemeClr val="lt1"/>
+          </a:fontRef>
+        </p:style>
+        <p:txBody>
+          <a:bodyPr rtlCol="0" anchor="ctr"/>
+          <a:lstStyle/>
+          <a:p>
+            <a:pPr algn="ctr"/>
+            <a:endParaRPr lang="en-GB"/>
+          </a:p>
+        </p:txBody>
+      </p:sp>
+      <p:sp>
+        <p:nvSpPr>
+          <p:cNvPr id="23" name="Rectangle 22"/>
+          <p:cNvSpPr/>
+          <p:nvPr/>
+        </p:nvSpPr>
+        <p:spPr>
+          <a:xfrm>
+            <a:off x="2182175" y="3853549"/>
+            <a:ext cx="838200" cy="838200"/>
+          </a:xfrm>
+          <a:prstGeom prst="rect">
+            <a:avLst/>
+          </a:prstGeom>
+          <a:solidFill>
+            <a:schemeClr val="bg1"/>
+          </a:solidFill>
+          <a:ln w="28575">
+            <a:solidFill>
+              <a:schemeClr val="tx1"/>
+            </a:solidFill>
+          </a:ln>
+        </p:spPr>
+        <p:style>
+          <a:lnRef idx="2">
+            <a:schemeClr val="accent1">
+              <a:shade val="50000"/>
+            </a:schemeClr>
+          </a:lnRef>
+          <a:fillRef idx="1">
+            <a:schemeClr val="accent1"/>
+          </a:fillRef>
+          <a:effectRef idx="0">
+            <a:schemeClr val="accent1"/>
+          </a:effectRef>
+          <a:fontRef idx="minor">
+            <a:schemeClr val="lt1"/>
+          </a:fontRef>
+        </p:style>
+        <p:txBody>
+          <a:bodyPr rtlCol="0" anchor="ctr"/>
+          <a:lstStyle/>
+          <a:p>
+            <a:pPr algn="ctr"/>
+            <a:endParaRPr lang="en-GB"/>
+          </a:p>
+        </p:txBody>
+      </p:sp>
+      <p:sp>
+        <p:nvSpPr>
+          <p:cNvPr id="24" name="Rectangle 23"/>
+          <p:cNvSpPr/>
+          <p:nvPr/>
+        </p:nvSpPr>
+        <p:spPr>
+          <a:xfrm>
+            <a:off x="3020375" y="3853549"/>
+            <a:ext cx="838200" cy="838200"/>
+          </a:xfrm>
+          <a:prstGeom prst="rect">
+            <a:avLst/>
+          </a:prstGeom>
+          <a:solidFill>
+            <a:schemeClr val="bg1"/>
+          </a:solidFill>
+          <a:ln w="28575">
+            <a:solidFill>
+              <a:schemeClr val="tx1"/>
+            </a:solidFill>
+          </a:ln>
+        </p:spPr>
+        <p:style>
+          <a:lnRef idx="2">
+            <a:schemeClr val="accent1">
+              <a:shade val="50000"/>
+            </a:schemeClr>
+          </a:lnRef>
+          <a:fillRef idx="1">
+            <a:schemeClr val="accent1"/>
+          </a:fillRef>
+          <a:effectRef idx="0">
+            <a:schemeClr val="accent1"/>
+          </a:effectRef>
+          <a:fontRef idx="minor">
+            <a:schemeClr val="lt1"/>
+          </a:fontRef>
+        </p:style>
+        <p:txBody>
+          <a:bodyPr rtlCol="0" anchor="ctr"/>
+          <a:lstStyle/>
+          <a:p>
+            <a:pPr algn="ctr"/>
+            <a:endParaRPr lang="en-GB"/>
+          </a:p>
+        </p:txBody>
+      </p:sp>
+      <p:sp>
+        <p:nvSpPr>
+          <p:cNvPr id="25" name="Rectangle 24"/>
+          <p:cNvSpPr/>
+          <p:nvPr/>
+        </p:nvSpPr>
+        <p:spPr>
+          <a:xfrm>
+            <a:off x="3858575" y="3853549"/>
+            <a:ext cx="838200" cy="838200"/>
+          </a:xfrm>
+          <a:prstGeom prst="rect">
+            <a:avLst/>
+          </a:prstGeom>
+          <a:solidFill>
+            <a:schemeClr val="bg1"/>
+          </a:solidFill>
+          <a:ln w="28575">
+            <a:solidFill>
+              <a:schemeClr val="tx1"/>
+            </a:solidFill>
+          </a:ln>
+        </p:spPr>
+        <p:style>
+          <a:lnRef idx="2">
+            <a:schemeClr val="accent1">
+              <a:shade val="50000"/>
+            </a:schemeClr>
+          </a:lnRef>
+          <a:fillRef idx="1">
+            <a:schemeClr val="accent1"/>
+          </a:fillRef>
+          <a:effectRef idx="0">
+            <a:schemeClr val="accent1"/>
+          </a:effectRef>
+          <a:fontRef idx="minor">
+            <a:schemeClr val="lt1"/>
+          </a:fontRef>
+        </p:style>
+        <p:txBody>
+          <a:bodyPr rtlCol="0" anchor="ctr"/>
+          <a:lstStyle/>
+          <a:p>
+            <a:pPr algn="ctr"/>
+            <a:endParaRPr lang="en-GB"/>
+          </a:p>
+        </p:txBody>
+      </p:sp>
+      <p:sp>
+        <p:nvSpPr>
+          <p:cNvPr id="26" name="Rectangle 25"/>
+          <p:cNvSpPr/>
+          <p:nvPr/>
+        </p:nvSpPr>
+        <p:spPr>
+          <a:xfrm>
+            <a:off x="2182175" y="5067780"/>
+            <a:ext cx="838200" cy="838200"/>
+          </a:xfrm>
+          <a:prstGeom prst="rect">
+            <a:avLst/>
+          </a:prstGeom>
+          <a:solidFill>
+            <a:schemeClr val="bg1"/>
+          </a:solidFill>
+          <a:ln w="28575">
+            <a:solidFill>
+              <a:schemeClr val="tx1"/>
+            </a:solidFill>
+          </a:ln>
+        </p:spPr>
+        <p:style>
+          <a:lnRef idx="2">
+            <a:schemeClr val="accent1">
+              <a:shade val="50000"/>
+            </a:schemeClr>
+          </a:lnRef>
+          <a:fillRef idx="1">
+            <a:schemeClr val="accent1"/>
+          </a:fillRef>
+          <a:effectRef idx="0">
+            <a:schemeClr val="accent1"/>
+          </a:effectRef>
+          <a:fontRef idx="minor">
+            <a:schemeClr val="lt1"/>
+          </a:fontRef>
+        </p:style>
+        <p:txBody>
+          <a:bodyPr rtlCol="0" anchor="ctr"/>
+          <a:lstStyle/>
+          <a:p>
+            <a:pPr algn="ctr"/>
+            <a:endParaRPr lang="en-GB"/>
+          </a:p>
+        </p:txBody>
+      </p:sp>
+      <p:sp>
+        <p:nvSpPr>
+          <p:cNvPr id="27" name="Rectangle 26"/>
+          <p:cNvSpPr/>
+          <p:nvPr/>
+        </p:nvSpPr>
+        <p:spPr>
+          <a:xfrm>
+            <a:off x="3020375" y="5067780"/>
+            <a:ext cx="838200" cy="838200"/>
+          </a:xfrm>
+          <a:prstGeom prst="rect">
+            <a:avLst/>
+          </a:prstGeom>
+          <a:solidFill>
+            <a:schemeClr val="bg1"/>
+          </a:solidFill>
+          <a:ln w="28575">
+            <a:solidFill>
+              <a:schemeClr val="tx1"/>
+            </a:solidFill>
+          </a:ln>
+        </p:spPr>
+        <p:style>
+          <a:lnRef idx="2">
+            <a:schemeClr val="accent1">
+              <a:shade val="50000"/>
+            </a:schemeClr>
+          </a:lnRef>
+          <a:fillRef idx="1">
+            <a:schemeClr val="accent1"/>
+          </a:fillRef>
+          <a:effectRef idx="0">
+            <a:schemeClr val="accent1"/>
+          </a:effectRef>
+          <a:fontRef idx="minor">
+            <a:schemeClr val="lt1"/>
+          </a:fontRef>
+        </p:style>
+        <p:txBody>
+          <a:bodyPr rtlCol="0" anchor="ctr"/>
+          <a:lstStyle/>
+          <a:p>
+            <a:pPr algn="ctr"/>
+            <a:endParaRPr lang="en-GB"/>
+          </a:p>
+        </p:txBody>
+      </p:sp>
+      <p:sp>
+        <p:nvSpPr>
+          <p:cNvPr id="28" name="Rectangle 27"/>
+          <p:cNvSpPr/>
+          <p:nvPr/>
+        </p:nvSpPr>
+        <p:spPr>
+          <a:xfrm>
+            <a:off x="3858575" y="5067780"/>
+            <a:ext cx="838200" cy="838200"/>
+          </a:xfrm>
+          <a:prstGeom prst="rect">
+            <a:avLst/>
+          </a:prstGeom>
+          <a:solidFill>
+            <a:schemeClr val="bg1"/>
+          </a:solidFill>
+          <a:ln w="28575">
+            <a:solidFill>
+              <a:schemeClr val="tx1"/>
+            </a:solidFill>
+          </a:ln>
+        </p:spPr>
+        <p:style>
+          <a:lnRef idx="2">
+            <a:schemeClr val="accent1">
+              <a:shade val="50000"/>
+            </a:schemeClr>
+          </a:lnRef>
+          <a:fillRef idx="1">
+            <a:schemeClr val="accent1"/>
+          </a:fillRef>
+          <a:effectRef idx="0">
+            <a:schemeClr val="accent1"/>
+          </a:effectRef>
+          <a:fontRef idx="minor">
+            <a:schemeClr val="lt1"/>
+          </a:fontRef>
+        </p:style>
+        <p:txBody>
+          <a:bodyPr rtlCol="0" anchor="ctr"/>
+          <a:lstStyle/>
+          <a:p>
+            <a:pPr algn="ctr"/>
+            <a:endParaRPr lang="en-GB"/>
+          </a:p>
+        </p:txBody>
+      </p:sp>
+      <p:sp>
+        <p:nvSpPr>
+          <p:cNvPr id="32" name="Isosceles Triangle 31"/>
+          <p:cNvSpPr/>
+          <p:nvPr/>
+        </p:nvSpPr>
+        <p:spPr>
+          <a:xfrm rot="5400000">
+            <a:off x="4645046" y="5404998"/>
+            <a:ext cx="414868" cy="163764"/>
+          </a:xfrm>
+          <a:prstGeom prst="triangle">
+            <a:avLst/>
+          </a:prstGeom>
+          <a:solidFill>
+            <a:schemeClr val="tx1"/>
+          </a:solidFill>
+          <a:ln>
+            <a:solidFill>
+              <a:schemeClr val="tx1"/>
+            </a:solidFill>
+          </a:ln>
+        </p:spPr>
+        <p:style>
+          <a:lnRef idx="2">
+            <a:schemeClr val="accent1">
+              <a:shade val="50000"/>
+            </a:schemeClr>
+          </a:lnRef>
+          <a:fillRef idx="1">
+            <a:schemeClr val="accent1"/>
+          </a:fillRef>
+          <a:effectRef idx="0">
+            <a:schemeClr val="accent1"/>
+          </a:effectRef>
+          <a:fontRef idx="minor">
+            <a:schemeClr val="lt1"/>
+          </a:fontRef>
+        </p:style>
+        <p:txBody>
+          <a:bodyPr rtlCol="0" anchor="ctr"/>
+          <a:lstStyle/>
+          <a:p>
+            <a:pPr algn="ctr"/>
+            <a:endParaRPr lang="en-GB"/>
+          </a:p>
+        </p:txBody>
+      </p:sp>
+      <p:sp>
+        <p:nvSpPr>
+          <p:cNvPr id="33" name="Isosceles Triangle 32"/>
+          <p:cNvSpPr/>
+          <p:nvPr/>
+        </p:nvSpPr>
+        <p:spPr>
+          <a:xfrm rot="5400000">
+            <a:off x="4645046" y="4190767"/>
+            <a:ext cx="414868" cy="163764"/>
+          </a:xfrm>
+          <a:prstGeom prst="triangle">
+            <a:avLst/>
+          </a:prstGeom>
+          <a:solidFill>
+            <a:schemeClr val="tx1"/>
+          </a:solidFill>
+          <a:ln>
+            <a:solidFill>
+              <a:schemeClr val="tx1"/>
+            </a:solidFill>
+          </a:ln>
+        </p:spPr>
+        <p:style>
+          <a:lnRef idx="2">
+            <a:schemeClr val="accent1">
+              <a:shade val="50000"/>
+            </a:schemeClr>
+          </a:lnRef>
+          <a:fillRef idx="1">
+            <a:schemeClr val="accent1"/>
+          </a:fillRef>
+          <a:effectRef idx="0">
+            <a:schemeClr val="accent1"/>
+          </a:effectRef>
+          <a:fontRef idx="minor">
+            <a:schemeClr val="lt1"/>
+          </a:fontRef>
+        </p:style>
+        <p:txBody>
+          <a:bodyPr rtlCol="0" anchor="ctr"/>
+          <a:lstStyle/>
+          <a:p>
+            <a:pPr algn="ctr"/>
+            <a:endParaRPr lang="en-GB"/>
+          </a:p>
+        </p:txBody>
+      </p:sp>
+      <p:sp>
+        <p:nvSpPr>
+          <p:cNvPr id="34" name="Isosceles Triangle 33"/>
+          <p:cNvSpPr/>
+          <p:nvPr/>
+        </p:nvSpPr>
+        <p:spPr>
+          <a:xfrm rot="16200000">
+            <a:off x="1833156" y="3029618"/>
+            <a:ext cx="414868" cy="163764"/>
+          </a:xfrm>
+          <a:prstGeom prst="triangle">
+            <a:avLst/>
+          </a:prstGeom>
+          <a:solidFill>
+            <a:schemeClr val="tx1"/>
+          </a:solidFill>
+          <a:ln>
+            <a:solidFill>
+              <a:schemeClr val="tx1"/>
+            </a:solidFill>
+          </a:ln>
+        </p:spPr>
+        <p:style>
+          <a:lnRef idx="2">
+            <a:schemeClr val="accent1">
+              <a:shade val="50000"/>
+            </a:schemeClr>
+          </a:lnRef>
+          <a:fillRef idx="1">
+            <a:schemeClr val="accent1"/>
+          </a:fillRef>
+          <a:effectRef idx="0">
+            <a:schemeClr val="accent1"/>
+          </a:effectRef>
+          <a:fontRef idx="minor">
+            <a:schemeClr val="lt1"/>
+          </a:fontRef>
+        </p:style>
+        <p:txBody>
+          <a:bodyPr rtlCol="0" anchor="ctr"/>
+          <a:lstStyle/>
+          <a:p>
+            <a:pPr algn="ctr"/>
+            <a:endParaRPr lang="en-GB"/>
+          </a:p>
+        </p:txBody>
+      </p:sp>
+      <p:sp>
+        <p:nvSpPr>
+          <p:cNvPr id="37" name="Isosceles Triangle 36"/>
+          <p:cNvSpPr/>
+          <p:nvPr/>
+        </p:nvSpPr>
+        <p:spPr>
+          <a:xfrm>
+            <a:off x="2459269" y="2948519"/>
+            <a:ext cx="180000" cy="207434"/>
+          </a:xfrm>
+          <a:prstGeom prst="triangle">
+            <a:avLst/>
+          </a:prstGeom>
+          <a:solidFill>
+            <a:schemeClr val="bg1">
+              <a:lumMod val="85000"/>
+            </a:schemeClr>
+          </a:solidFill>
+          <a:ln>
+            <a:solidFill>
+              <a:schemeClr val="tx1"/>
+            </a:solidFill>
+          </a:ln>
+        </p:spPr>
+        <p:style>
+          <a:lnRef idx="2">
+            <a:schemeClr val="accent1">
+              <a:shade val="50000"/>
+            </a:schemeClr>
+          </a:lnRef>
+          <a:fillRef idx="1">
+            <a:schemeClr val="accent1"/>
+          </a:fillRef>
+          <a:effectRef idx="0">
+            <a:schemeClr val="accent1"/>
+          </a:effectRef>
+          <a:fontRef idx="minor">
+            <a:schemeClr val="lt1"/>
+          </a:fontRef>
+        </p:style>
+        <p:txBody>
+          <a:bodyPr rtlCol="0" anchor="ctr"/>
+          <a:lstStyle/>
+          <a:p>
+            <a:pPr algn="ctr"/>
+            <a:endParaRPr lang="en-GB"/>
+          </a:p>
+        </p:txBody>
+      </p:sp>
+      <p:sp>
+        <p:nvSpPr>
+          <p:cNvPr id="38" name="Rectangle 37"/>
+          <p:cNvSpPr/>
+          <p:nvPr/>
+        </p:nvSpPr>
+        <p:spPr>
+          <a:xfrm>
+            <a:off x="2459269" y="3161080"/>
+            <a:ext cx="180000" cy="332643"/>
+          </a:xfrm>
+          <a:prstGeom prst="rect">
+            <a:avLst/>
+          </a:prstGeom>
+          <a:solidFill>
+            <a:schemeClr val="bg1">
+              <a:lumMod val="85000"/>
+            </a:schemeClr>
+          </a:solidFill>
+          <a:ln>
+            <a:solidFill>
+              <a:schemeClr val="tx1"/>
+            </a:solidFill>
+          </a:ln>
+        </p:spPr>
+        <p:style>
+          <a:lnRef idx="2">
+            <a:schemeClr val="accent1">
+              <a:shade val="50000"/>
+            </a:schemeClr>
+          </a:lnRef>
+          <a:fillRef idx="1">
+            <a:schemeClr val="accent1"/>
+          </a:fillRef>
+          <a:effectRef idx="0">
+            <a:schemeClr val="accent1"/>
+          </a:effectRef>
+          <a:fontRef idx="minor">
+            <a:schemeClr val="lt1"/>
+          </a:fontRef>
+        </p:style>
+        <p:txBody>
+          <a:bodyPr rtlCol="0" anchor="ctr"/>
+          <a:lstStyle/>
+          <a:p>
+            <a:pPr algn="ctr"/>
+            <a:endParaRPr lang="en-GB"/>
+          </a:p>
+        </p:txBody>
+      </p:sp>
+      <p:sp>
+        <p:nvSpPr>
+          <p:cNvPr id="47" name="TextBox 46"/>
+          <p:cNvSpPr txBox="1"/>
+          <p:nvPr/>
+        </p:nvSpPr>
+        <p:spPr>
+          <a:xfrm>
+            <a:off x="2200203" y="2721092"/>
+            <a:ext cx="750330" cy="261610"/>
+          </a:xfrm>
+          <a:prstGeom prst="rect">
+            <a:avLst/>
+          </a:prstGeom>
+          <a:noFill/>
+        </p:spPr>
+        <p:txBody>
+          <a:bodyPr wrap="square" rtlCol="0">
+            <a:spAutoFit/>
+          </a:bodyPr>
+          <a:lstStyle/>
+          <a:p>
+            <a:pPr algn="ctr"/>
+            <a:r>
+              <a:rPr lang="en-GB" sz="1100" dirty="0" smtClean="0"/>
+              <a:t>Medium</a:t>
+            </a:r>
+            <a:endParaRPr lang="en-GB" sz="1100" dirty="0"/>
+          </a:p>
+        </p:txBody>
+      </p:sp>
+      <p:sp>
+        <p:nvSpPr>
+          <p:cNvPr id="48" name="TextBox 47"/>
+          <p:cNvSpPr txBox="1"/>
+          <p:nvPr/>
+        </p:nvSpPr>
+        <p:spPr>
+          <a:xfrm>
+            <a:off x="3193836" y="2721092"/>
+            <a:ext cx="567266" cy="261610"/>
+          </a:xfrm>
+          <a:prstGeom prst="rect">
+            <a:avLst/>
+          </a:prstGeom>
+          <a:noFill/>
+        </p:spPr>
+        <p:txBody>
+          <a:bodyPr wrap="square" rtlCol="0">
+            <a:spAutoFit/>
+          </a:bodyPr>
+          <a:lstStyle/>
+          <a:p>
+            <a:pPr algn="ctr"/>
+            <a:r>
+              <a:rPr lang="en-GB" sz="1100" dirty="0" smtClean="0"/>
+              <a:t>Large</a:t>
+            </a:r>
+            <a:endParaRPr lang="en-GB" sz="1100" dirty="0"/>
+          </a:p>
+        </p:txBody>
+      </p:sp>
+      <p:sp>
+        <p:nvSpPr>
+          <p:cNvPr id="51" name="TextBox 50"/>
+          <p:cNvSpPr txBox="1"/>
+          <p:nvPr/>
+        </p:nvSpPr>
+        <p:spPr>
+          <a:xfrm>
+            <a:off x="2339968" y="3864735"/>
+            <a:ext cx="567266" cy="261610"/>
+          </a:xfrm>
+          <a:prstGeom prst="rect">
+            <a:avLst/>
+          </a:prstGeom>
+          <a:noFill/>
+        </p:spPr>
+        <p:txBody>
+          <a:bodyPr wrap="square" rtlCol="0">
+            <a:spAutoFit/>
+          </a:bodyPr>
+          <a:lstStyle/>
+          <a:p>
+            <a:pPr algn="ctr"/>
+            <a:r>
+              <a:rPr lang="en-GB" sz="1100" dirty="0" smtClean="0"/>
+              <a:t>Small</a:t>
+            </a:r>
+            <a:endParaRPr lang="en-GB" sz="1100" dirty="0"/>
+          </a:p>
+        </p:txBody>
+      </p:sp>
+      <p:sp>
+        <p:nvSpPr>
+          <p:cNvPr id="52" name="TextBox 51"/>
+          <p:cNvSpPr txBox="1"/>
+          <p:nvPr/>
+        </p:nvSpPr>
+        <p:spPr>
+          <a:xfrm>
+            <a:off x="3054779" y="3864735"/>
+            <a:ext cx="750330" cy="261610"/>
+          </a:xfrm>
+          <a:prstGeom prst="rect">
+            <a:avLst/>
+          </a:prstGeom>
+          <a:noFill/>
+        </p:spPr>
+        <p:txBody>
+          <a:bodyPr wrap="square" rtlCol="0">
+            <a:spAutoFit/>
+          </a:bodyPr>
+          <a:lstStyle/>
+          <a:p>
+            <a:pPr algn="ctr"/>
+            <a:r>
+              <a:rPr lang="en-GB" sz="1100" dirty="0" smtClean="0"/>
+              <a:t>Medium</a:t>
+            </a:r>
+            <a:endParaRPr lang="en-GB" sz="1100" dirty="0"/>
+          </a:p>
+        </p:txBody>
+      </p:sp>
+      <p:sp>
+        <p:nvSpPr>
+          <p:cNvPr id="53" name="TextBox 52"/>
+          <p:cNvSpPr txBox="1"/>
+          <p:nvPr/>
+        </p:nvSpPr>
+        <p:spPr>
+          <a:xfrm>
+            <a:off x="4048412" y="3864735"/>
+            <a:ext cx="567266" cy="261610"/>
+          </a:xfrm>
+          <a:prstGeom prst="rect">
+            <a:avLst/>
+          </a:prstGeom>
+          <a:noFill/>
+        </p:spPr>
+        <p:txBody>
+          <a:bodyPr wrap="square" rtlCol="0">
+            <a:spAutoFit/>
+          </a:bodyPr>
+          <a:lstStyle/>
+          <a:p>
+            <a:pPr algn="ctr"/>
+            <a:r>
+              <a:rPr lang="en-GB" sz="1100" dirty="0" smtClean="0"/>
+              <a:t>Large</a:t>
+            </a:r>
+            <a:endParaRPr lang="en-GB" sz="1100" dirty="0"/>
+          </a:p>
+        </p:txBody>
+      </p:sp>
+      <p:sp>
+        <p:nvSpPr>
+          <p:cNvPr id="54" name="TextBox 53"/>
+          <p:cNvSpPr txBox="1"/>
+          <p:nvPr/>
+        </p:nvSpPr>
+        <p:spPr>
+          <a:xfrm>
+            <a:off x="3169911" y="5114363"/>
+            <a:ext cx="567266" cy="261610"/>
+          </a:xfrm>
+          <a:prstGeom prst="rect">
+            <a:avLst/>
+          </a:prstGeom>
+          <a:noFill/>
+        </p:spPr>
+        <p:txBody>
+          <a:bodyPr wrap="square" rtlCol="0">
+            <a:spAutoFit/>
+          </a:bodyPr>
+          <a:lstStyle/>
+          <a:p>
+            <a:pPr algn="ctr"/>
+            <a:r>
+              <a:rPr lang="en-GB" sz="1100" dirty="0" smtClean="0"/>
+              <a:t>Small</a:t>
+            </a:r>
+            <a:endParaRPr lang="en-GB" sz="1100" dirty="0"/>
+          </a:p>
+        </p:txBody>
+      </p:sp>
+      <p:sp>
+        <p:nvSpPr>
+          <p:cNvPr id="55" name="TextBox 54"/>
+          <p:cNvSpPr txBox="1"/>
+          <p:nvPr/>
+        </p:nvSpPr>
+        <p:spPr>
+          <a:xfrm>
+            <a:off x="3884722" y="5114363"/>
+            <a:ext cx="750330" cy="261610"/>
+          </a:xfrm>
+          <a:prstGeom prst="rect">
+            <a:avLst/>
+          </a:prstGeom>
+          <a:noFill/>
+        </p:spPr>
+        <p:txBody>
+          <a:bodyPr wrap="square" rtlCol="0">
+            <a:spAutoFit/>
+          </a:bodyPr>
+          <a:lstStyle/>
+          <a:p>
+            <a:pPr algn="ctr"/>
+            <a:r>
+              <a:rPr lang="en-GB" sz="1100" dirty="0" smtClean="0"/>
+              <a:t>Medium</a:t>
+            </a:r>
+            <a:endParaRPr lang="en-GB" sz="1100" dirty="0"/>
+          </a:p>
+        </p:txBody>
+      </p:sp>
+      <p:sp>
+        <p:nvSpPr>
+          <p:cNvPr id="60" name="TextBox 59"/>
+          <p:cNvSpPr txBox="1"/>
+          <p:nvPr/>
+        </p:nvSpPr>
+        <p:spPr>
+          <a:xfrm>
+            <a:off x="2146892" y="5114363"/>
+            <a:ext cx="928962" cy="261610"/>
+          </a:xfrm>
+          <a:prstGeom prst="rect">
+            <a:avLst/>
+          </a:prstGeom>
+          <a:noFill/>
+        </p:spPr>
+        <p:txBody>
+          <a:bodyPr wrap="square" rtlCol="0">
+            <a:spAutoFit/>
+          </a:bodyPr>
+          <a:lstStyle/>
+          <a:p>
+            <a:pPr algn="ctr"/>
+            <a:r>
+              <a:rPr lang="en-GB" sz="1100" dirty="0" smtClean="0"/>
+              <a:t>Spaceplane</a:t>
+            </a:r>
+            <a:endParaRPr lang="en-GB" sz="1100" dirty="0"/>
+          </a:p>
+        </p:txBody>
+      </p:sp>
+      <p:sp>
+        <p:nvSpPr>
+          <p:cNvPr id="62" name="Rectangle 61"/>
+          <p:cNvSpPr/>
+          <p:nvPr/>
+        </p:nvSpPr>
+        <p:spPr>
+          <a:xfrm>
+            <a:off x="4074864" y="4027460"/>
+            <a:ext cx="487348" cy="395119"/>
+          </a:xfrm>
+          <a:prstGeom prst="rect">
+            <a:avLst/>
+          </a:prstGeom>
+          <a:solidFill>
+            <a:schemeClr val="bg1">
+              <a:lumMod val="85000"/>
+            </a:schemeClr>
+          </a:solidFill>
+          <a:ln>
+            <a:solidFill>
+              <a:schemeClr val="tx1"/>
+            </a:solidFill>
+          </a:ln>
+        </p:spPr>
+        <p:style>
+          <a:lnRef idx="2">
+            <a:schemeClr val="accent1">
+              <a:shade val="50000"/>
+            </a:schemeClr>
+          </a:lnRef>
+          <a:fillRef idx="1">
+            <a:schemeClr val="accent1"/>
+          </a:fillRef>
+          <a:effectRef idx="0">
+            <a:schemeClr val="accent1"/>
+          </a:effectRef>
+          <a:fontRef idx="minor">
+            <a:schemeClr val="lt1"/>
+          </a:fontRef>
+        </p:style>
+        <p:txBody>
+          <a:bodyPr rtlCol="0" anchor="ctr"/>
+          <a:lstStyle/>
+          <a:p>
+            <a:pPr algn="ctr"/>
+            <a:endParaRPr lang="en-GB"/>
+          </a:p>
+        </p:txBody>
+      </p:sp>
+      <p:sp>
+        <p:nvSpPr>
+          <p:cNvPr id="63" name="Rectangle 62"/>
+          <p:cNvSpPr/>
+          <p:nvPr/>
+        </p:nvSpPr>
+        <p:spPr>
+          <a:xfrm>
+            <a:off x="3313845" y="4109987"/>
+            <a:ext cx="180000" cy="332643"/>
+          </a:xfrm>
+          <a:prstGeom prst="rect">
+            <a:avLst/>
+          </a:prstGeom>
+          <a:solidFill>
+            <a:schemeClr val="bg1">
+              <a:lumMod val="85000"/>
+            </a:schemeClr>
+          </a:solidFill>
+          <a:ln>
+            <a:solidFill>
+              <a:schemeClr val="tx1"/>
+            </a:solidFill>
+          </a:ln>
+        </p:spPr>
+        <p:style>
+          <a:lnRef idx="2">
+            <a:schemeClr val="accent1">
+              <a:shade val="50000"/>
+            </a:schemeClr>
+          </a:lnRef>
+          <a:fillRef idx="1">
+            <a:schemeClr val="accent1"/>
+          </a:fillRef>
+          <a:effectRef idx="0">
+            <a:schemeClr val="accent1"/>
+          </a:effectRef>
+          <a:fontRef idx="minor">
+            <a:schemeClr val="lt1"/>
+          </a:fontRef>
+        </p:style>
+        <p:txBody>
+          <a:bodyPr rtlCol="0" anchor="ctr"/>
+          <a:lstStyle/>
+          <a:p>
+            <a:pPr algn="ctr"/>
+            <a:endParaRPr lang="en-GB"/>
+          </a:p>
+        </p:txBody>
+      </p:sp>
+      <p:sp>
+        <p:nvSpPr>
+          <p:cNvPr id="64" name="Rectangle 63"/>
+          <p:cNvSpPr/>
+          <p:nvPr/>
+        </p:nvSpPr>
+        <p:spPr>
+          <a:xfrm>
+            <a:off x="2538148" y="4178252"/>
+            <a:ext cx="120356" cy="222420"/>
+          </a:xfrm>
+          <a:prstGeom prst="rect">
+            <a:avLst/>
+          </a:prstGeom>
+          <a:solidFill>
+            <a:schemeClr val="bg1">
+              <a:lumMod val="85000"/>
+            </a:schemeClr>
+          </a:solidFill>
+          <a:ln>
+            <a:solidFill>
+              <a:schemeClr val="tx1"/>
+            </a:solidFill>
+          </a:ln>
+        </p:spPr>
+        <p:style>
+          <a:lnRef idx="2">
+            <a:schemeClr val="accent1">
+              <a:shade val="50000"/>
+            </a:schemeClr>
+          </a:lnRef>
+          <a:fillRef idx="1">
+            <a:schemeClr val="accent1"/>
+          </a:fillRef>
+          <a:effectRef idx="0">
+            <a:schemeClr val="accent1"/>
+          </a:effectRef>
+          <a:fontRef idx="minor">
+            <a:schemeClr val="lt1"/>
+          </a:fontRef>
+        </p:style>
+        <p:txBody>
+          <a:bodyPr rtlCol="0" anchor="ctr"/>
+          <a:lstStyle/>
+          <a:p>
+            <a:pPr algn="ctr"/>
+            <a:endParaRPr lang="en-GB"/>
+          </a:p>
+        </p:txBody>
+      </p:sp>
+      <p:sp>
+        <p:nvSpPr>
+          <p:cNvPr id="65" name="Isosceles Triangle 64"/>
+          <p:cNvSpPr/>
+          <p:nvPr/>
+        </p:nvSpPr>
+        <p:spPr>
+          <a:xfrm>
+            <a:off x="2538148" y="4405441"/>
+            <a:ext cx="120356" cy="138700"/>
+          </a:xfrm>
+          <a:prstGeom prst="triangle">
+            <a:avLst/>
+          </a:prstGeom>
+          <a:solidFill>
+            <a:schemeClr val="bg1">
+              <a:lumMod val="85000"/>
+            </a:schemeClr>
+          </a:solidFill>
+          <a:ln>
+            <a:solidFill>
+              <a:schemeClr val="tx1"/>
+            </a:solidFill>
+          </a:ln>
+        </p:spPr>
+        <p:style>
+          <a:lnRef idx="2">
+            <a:schemeClr val="accent1">
+              <a:shade val="50000"/>
+            </a:schemeClr>
+          </a:lnRef>
+          <a:fillRef idx="1">
+            <a:schemeClr val="accent1"/>
+          </a:fillRef>
+          <a:effectRef idx="0">
+            <a:schemeClr val="accent1"/>
+          </a:effectRef>
+          <a:fontRef idx="minor">
+            <a:schemeClr val="lt1"/>
+          </a:fontRef>
+        </p:style>
+        <p:txBody>
+          <a:bodyPr rtlCol="0" anchor="ctr"/>
+          <a:lstStyle/>
+          <a:p>
+            <a:pPr algn="ctr"/>
+            <a:endParaRPr lang="en-GB"/>
+          </a:p>
+        </p:txBody>
+      </p:sp>
+      <p:sp>
+        <p:nvSpPr>
+          <p:cNvPr id="66" name="Isosceles Triangle 65"/>
+          <p:cNvSpPr/>
+          <p:nvPr/>
+        </p:nvSpPr>
+        <p:spPr>
+          <a:xfrm>
+            <a:off x="3313845" y="4449224"/>
+            <a:ext cx="180000" cy="207434"/>
+          </a:xfrm>
+          <a:prstGeom prst="triangle">
+            <a:avLst/>
+          </a:prstGeom>
+          <a:solidFill>
+            <a:schemeClr val="bg1">
+              <a:lumMod val="85000"/>
+            </a:schemeClr>
+          </a:solidFill>
+          <a:ln>
+            <a:solidFill>
+              <a:schemeClr val="tx1"/>
+            </a:solidFill>
+          </a:ln>
+        </p:spPr>
+        <p:style>
+          <a:lnRef idx="2">
+            <a:schemeClr val="accent1">
+              <a:shade val="50000"/>
+            </a:schemeClr>
+          </a:lnRef>
+          <a:fillRef idx="1">
+            <a:schemeClr val="accent1"/>
+          </a:fillRef>
+          <a:effectRef idx="0">
+            <a:schemeClr val="accent1"/>
+          </a:effectRef>
+          <a:fontRef idx="minor">
+            <a:schemeClr val="lt1"/>
+          </a:fontRef>
+        </p:style>
+        <p:txBody>
+          <a:bodyPr rtlCol="0" anchor="ctr"/>
+          <a:lstStyle/>
+          <a:p>
+            <a:pPr algn="ctr"/>
+            <a:endParaRPr lang="en-GB"/>
+          </a:p>
+        </p:txBody>
+      </p:sp>
+      <p:sp>
+        <p:nvSpPr>
+          <p:cNvPr id="67" name="Isosceles Triangle 66"/>
+          <p:cNvSpPr/>
+          <p:nvPr/>
+        </p:nvSpPr>
+        <p:spPr>
+          <a:xfrm>
+            <a:off x="4074864" y="4431457"/>
+            <a:ext cx="487348" cy="246394"/>
+          </a:xfrm>
+          <a:prstGeom prst="triangle">
+            <a:avLst/>
+          </a:prstGeom>
+          <a:solidFill>
+            <a:schemeClr val="bg1">
+              <a:lumMod val="85000"/>
+            </a:schemeClr>
+          </a:solidFill>
+          <a:ln>
+            <a:solidFill>
+              <a:schemeClr val="tx1"/>
+            </a:solidFill>
+          </a:ln>
+        </p:spPr>
+        <p:style>
+          <a:lnRef idx="2">
+            <a:schemeClr val="accent1">
+              <a:shade val="50000"/>
+            </a:schemeClr>
+          </a:lnRef>
+          <a:fillRef idx="1">
+            <a:schemeClr val="accent1"/>
+          </a:fillRef>
+          <a:effectRef idx="0">
+            <a:schemeClr val="accent1"/>
+          </a:effectRef>
+          <a:fontRef idx="minor">
+            <a:schemeClr val="lt1"/>
+          </a:fontRef>
+        </p:style>
+        <p:txBody>
+          <a:bodyPr rtlCol="0" anchor="ctr"/>
+          <a:lstStyle/>
+          <a:p>
+            <a:pPr algn="ctr"/>
+            <a:endParaRPr lang="en-GB"/>
+          </a:p>
+        </p:txBody>
+      </p:sp>
+      <p:sp>
+        <p:nvSpPr>
+          <p:cNvPr id="69" name="Rectangle 68"/>
+          <p:cNvSpPr/>
+          <p:nvPr/>
+        </p:nvSpPr>
+        <p:spPr>
+          <a:xfrm>
+            <a:off x="4163733" y="5338762"/>
+            <a:ext cx="180000" cy="332643"/>
+          </a:xfrm>
+          <a:prstGeom prst="rect">
+            <a:avLst/>
+          </a:prstGeom>
+          <a:solidFill>
+            <a:schemeClr val="bg1">
+              <a:lumMod val="85000"/>
+            </a:schemeClr>
+          </a:solidFill>
+          <a:ln>
+            <a:solidFill>
+              <a:schemeClr val="tx1"/>
+            </a:solidFill>
+          </a:ln>
+        </p:spPr>
+        <p:style>
+          <a:lnRef idx="2">
+            <a:schemeClr val="accent1">
+              <a:shade val="50000"/>
+            </a:schemeClr>
+          </a:lnRef>
+          <a:fillRef idx="1">
+            <a:schemeClr val="accent1"/>
+          </a:fillRef>
+          <a:effectRef idx="0">
+            <a:schemeClr val="accent1"/>
+          </a:effectRef>
+          <a:fontRef idx="minor">
+            <a:schemeClr val="lt1"/>
+          </a:fontRef>
+        </p:style>
+        <p:txBody>
+          <a:bodyPr rtlCol="0" anchor="ctr"/>
+          <a:lstStyle/>
+          <a:p>
+            <a:pPr algn="ctr"/>
+            <a:endParaRPr lang="en-GB"/>
+          </a:p>
+        </p:txBody>
+      </p:sp>
+      <p:sp>
+        <p:nvSpPr>
+          <p:cNvPr id="72" name="Isosceles Triangle 71"/>
+          <p:cNvSpPr/>
+          <p:nvPr/>
+        </p:nvSpPr>
+        <p:spPr>
+          <a:xfrm>
+            <a:off x="4163733" y="5677999"/>
+            <a:ext cx="180000" cy="207434"/>
+          </a:xfrm>
+          <a:prstGeom prst="triangle">
+            <a:avLst/>
+          </a:prstGeom>
+          <a:solidFill>
+            <a:schemeClr val="bg1">
+              <a:lumMod val="85000"/>
+            </a:schemeClr>
+          </a:solidFill>
+          <a:ln>
+            <a:solidFill>
+              <a:schemeClr val="tx1"/>
+            </a:solidFill>
+          </a:ln>
+        </p:spPr>
+        <p:style>
+          <a:lnRef idx="2">
+            <a:schemeClr val="accent1">
+              <a:shade val="50000"/>
+            </a:schemeClr>
+          </a:lnRef>
+          <a:fillRef idx="1">
+            <a:schemeClr val="accent1"/>
+          </a:fillRef>
+          <a:effectRef idx="0">
+            <a:schemeClr val="accent1"/>
+          </a:effectRef>
+          <a:fontRef idx="minor">
+            <a:schemeClr val="lt1"/>
+          </a:fontRef>
+        </p:style>
+        <p:txBody>
+          <a:bodyPr rtlCol="0" anchor="ctr"/>
+          <a:lstStyle/>
+          <a:p>
+            <a:pPr algn="ctr"/>
+            <a:endParaRPr lang="en-GB"/>
+          </a:p>
+        </p:txBody>
+      </p:sp>
+      <p:pic>
+        <p:nvPicPr>
+          <p:cNvPr id="7170" name="Picture 2" descr="Transport Airplane Take Off icon"/>
+          <p:cNvPicPr>
+            <a:picLocks noChangeAspect="1" noChangeArrowheads="1"/>
+          </p:cNvPicPr>
+          <p:nvPr/>
+        </p:nvPicPr>
+        <p:blipFill>
+          <a:blip r:embed="rId2" cstate="print">
+            <a:extLst>
+              <a:ext uri="{28A0092B-C50C-407E-A947-70E740481C1C}">
+                <a14:useLocalDpi xmlns:a14="http://schemas.microsoft.com/office/drawing/2010/main" val="0"/>
+              </a:ext>
+            </a:extLst>
+          </a:blip>
+          <a:srcRect/>
+          <a:stretch>
+            <a:fillRect/>
+          </a:stretch>
+        </p:blipFill>
+        <p:spPr bwMode="auto">
+          <a:xfrm>
+            <a:off x="2302549" y="5269483"/>
+            <a:ext cx="615950" cy="615950"/>
+          </a:xfrm>
+          <a:prstGeom prst="rect">
+            <a:avLst/>
+          </a:prstGeom>
+          <a:noFill/>
+          <a:extLst>
+            <a:ext uri="{909E8E84-426E-40DD-AFC4-6F175D3DCCD1}">
+              <a14:hiddenFill xmlns:a14="http://schemas.microsoft.com/office/drawing/2010/main">
+                <a:solidFill>
+                  <a:srgbClr val="FFFFFF"/>
+                </a:solidFill>
+              </a14:hiddenFill>
+            </a:ext>
+          </a:extLst>
+        </p:spPr>
+      </p:pic>
+      <p:sp>
+        <p:nvSpPr>
+          <p:cNvPr id="77" name="Rectangle 76"/>
+          <p:cNvSpPr/>
+          <p:nvPr/>
+        </p:nvSpPr>
+        <p:spPr>
+          <a:xfrm>
+            <a:off x="6129027" y="3493723"/>
+            <a:ext cx="180000" cy="332643"/>
+          </a:xfrm>
+          <a:prstGeom prst="rect">
+            <a:avLst/>
+          </a:prstGeom>
+          <a:solidFill>
+            <a:schemeClr val="bg1">
+              <a:lumMod val="85000"/>
+            </a:schemeClr>
+          </a:solidFill>
+          <a:ln>
+            <a:solidFill>
+              <a:schemeClr val="tx1"/>
+            </a:solidFill>
+          </a:ln>
+        </p:spPr>
+        <p:style>
+          <a:lnRef idx="2">
+            <a:schemeClr val="accent1">
+              <a:shade val="50000"/>
+            </a:schemeClr>
+          </a:lnRef>
+          <a:fillRef idx="1">
+            <a:schemeClr val="accent1"/>
+          </a:fillRef>
+          <a:effectRef idx="0">
+            <a:schemeClr val="accent1"/>
+          </a:effectRef>
+          <a:fontRef idx="minor">
+            <a:schemeClr val="lt1"/>
+          </a:fontRef>
+        </p:style>
+        <p:txBody>
+          <a:bodyPr rtlCol="0" anchor="ctr"/>
+          <a:lstStyle/>
+          <a:p>
+            <a:pPr algn="ctr"/>
+            <a:endParaRPr lang="en-GB"/>
+          </a:p>
+        </p:txBody>
+      </p:sp>
+      <p:sp>
+        <p:nvSpPr>
+          <p:cNvPr id="79" name="Rectangle 78"/>
+          <p:cNvSpPr/>
+          <p:nvPr/>
+        </p:nvSpPr>
+        <p:spPr>
+          <a:xfrm>
+            <a:off x="6164622" y="3838834"/>
+            <a:ext cx="120356" cy="222420"/>
+          </a:xfrm>
+          <a:prstGeom prst="rect">
+            <a:avLst/>
+          </a:prstGeom>
+          <a:solidFill>
+            <a:schemeClr val="bg1">
+              <a:lumMod val="85000"/>
+            </a:schemeClr>
+          </a:solidFill>
+          <a:ln>
+            <a:solidFill>
+              <a:schemeClr val="tx1"/>
+            </a:solidFill>
+          </a:ln>
+        </p:spPr>
+        <p:style>
+          <a:lnRef idx="2">
+            <a:schemeClr val="accent1">
+              <a:shade val="50000"/>
+            </a:schemeClr>
+          </a:lnRef>
+          <a:fillRef idx="1">
+            <a:schemeClr val="accent1"/>
+          </a:fillRef>
+          <a:effectRef idx="0">
+            <a:schemeClr val="accent1"/>
+          </a:effectRef>
+          <a:fontRef idx="minor">
+            <a:schemeClr val="lt1"/>
+          </a:fontRef>
+        </p:style>
+        <p:txBody>
+          <a:bodyPr rtlCol="0" anchor="ctr"/>
+          <a:lstStyle/>
+          <a:p>
+            <a:pPr algn="ctr"/>
+            <a:endParaRPr lang="en-GB"/>
+          </a:p>
+        </p:txBody>
+      </p:sp>
+      <p:sp>
+        <p:nvSpPr>
+          <p:cNvPr id="80" name="Isosceles Triangle 79"/>
+          <p:cNvSpPr/>
+          <p:nvPr/>
+        </p:nvSpPr>
+        <p:spPr>
+          <a:xfrm>
+            <a:off x="6164622" y="4066023"/>
+            <a:ext cx="120356" cy="138700"/>
+          </a:xfrm>
+          <a:prstGeom prst="triangle">
+            <a:avLst/>
+          </a:prstGeom>
+          <a:solidFill>
+            <a:schemeClr val="bg1">
+              <a:lumMod val="85000"/>
+            </a:schemeClr>
+          </a:solidFill>
+          <a:ln>
+            <a:solidFill>
+              <a:schemeClr val="tx1"/>
+            </a:solidFill>
+          </a:ln>
+        </p:spPr>
+        <p:style>
+          <a:lnRef idx="2">
+            <a:schemeClr val="accent1">
+              <a:shade val="50000"/>
+            </a:schemeClr>
+          </a:lnRef>
+          <a:fillRef idx="1">
+            <a:schemeClr val="accent1"/>
+          </a:fillRef>
+          <a:effectRef idx="0">
+            <a:schemeClr val="accent1"/>
+          </a:effectRef>
+          <a:fontRef idx="minor">
+            <a:schemeClr val="lt1"/>
+          </a:fontRef>
+        </p:style>
+        <p:txBody>
+          <a:bodyPr rtlCol="0" anchor="ctr"/>
+          <a:lstStyle/>
+          <a:p>
+            <a:pPr algn="ctr"/>
+            <a:endParaRPr lang="en-GB"/>
+          </a:p>
+        </p:txBody>
+      </p:sp>
+      <p:sp>
+        <p:nvSpPr>
+          <p:cNvPr id="81" name="TextBox 80"/>
+          <p:cNvSpPr txBox="1"/>
+          <p:nvPr/>
+        </p:nvSpPr>
+        <p:spPr>
+          <a:xfrm>
+            <a:off x="3834387" y="2721092"/>
+            <a:ext cx="862388" cy="261610"/>
+          </a:xfrm>
+          <a:prstGeom prst="rect">
+            <a:avLst/>
+          </a:prstGeom>
+          <a:noFill/>
+        </p:spPr>
+        <p:txBody>
+          <a:bodyPr wrap="square" rtlCol="0">
+            <a:spAutoFit/>
+          </a:bodyPr>
+          <a:lstStyle/>
+          <a:p>
+            <a:pPr algn="ctr"/>
+            <a:r>
+              <a:rPr lang="en-GB" sz="1100" dirty="0" smtClean="0"/>
+              <a:t>Extra Large</a:t>
+            </a:r>
+            <a:endParaRPr lang="en-GB" sz="1100" dirty="0"/>
+          </a:p>
+        </p:txBody>
+      </p:sp>
+      <p:sp>
+        <p:nvSpPr>
+          <p:cNvPr id="82" name="Isosceles Triangle 81"/>
+          <p:cNvSpPr/>
+          <p:nvPr/>
+        </p:nvSpPr>
+        <p:spPr>
+          <a:xfrm>
+            <a:off x="3263675" y="2948519"/>
+            <a:ext cx="348426" cy="207434"/>
+          </a:xfrm>
+          <a:prstGeom prst="triangle">
+            <a:avLst/>
+          </a:prstGeom>
+          <a:solidFill>
+            <a:schemeClr val="bg1">
+              <a:lumMod val="85000"/>
+            </a:schemeClr>
+          </a:solidFill>
+          <a:ln>
+            <a:solidFill>
+              <a:schemeClr val="tx1"/>
+            </a:solidFill>
+          </a:ln>
+        </p:spPr>
+        <p:style>
+          <a:lnRef idx="2">
+            <a:schemeClr val="accent1">
+              <a:shade val="50000"/>
+            </a:schemeClr>
+          </a:lnRef>
+          <a:fillRef idx="1">
+            <a:schemeClr val="accent1"/>
+          </a:fillRef>
+          <a:effectRef idx="0">
+            <a:schemeClr val="accent1"/>
+          </a:effectRef>
+          <a:fontRef idx="minor">
+            <a:schemeClr val="lt1"/>
+          </a:fontRef>
+        </p:style>
+        <p:txBody>
+          <a:bodyPr rtlCol="0" anchor="ctr"/>
+          <a:lstStyle/>
+          <a:p>
+            <a:pPr algn="ctr"/>
+            <a:endParaRPr lang="en-GB"/>
+          </a:p>
+        </p:txBody>
+      </p:sp>
+      <p:sp>
+        <p:nvSpPr>
+          <p:cNvPr id="83" name="Rectangle 82"/>
+          <p:cNvSpPr/>
+          <p:nvPr/>
+        </p:nvSpPr>
+        <p:spPr>
+          <a:xfrm>
+            <a:off x="3263675" y="3161080"/>
+            <a:ext cx="348426" cy="332643"/>
+          </a:xfrm>
+          <a:prstGeom prst="rect">
+            <a:avLst/>
+          </a:prstGeom>
+          <a:solidFill>
+            <a:schemeClr val="bg1">
+              <a:lumMod val="85000"/>
+            </a:schemeClr>
+          </a:solidFill>
+          <a:ln>
+            <a:solidFill>
+              <a:schemeClr val="tx1"/>
+            </a:solidFill>
+          </a:ln>
+        </p:spPr>
+        <p:style>
+          <a:lnRef idx="2">
+            <a:schemeClr val="accent1">
+              <a:shade val="50000"/>
+            </a:schemeClr>
+          </a:lnRef>
+          <a:fillRef idx="1">
+            <a:schemeClr val="accent1"/>
+          </a:fillRef>
+          <a:effectRef idx="0">
+            <a:schemeClr val="accent1"/>
+          </a:effectRef>
+          <a:fontRef idx="minor">
+            <a:schemeClr val="lt1"/>
+          </a:fontRef>
+        </p:style>
+        <p:txBody>
+          <a:bodyPr rtlCol="0" anchor="ctr"/>
+          <a:lstStyle/>
+          <a:p>
+            <a:pPr algn="ctr"/>
+            <a:endParaRPr lang="en-GB"/>
+          </a:p>
+        </p:txBody>
+      </p:sp>
+      <p:sp>
+        <p:nvSpPr>
+          <p:cNvPr id="84" name="Isosceles Triangle 83"/>
+          <p:cNvSpPr/>
+          <p:nvPr/>
+        </p:nvSpPr>
+        <p:spPr>
+          <a:xfrm>
+            <a:off x="4134926" y="2948519"/>
+            <a:ext cx="282324" cy="207434"/>
+          </a:xfrm>
+          <a:prstGeom prst="triangle">
+            <a:avLst/>
+          </a:prstGeom>
+          <a:solidFill>
+            <a:schemeClr val="bg1">
+              <a:lumMod val="85000"/>
+            </a:schemeClr>
+          </a:solidFill>
+          <a:ln>
+            <a:solidFill>
+              <a:schemeClr val="tx1"/>
+            </a:solidFill>
+          </a:ln>
+        </p:spPr>
+        <p:style>
+          <a:lnRef idx="2">
+            <a:schemeClr val="accent1">
+              <a:shade val="50000"/>
+            </a:schemeClr>
+          </a:lnRef>
+          <a:fillRef idx="1">
+            <a:schemeClr val="accent1"/>
+          </a:fillRef>
+          <a:effectRef idx="0">
+            <a:schemeClr val="accent1"/>
+          </a:effectRef>
+          <a:fontRef idx="minor">
+            <a:schemeClr val="lt1"/>
+          </a:fontRef>
+        </p:style>
+        <p:txBody>
+          <a:bodyPr rtlCol="0" anchor="ctr"/>
+          <a:lstStyle/>
+          <a:p>
+            <a:pPr algn="ctr"/>
+            <a:endParaRPr lang="en-GB"/>
+          </a:p>
+        </p:txBody>
+      </p:sp>
+      <p:sp>
+        <p:nvSpPr>
+          <p:cNvPr id="85" name="Rectangle 84"/>
+          <p:cNvSpPr/>
+          <p:nvPr/>
+        </p:nvSpPr>
+        <p:spPr>
+          <a:xfrm>
+            <a:off x="4134926" y="3161081"/>
+            <a:ext cx="282324" cy="256880"/>
+          </a:xfrm>
+          <a:prstGeom prst="rect">
+            <a:avLst/>
+          </a:prstGeom>
+          <a:solidFill>
+            <a:schemeClr val="bg1">
+              <a:lumMod val="85000"/>
+            </a:schemeClr>
+          </a:solidFill>
+          <a:ln>
+            <a:solidFill>
+              <a:schemeClr val="tx1"/>
+            </a:solidFill>
+          </a:ln>
+        </p:spPr>
+        <p:style>
+          <a:lnRef idx="2">
+            <a:schemeClr val="accent1">
+              <a:shade val="50000"/>
+            </a:schemeClr>
+          </a:lnRef>
+          <a:fillRef idx="1">
+            <a:schemeClr val="accent1"/>
+          </a:fillRef>
+          <a:effectRef idx="0">
+            <a:schemeClr val="accent1"/>
+          </a:effectRef>
+          <a:fontRef idx="minor">
+            <a:schemeClr val="lt1"/>
+          </a:fontRef>
+        </p:style>
+        <p:txBody>
+          <a:bodyPr rtlCol="0" anchor="ctr"/>
+          <a:lstStyle/>
+          <a:p>
+            <a:pPr algn="ctr"/>
+            <a:endParaRPr lang="en-GB"/>
+          </a:p>
+        </p:txBody>
+      </p:sp>
+      <p:sp>
+        <p:nvSpPr>
+          <p:cNvPr id="7168" name="Trapezoid 7167"/>
+          <p:cNvSpPr/>
+          <p:nvPr/>
+        </p:nvSpPr>
+        <p:spPr>
+          <a:xfrm rot="10800000">
+            <a:off x="4134926" y="3417960"/>
+            <a:ext cx="282324" cy="112640"/>
+          </a:xfrm>
+          <a:prstGeom prst="trapezoid">
+            <a:avLst/>
+          </a:prstGeom>
+          <a:solidFill>
+            <a:schemeClr val="bg1">
+              <a:lumMod val="85000"/>
+            </a:schemeClr>
+          </a:solidFill>
+          <a:ln>
+            <a:solidFill>
+              <a:schemeClr val="tx1"/>
+            </a:solidFill>
+          </a:ln>
+        </p:spPr>
+        <p:style>
+          <a:lnRef idx="2">
+            <a:schemeClr val="accent1">
+              <a:shade val="50000"/>
+            </a:schemeClr>
+          </a:lnRef>
+          <a:fillRef idx="1">
+            <a:schemeClr val="accent1"/>
+          </a:fillRef>
+          <a:effectRef idx="0">
+            <a:schemeClr val="accent1"/>
+          </a:effectRef>
+          <a:fontRef idx="minor">
+            <a:schemeClr val="lt1"/>
+          </a:fontRef>
+        </p:style>
+        <p:txBody>
+          <a:bodyPr rtlCol="0" anchor="ctr"/>
+          <a:lstStyle/>
+          <a:p>
+            <a:pPr algn="ctr"/>
+            <a:endParaRPr lang="en-GB"/>
+          </a:p>
+        </p:txBody>
+      </p:sp>
+      <p:sp>
+        <p:nvSpPr>
+          <p:cNvPr id="87" name="Isosceles Triangle 86"/>
+          <p:cNvSpPr/>
+          <p:nvPr/>
+        </p:nvSpPr>
+        <p:spPr>
+          <a:xfrm>
+            <a:off x="6041929" y="2948519"/>
+            <a:ext cx="348426" cy="207434"/>
+          </a:xfrm>
+          <a:prstGeom prst="triangle">
+            <a:avLst/>
+          </a:prstGeom>
+          <a:solidFill>
+            <a:schemeClr val="bg1">
+              <a:lumMod val="85000"/>
+            </a:schemeClr>
+          </a:solidFill>
+          <a:ln>
+            <a:solidFill>
+              <a:schemeClr val="tx1"/>
+            </a:solidFill>
+          </a:ln>
+        </p:spPr>
+        <p:style>
+          <a:lnRef idx="2">
+            <a:schemeClr val="accent1">
+              <a:shade val="50000"/>
+            </a:schemeClr>
+          </a:lnRef>
+          <a:fillRef idx="1">
+            <a:schemeClr val="accent1"/>
+          </a:fillRef>
+          <a:effectRef idx="0">
+            <a:schemeClr val="accent1"/>
+          </a:effectRef>
+          <a:fontRef idx="minor">
+            <a:schemeClr val="lt1"/>
+          </a:fontRef>
+        </p:style>
+        <p:txBody>
+          <a:bodyPr rtlCol="0" anchor="ctr"/>
+          <a:lstStyle/>
+          <a:p>
+            <a:pPr algn="ctr"/>
+            <a:endParaRPr lang="en-GB"/>
+          </a:p>
+        </p:txBody>
+      </p:sp>
+      <p:sp>
+        <p:nvSpPr>
+          <p:cNvPr id="88" name="Rectangle 87"/>
+          <p:cNvSpPr/>
+          <p:nvPr/>
+        </p:nvSpPr>
+        <p:spPr>
+          <a:xfrm>
+            <a:off x="6041929" y="3161080"/>
+            <a:ext cx="348426" cy="332643"/>
+          </a:xfrm>
+          <a:prstGeom prst="rect">
+            <a:avLst/>
+          </a:prstGeom>
+          <a:solidFill>
+            <a:schemeClr val="bg1">
+              <a:lumMod val="85000"/>
+            </a:schemeClr>
+          </a:solidFill>
+          <a:ln>
+            <a:solidFill>
+              <a:schemeClr val="tx1"/>
+            </a:solidFill>
+          </a:ln>
+        </p:spPr>
+        <p:style>
+          <a:lnRef idx="2">
+            <a:schemeClr val="accent1">
+              <a:shade val="50000"/>
+            </a:schemeClr>
+          </a:lnRef>
+          <a:fillRef idx="1">
+            <a:schemeClr val="accent1"/>
+          </a:fillRef>
+          <a:effectRef idx="0">
+            <a:schemeClr val="accent1"/>
+          </a:effectRef>
+          <a:fontRef idx="minor">
+            <a:schemeClr val="lt1"/>
+          </a:fontRef>
+        </p:style>
+        <p:txBody>
+          <a:bodyPr rtlCol="0" anchor="ctr"/>
+          <a:lstStyle/>
+          <a:p>
+            <a:pPr algn="ctr"/>
+            <a:endParaRPr lang="en-GB"/>
+          </a:p>
+        </p:txBody>
+      </p:sp>
+      <p:sp>
+        <p:nvSpPr>
+          <p:cNvPr id="89" name="Rectangle 88"/>
+          <p:cNvSpPr/>
+          <p:nvPr/>
+        </p:nvSpPr>
+        <p:spPr>
+          <a:xfrm>
+            <a:off x="3398541" y="5422556"/>
+            <a:ext cx="120356" cy="222420"/>
+          </a:xfrm>
+          <a:prstGeom prst="rect">
+            <a:avLst/>
+          </a:prstGeom>
+          <a:solidFill>
+            <a:schemeClr val="bg1">
+              <a:lumMod val="85000"/>
+            </a:schemeClr>
+          </a:solidFill>
+          <a:ln>
+            <a:solidFill>
+              <a:schemeClr val="tx1"/>
+            </a:solidFill>
+          </a:ln>
+        </p:spPr>
+        <p:style>
+          <a:lnRef idx="2">
+            <a:schemeClr val="accent1">
+              <a:shade val="50000"/>
+            </a:schemeClr>
+          </a:lnRef>
+          <a:fillRef idx="1">
+            <a:schemeClr val="accent1"/>
+          </a:fillRef>
+          <a:effectRef idx="0">
+            <a:schemeClr val="accent1"/>
+          </a:effectRef>
+          <a:fontRef idx="minor">
+            <a:schemeClr val="lt1"/>
+          </a:fontRef>
+        </p:style>
+        <p:txBody>
+          <a:bodyPr rtlCol="0" anchor="ctr"/>
+          <a:lstStyle/>
+          <a:p>
+            <a:pPr algn="ctr"/>
+            <a:endParaRPr lang="en-GB"/>
+          </a:p>
+        </p:txBody>
+      </p:sp>
+      <p:sp>
+        <p:nvSpPr>
+          <p:cNvPr id="90" name="Isosceles Triangle 89"/>
+          <p:cNvSpPr/>
+          <p:nvPr/>
+        </p:nvSpPr>
+        <p:spPr>
+          <a:xfrm>
+            <a:off x="3398541" y="5649745"/>
+            <a:ext cx="120356" cy="138700"/>
+          </a:xfrm>
+          <a:prstGeom prst="triangle">
+            <a:avLst/>
+          </a:prstGeom>
+          <a:solidFill>
+            <a:schemeClr val="bg1">
+              <a:lumMod val="85000"/>
+            </a:schemeClr>
+          </a:solidFill>
+          <a:ln>
+            <a:solidFill>
+              <a:schemeClr val="tx1"/>
+            </a:solidFill>
+          </a:ln>
+        </p:spPr>
+        <p:style>
+          <a:lnRef idx="2">
+            <a:schemeClr val="accent1">
+              <a:shade val="50000"/>
+            </a:schemeClr>
+          </a:lnRef>
+          <a:fillRef idx="1">
+            <a:schemeClr val="accent1"/>
+          </a:fillRef>
+          <a:effectRef idx="0">
+            <a:schemeClr val="accent1"/>
+          </a:effectRef>
+          <a:fontRef idx="minor">
+            <a:schemeClr val="lt1"/>
+          </a:fontRef>
+        </p:style>
+        <p:txBody>
+          <a:bodyPr rtlCol="0" anchor="ctr"/>
+          <a:lstStyle/>
+          <a:p>
+            <a:pPr algn="ctr"/>
+            <a:endParaRPr lang="en-GB"/>
+          </a:p>
+        </p:txBody>
+      </p:sp>
+      <p:sp>
+        <p:nvSpPr>
+          <p:cNvPr id="7169" name="TextBox 7168"/>
+          <p:cNvSpPr txBox="1"/>
+          <p:nvPr/>
+        </p:nvSpPr>
+        <p:spPr>
+          <a:xfrm>
+            <a:off x="2200203" y="2376115"/>
+            <a:ext cx="1318694" cy="276999"/>
+          </a:xfrm>
+          <a:prstGeom prst="rect">
+            <a:avLst/>
+          </a:prstGeom>
+          <a:noFill/>
+        </p:spPr>
+        <p:txBody>
+          <a:bodyPr wrap="square" rtlCol="0">
+            <a:spAutoFit/>
+          </a:bodyPr>
+          <a:lstStyle/>
+          <a:p>
+            <a:r>
+              <a:rPr lang="en-GB" sz="1200" b="1" dirty="0" smtClean="0"/>
+              <a:t>Payload Bay</a:t>
+            </a:r>
+            <a:endParaRPr lang="en-GB" sz="1200" b="1" dirty="0"/>
+          </a:p>
+        </p:txBody>
+      </p:sp>
+      <p:sp>
+        <p:nvSpPr>
+          <p:cNvPr id="92" name="TextBox 91"/>
+          <p:cNvSpPr txBox="1"/>
+          <p:nvPr/>
+        </p:nvSpPr>
+        <p:spPr>
+          <a:xfrm>
+            <a:off x="2200203" y="3585639"/>
+            <a:ext cx="1318694" cy="276999"/>
+          </a:xfrm>
+          <a:prstGeom prst="rect">
+            <a:avLst/>
+          </a:prstGeom>
+          <a:noFill/>
+        </p:spPr>
+        <p:txBody>
+          <a:bodyPr wrap="square" rtlCol="0">
+            <a:spAutoFit/>
+          </a:bodyPr>
+          <a:lstStyle/>
+          <a:p>
+            <a:r>
+              <a:rPr lang="en-GB" sz="1200" b="1" dirty="0" smtClean="0"/>
+              <a:t>Second stage</a:t>
+            </a:r>
+            <a:endParaRPr lang="en-GB" sz="1200" b="1" dirty="0"/>
+          </a:p>
+        </p:txBody>
+      </p:sp>
+      <p:sp>
+        <p:nvSpPr>
+          <p:cNvPr id="93" name="TextBox 92"/>
+          <p:cNvSpPr txBox="1"/>
+          <p:nvPr/>
+        </p:nvSpPr>
+        <p:spPr>
+          <a:xfrm>
+            <a:off x="2200203" y="4794747"/>
+            <a:ext cx="1318694" cy="276999"/>
+          </a:xfrm>
+          <a:prstGeom prst="rect">
+            <a:avLst/>
+          </a:prstGeom>
+          <a:noFill/>
+        </p:spPr>
+        <p:txBody>
+          <a:bodyPr wrap="square" rtlCol="0">
+            <a:spAutoFit/>
+          </a:bodyPr>
+          <a:lstStyle/>
+          <a:p>
+            <a:r>
+              <a:rPr lang="en-GB" sz="1200" b="1" dirty="0" smtClean="0"/>
+              <a:t>First stage</a:t>
+            </a:r>
+            <a:endParaRPr lang="en-GB" sz="1200" b="1" dirty="0"/>
+          </a:p>
+        </p:txBody>
+      </p:sp>
+      <p:sp>
+        <p:nvSpPr>
+          <p:cNvPr id="95" name="TextBox 94"/>
+          <p:cNvSpPr txBox="1"/>
+          <p:nvPr/>
+        </p:nvSpPr>
+        <p:spPr>
+          <a:xfrm>
+            <a:off x="5731764" y="2404631"/>
+            <a:ext cx="1318694" cy="276999"/>
+          </a:xfrm>
+          <a:prstGeom prst="rect">
+            <a:avLst/>
+          </a:prstGeom>
+          <a:noFill/>
+        </p:spPr>
+        <p:txBody>
+          <a:bodyPr wrap="square" rtlCol="0">
+            <a:spAutoFit/>
+          </a:bodyPr>
+          <a:lstStyle/>
+          <a:p>
+            <a:r>
+              <a:rPr lang="en-GB" sz="1200" b="1" dirty="0" smtClean="0"/>
+              <a:t>Your rocket</a:t>
+            </a:r>
+            <a:endParaRPr lang="en-GB" sz="1200" b="1" dirty="0"/>
+          </a:p>
+        </p:txBody>
+      </p:sp>
+      <p:pic>
+        <p:nvPicPr>
+          <p:cNvPr id="96" name="Picture 10" descr="alert, attention, danger, error, exclamation, problem, warning icon"/>
+          <p:cNvPicPr>
+            <a:picLocks noChangeAspect="1" noChangeArrowheads="1"/>
+          </p:cNvPicPr>
+          <p:nvPr/>
+        </p:nvPicPr>
+        <p:blipFill>
+          <a:blip r:embed="rId3" cstate="print">
+            <a:extLst>
+              <a:ext uri="{28A0092B-C50C-407E-A947-70E740481C1C}">
+                <a14:useLocalDpi xmlns:a14="http://schemas.microsoft.com/office/drawing/2010/main" val="0"/>
+              </a:ext>
+            </a:extLst>
+          </a:blip>
+          <a:srcRect/>
+          <a:stretch>
+            <a:fillRect/>
+          </a:stretch>
+        </p:blipFill>
+        <p:spPr bwMode="auto">
+          <a:xfrm>
+            <a:off x="5220978" y="5601716"/>
+            <a:ext cx="360000" cy="360000"/>
+          </a:xfrm>
+          <a:prstGeom prst="rect">
+            <a:avLst/>
+          </a:prstGeom>
+          <a:noFill/>
+          <a:extLst>
+            <a:ext uri="{909E8E84-426E-40DD-AFC4-6F175D3DCCD1}">
+              <a14:hiddenFill xmlns:a14="http://schemas.microsoft.com/office/drawing/2010/main">
+                <a:solidFill>
+                  <a:srgbClr val="FFFFFF"/>
+                </a:solidFill>
+              </a14:hiddenFill>
+            </a:ext>
+          </a:extLst>
+        </p:spPr>
+      </p:pic>
+      <p:sp>
+        <p:nvSpPr>
+          <p:cNvPr id="97" name="TextBox 96"/>
+          <p:cNvSpPr txBox="1"/>
+          <p:nvPr/>
+        </p:nvSpPr>
+        <p:spPr>
+          <a:xfrm>
+            <a:off x="7938135" y="5623218"/>
+            <a:ext cx="1012845" cy="415498"/>
+          </a:xfrm>
+          <a:prstGeom prst="rect">
+            <a:avLst/>
+          </a:prstGeom>
+          <a:noFill/>
+        </p:spPr>
+        <p:txBody>
+          <a:bodyPr wrap="square" rtlCol="0">
+            <a:spAutoFit/>
+          </a:bodyPr>
+          <a:lstStyle/>
+          <a:p>
+            <a:r>
+              <a:rPr lang="en-GB" sz="1050" dirty="0" smtClean="0">
+                <a:solidFill>
+                  <a:srgbClr val="FF0000"/>
+                </a:solidFill>
+              </a:rPr>
+              <a:t>Error message (if applicable)</a:t>
+            </a:r>
+            <a:endParaRPr lang="en-GB" sz="1050" dirty="0">
+              <a:solidFill>
+                <a:srgbClr val="FF0000"/>
+              </a:solidFill>
+            </a:endParaRPr>
+          </a:p>
+        </p:txBody>
+      </p:sp>
+      <p:sp>
+        <p:nvSpPr>
+          <p:cNvPr id="98" name="Rectangle 97"/>
+          <p:cNvSpPr/>
+          <p:nvPr/>
+        </p:nvSpPr>
+        <p:spPr>
+          <a:xfrm>
+            <a:off x="5641088" y="5605246"/>
+            <a:ext cx="2280619" cy="451443"/>
+          </a:xfrm>
+          <a:prstGeom prst="rect">
+            <a:avLst/>
+          </a:prstGeom>
+          <a:solidFill>
+            <a:schemeClr val="accent4">
+              <a:lumMod val="60000"/>
+              <a:lumOff val="40000"/>
+            </a:schemeClr>
+          </a:solidFill>
+          <a:ln>
+            <a:solidFill>
+              <a:srgbClr val="FF0000"/>
+            </a:solidFill>
+          </a:ln>
+        </p:spPr>
+        <p:style>
+          <a:lnRef idx="2">
+            <a:schemeClr val="accent1">
+              <a:shade val="50000"/>
+            </a:schemeClr>
+          </a:lnRef>
+          <a:fillRef idx="1">
+            <a:schemeClr val="accent1"/>
+          </a:fillRef>
+          <a:effectRef idx="0">
+            <a:schemeClr val="accent1"/>
+          </a:effectRef>
+          <a:fontRef idx="minor">
+            <a:schemeClr val="lt1"/>
+          </a:fontRef>
+        </p:style>
+        <p:txBody>
+          <a:bodyPr rtlCol="0" anchor="ctr"/>
+          <a:lstStyle/>
+          <a:p>
+            <a:pPr marL="171450" indent="-171450">
+              <a:buFont typeface="Arial" panose="020B0604020202020204" pitchFamily="34" charset="0"/>
+              <a:buChar char="•"/>
+            </a:pPr>
+            <a:r>
+              <a:rPr lang="en-GB" sz="1100" dirty="0" smtClean="0">
+                <a:solidFill>
+                  <a:sysClr val="windowText" lastClr="000000"/>
+                </a:solidFill>
+              </a:rPr>
+              <a:t>Payload bay too big for 2</a:t>
+            </a:r>
+            <a:r>
+              <a:rPr lang="en-GB" sz="1100" baseline="30000" dirty="0" smtClean="0">
+                <a:solidFill>
+                  <a:sysClr val="windowText" lastClr="000000"/>
+                </a:solidFill>
+              </a:rPr>
+              <a:t>nd</a:t>
+            </a:r>
+            <a:r>
+              <a:rPr lang="en-GB" sz="1100" dirty="0" smtClean="0">
+                <a:solidFill>
+                  <a:sysClr val="windowText" lastClr="000000"/>
+                </a:solidFill>
+              </a:rPr>
+              <a:t> stage</a:t>
+            </a:r>
+          </a:p>
+          <a:p>
+            <a:pPr marL="171450" indent="-171450">
+              <a:buFont typeface="Arial" panose="020B0604020202020204" pitchFamily="34" charset="0"/>
+              <a:buChar char="•"/>
+            </a:pPr>
+            <a:r>
+              <a:rPr lang="en-GB" sz="1100" dirty="0" smtClean="0">
+                <a:solidFill>
+                  <a:sysClr val="windowText" lastClr="000000"/>
+                </a:solidFill>
+              </a:rPr>
+              <a:t>2</a:t>
+            </a:r>
+            <a:r>
+              <a:rPr lang="en-GB" sz="1100" baseline="30000" dirty="0" smtClean="0">
+                <a:solidFill>
+                  <a:sysClr val="windowText" lastClr="000000"/>
+                </a:solidFill>
+              </a:rPr>
+              <a:t>nd</a:t>
+            </a:r>
+            <a:r>
+              <a:rPr lang="en-GB" sz="1100" dirty="0" smtClean="0">
+                <a:solidFill>
+                  <a:sysClr val="windowText" lastClr="000000"/>
+                </a:solidFill>
+              </a:rPr>
+              <a:t> stage too big for 1</a:t>
+            </a:r>
+            <a:r>
+              <a:rPr lang="en-GB" sz="1100" baseline="30000" dirty="0" smtClean="0">
+                <a:solidFill>
+                  <a:sysClr val="windowText" lastClr="000000"/>
+                </a:solidFill>
+              </a:rPr>
+              <a:t>st</a:t>
+            </a:r>
+            <a:r>
+              <a:rPr lang="en-GB" sz="1100" dirty="0" smtClean="0">
+                <a:solidFill>
+                  <a:sysClr val="windowText" lastClr="000000"/>
+                </a:solidFill>
+              </a:rPr>
+              <a:t> stage</a:t>
+            </a:r>
+            <a:endParaRPr lang="en-GB" sz="1100" dirty="0">
+              <a:solidFill>
+                <a:sysClr val="windowText" lastClr="000000"/>
+              </a:solidFill>
+            </a:endParaRPr>
+          </a:p>
+        </p:txBody>
+      </p:sp>
+      <p:sp>
+        <p:nvSpPr>
+          <p:cNvPr id="99" name="TextBox 98"/>
+          <p:cNvSpPr txBox="1"/>
+          <p:nvPr/>
+        </p:nvSpPr>
+        <p:spPr>
+          <a:xfrm>
+            <a:off x="5764834" y="4543240"/>
+            <a:ext cx="1097511" cy="900246"/>
+          </a:xfrm>
+          <a:prstGeom prst="rect">
+            <a:avLst/>
+          </a:prstGeom>
+          <a:noFill/>
+        </p:spPr>
+        <p:txBody>
+          <a:bodyPr wrap="square" rtlCol="0">
+            <a:spAutoFit/>
+          </a:bodyPr>
+          <a:lstStyle/>
+          <a:p>
+            <a:r>
+              <a:rPr lang="en-GB" sz="1050" dirty="0" smtClean="0">
+                <a:solidFill>
+                  <a:srgbClr val="FF0000"/>
+                </a:solidFill>
+              </a:rPr>
+              <a:t>Schematic of chosen stages</a:t>
+            </a:r>
+          </a:p>
+          <a:p>
+            <a:endParaRPr lang="en-GB" sz="1050" dirty="0">
+              <a:solidFill>
+                <a:srgbClr val="FF0000"/>
+              </a:solidFill>
+            </a:endParaRPr>
+          </a:p>
+          <a:p>
+            <a:r>
+              <a:rPr lang="en-GB" sz="1050" dirty="0" smtClean="0">
+                <a:solidFill>
+                  <a:srgbClr val="FF0000"/>
+                </a:solidFill>
+              </a:rPr>
+              <a:t>(spaceplane may complicate it!</a:t>
+            </a:r>
+            <a:endParaRPr lang="en-GB" sz="1050" dirty="0">
+              <a:solidFill>
+                <a:srgbClr val="FF0000"/>
+              </a:solidFill>
+            </a:endParaRPr>
+          </a:p>
+        </p:txBody>
+      </p:sp>
+      <p:sp>
+        <p:nvSpPr>
+          <p:cNvPr id="7172" name="Rectangle 7171"/>
+          <p:cNvSpPr/>
+          <p:nvPr/>
+        </p:nvSpPr>
+        <p:spPr>
+          <a:xfrm>
+            <a:off x="2960147" y="2630077"/>
+            <a:ext cx="980154" cy="980154"/>
+          </a:xfrm>
+          <a:prstGeom prst="rect">
+            <a:avLst/>
+          </a:prstGeom>
+          <a:noFill/>
+          <a:ln w="28575">
+            <a:solidFill>
+              <a:srgbClr val="0070C0"/>
+            </a:solidFill>
+          </a:ln>
+        </p:spPr>
+        <p:style>
+          <a:lnRef idx="2">
+            <a:schemeClr val="accent1">
+              <a:shade val="50000"/>
+            </a:schemeClr>
+          </a:lnRef>
+          <a:fillRef idx="1">
+            <a:schemeClr val="accent1"/>
+          </a:fillRef>
+          <a:effectRef idx="0">
+            <a:schemeClr val="accent1"/>
+          </a:effectRef>
+          <a:fontRef idx="minor">
+            <a:schemeClr val="lt1"/>
+          </a:fontRef>
+        </p:style>
+        <p:txBody>
+          <a:bodyPr rtlCol="0" anchor="ctr"/>
+          <a:lstStyle/>
+          <a:p>
+            <a:pPr algn="ctr"/>
+            <a:endParaRPr lang="en-GB"/>
+          </a:p>
+        </p:txBody>
+      </p:sp>
+      <p:sp>
+        <p:nvSpPr>
+          <p:cNvPr id="101" name="Rectangle 100"/>
+          <p:cNvSpPr/>
+          <p:nvPr/>
+        </p:nvSpPr>
+        <p:spPr>
+          <a:xfrm>
+            <a:off x="2960147" y="3788869"/>
+            <a:ext cx="980154" cy="980154"/>
+          </a:xfrm>
+          <a:prstGeom prst="rect">
+            <a:avLst/>
+          </a:prstGeom>
+          <a:noFill/>
+          <a:ln w="28575">
+            <a:solidFill>
+              <a:srgbClr val="0070C0"/>
+            </a:solidFill>
+          </a:ln>
+        </p:spPr>
+        <p:style>
+          <a:lnRef idx="2">
+            <a:schemeClr val="accent1">
+              <a:shade val="50000"/>
+            </a:schemeClr>
+          </a:lnRef>
+          <a:fillRef idx="1">
+            <a:schemeClr val="accent1"/>
+          </a:fillRef>
+          <a:effectRef idx="0">
+            <a:schemeClr val="accent1"/>
+          </a:effectRef>
+          <a:fontRef idx="minor">
+            <a:schemeClr val="lt1"/>
+          </a:fontRef>
+        </p:style>
+        <p:txBody>
+          <a:bodyPr rtlCol="0" anchor="ctr"/>
+          <a:lstStyle/>
+          <a:p>
+            <a:pPr algn="ctr"/>
+            <a:endParaRPr lang="en-GB"/>
+          </a:p>
+        </p:txBody>
+      </p:sp>
+      <p:sp>
+        <p:nvSpPr>
+          <p:cNvPr id="102" name="Rectangle 101"/>
+          <p:cNvSpPr/>
+          <p:nvPr/>
+        </p:nvSpPr>
+        <p:spPr>
+          <a:xfrm>
+            <a:off x="2960147" y="5015006"/>
+            <a:ext cx="980154" cy="980154"/>
+          </a:xfrm>
+          <a:prstGeom prst="rect">
+            <a:avLst/>
+          </a:prstGeom>
+          <a:noFill/>
+          <a:ln w="28575">
+            <a:solidFill>
+              <a:srgbClr val="0070C0"/>
+            </a:solidFill>
+          </a:ln>
+        </p:spPr>
+        <p:style>
+          <a:lnRef idx="2">
+            <a:schemeClr val="accent1">
+              <a:shade val="50000"/>
+            </a:schemeClr>
+          </a:lnRef>
+          <a:fillRef idx="1">
+            <a:schemeClr val="accent1"/>
+          </a:fillRef>
+          <a:effectRef idx="0">
+            <a:schemeClr val="accent1"/>
+          </a:effectRef>
+          <a:fontRef idx="minor">
+            <a:schemeClr val="lt1"/>
+          </a:fontRef>
+        </p:style>
+        <p:txBody>
+          <a:bodyPr rtlCol="0" anchor="ctr"/>
+          <a:lstStyle/>
+          <a:p>
+            <a:pPr algn="ctr"/>
+            <a:endParaRPr lang="en-GB"/>
+          </a:p>
+        </p:txBody>
+      </p:sp>
+      <p:sp>
+        <p:nvSpPr>
+          <p:cNvPr id="103" name="TextBox 102"/>
+          <p:cNvSpPr txBox="1"/>
+          <p:nvPr/>
+        </p:nvSpPr>
+        <p:spPr>
+          <a:xfrm>
+            <a:off x="3491312" y="2121332"/>
+            <a:ext cx="1012845" cy="415498"/>
+          </a:xfrm>
+          <a:prstGeom prst="rect">
+            <a:avLst/>
+          </a:prstGeom>
+          <a:noFill/>
+        </p:spPr>
+        <p:txBody>
+          <a:bodyPr wrap="square" rtlCol="0">
+            <a:spAutoFit/>
+          </a:bodyPr>
+          <a:lstStyle/>
+          <a:p>
+            <a:r>
+              <a:rPr lang="en-GB" sz="1050" dirty="0" smtClean="0">
+                <a:solidFill>
+                  <a:srgbClr val="FF0000"/>
+                </a:solidFill>
+              </a:rPr>
+              <a:t>Carousels for each stage</a:t>
+            </a:r>
+            <a:endParaRPr lang="en-GB" sz="1050" dirty="0">
+              <a:solidFill>
+                <a:srgbClr val="FF0000"/>
+              </a:solidFill>
+            </a:endParaRPr>
+          </a:p>
+        </p:txBody>
+      </p:sp>
+      <p:grpSp>
+        <p:nvGrpSpPr>
+          <p:cNvPr id="104" name="Group 103"/>
+          <p:cNvGrpSpPr/>
+          <p:nvPr/>
+        </p:nvGrpSpPr>
+        <p:grpSpPr>
+          <a:xfrm>
+            <a:off x="1655782" y="2700867"/>
+            <a:ext cx="193130" cy="3189711"/>
+            <a:chOff x="7649064" y="2700867"/>
+            <a:chExt cx="193130" cy="3189711"/>
+          </a:xfrm>
+        </p:grpSpPr>
+        <p:sp>
+          <p:nvSpPr>
+            <p:cNvPr id="105" name="Rectangle 104"/>
+            <p:cNvSpPr/>
+            <p:nvPr/>
+          </p:nvSpPr>
+          <p:spPr>
+            <a:xfrm>
+              <a:off x="7653867" y="2700867"/>
+              <a:ext cx="188327" cy="3189711"/>
+            </a:xfrm>
+            <a:prstGeom prst="rect">
+              <a:avLst/>
+            </a:prstGeom>
+            <a:solidFill>
+              <a:schemeClr val="bg1">
+                <a:lumMod val="75000"/>
+              </a:schemeClr>
+            </a:solidFill>
+          </p:spPr>
+          <p:style>
+            <a:lnRef idx="2">
+              <a:schemeClr val="accent1">
+                <a:shade val="50000"/>
+              </a:schemeClr>
+            </a:lnRef>
+            <a:fillRef idx="1">
+              <a:schemeClr val="accent1"/>
+            </a:fillRef>
+            <a:effectRef idx="0">
+              <a:schemeClr val="accent1"/>
+            </a:effectRef>
+            <a:fontRef idx="minor">
+              <a:schemeClr val="lt1"/>
+            </a:fontRef>
+          </p:style>
+          <p:txBody>
+            <a:bodyPr rtlCol="0" anchor="ctr"/>
+            <a:lstStyle/>
+            <a:p>
+              <a:pPr algn="ctr"/>
+              <a:endParaRPr lang="en-GB"/>
+            </a:p>
+          </p:txBody>
+        </p:sp>
+        <p:sp>
+          <p:nvSpPr>
+            <p:cNvPr id="106" name="Isosceles Triangle 105"/>
+            <p:cNvSpPr/>
+            <p:nvPr/>
+          </p:nvSpPr>
+          <p:spPr>
+            <a:xfrm flipV="1">
+              <a:off x="7698769" y="5787186"/>
+              <a:ext cx="86478" cy="45720"/>
+            </a:xfrm>
+            <a:prstGeom prst="triangle">
+              <a:avLst/>
+            </a:prstGeom>
+            <a:solidFill>
+              <a:schemeClr val="tx1"/>
+            </a:solidFill>
+            <a:ln>
+              <a:solidFill>
+                <a:schemeClr val="tx1"/>
+              </a:solidFill>
+            </a:ln>
+          </p:spPr>
+          <p:style>
+            <a:lnRef idx="2">
+              <a:schemeClr val="accent1">
+                <a:shade val="50000"/>
+              </a:schemeClr>
+            </a:lnRef>
+            <a:fillRef idx="1">
+              <a:schemeClr val="accent1"/>
+            </a:fillRef>
+            <a:effectRef idx="0">
+              <a:schemeClr val="accent1"/>
+            </a:effectRef>
+            <a:fontRef idx="minor">
+              <a:schemeClr val="lt1"/>
+            </a:fontRef>
+          </p:style>
+          <p:txBody>
+            <a:bodyPr rtlCol="0" anchor="ctr"/>
+            <a:lstStyle/>
+            <a:p>
+              <a:pPr algn="ctr"/>
+              <a:endParaRPr lang="en-GB"/>
+            </a:p>
+          </p:txBody>
+        </p:sp>
+        <p:sp>
+          <p:nvSpPr>
+            <p:cNvPr id="107" name="Isosceles Triangle 106"/>
+            <p:cNvSpPr/>
+            <p:nvPr/>
+          </p:nvSpPr>
+          <p:spPr>
+            <a:xfrm rot="10800000" flipV="1">
+              <a:off x="7698769" y="2750003"/>
+              <a:ext cx="86480" cy="45720"/>
+            </a:xfrm>
+            <a:prstGeom prst="triangle">
+              <a:avLst/>
+            </a:prstGeom>
+            <a:solidFill>
+              <a:schemeClr val="tx1"/>
+            </a:solidFill>
+            <a:ln>
+              <a:solidFill>
+                <a:schemeClr val="tx1"/>
+              </a:solidFill>
+            </a:ln>
+          </p:spPr>
+          <p:style>
+            <a:lnRef idx="2">
+              <a:schemeClr val="accent1">
+                <a:shade val="50000"/>
+              </a:schemeClr>
+            </a:lnRef>
+            <a:fillRef idx="1">
+              <a:schemeClr val="accent1"/>
+            </a:fillRef>
+            <a:effectRef idx="0">
+              <a:schemeClr val="accent1"/>
+            </a:effectRef>
+            <a:fontRef idx="minor">
+              <a:schemeClr val="lt1"/>
+            </a:fontRef>
+          </p:style>
+          <p:txBody>
+            <a:bodyPr rtlCol="0" anchor="ctr"/>
+            <a:lstStyle/>
+            <a:p>
+              <a:pPr algn="ctr"/>
+              <a:endParaRPr lang="en-GB"/>
+            </a:p>
+          </p:txBody>
+        </p:sp>
+        <p:sp>
+          <p:nvSpPr>
+            <p:cNvPr id="108" name="Rectangle 107"/>
+            <p:cNvSpPr/>
+            <p:nvPr/>
+          </p:nvSpPr>
+          <p:spPr>
+            <a:xfrm>
+              <a:off x="7649064" y="2904029"/>
+              <a:ext cx="193130" cy="609538"/>
+            </a:xfrm>
+            <a:prstGeom prst="rect">
+              <a:avLst/>
+            </a:prstGeom>
+            <a:solidFill>
+              <a:schemeClr val="bg1">
+                <a:lumMod val="65000"/>
+              </a:schemeClr>
+            </a:solidFill>
+            <a:ln>
+              <a:noFill/>
+            </a:ln>
+          </p:spPr>
+          <p:style>
+            <a:lnRef idx="2">
+              <a:schemeClr val="accent1">
+                <a:shade val="50000"/>
+              </a:schemeClr>
+            </a:lnRef>
+            <a:fillRef idx="1">
+              <a:schemeClr val="accent1"/>
+            </a:fillRef>
+            <a:effectRef idx="0">
+              <a:schemeClr val="accent1"/>
+            </a:effectRef>
+            <a:fontRef idx="minor">
+              <a:schemeClr val="lt1"/>
+            </a:fontRef>
+          </p:style>
+          <p:txBody>
+            <a:bodyPr rtlCol="0" anchor="ctr"/>
+            <a:lstStyle/>
+            <a:p>
+              <a:pPr algn="ctr"/>
+              <a:endParaRPr lang="en-GB"/>
+            </a:p>
+          </p:txBody>
+        </p:sp>
+      </p:grpSp>
+      <p:sp>
+        <p:nvSpPr>
+          <p:cNvPr id="7173" name="Rectangle 7172"/>
+          <p:cNvSpPr/>
+          <p:nvPr/>
+        </p:nvSpPr>
+        <p:spPr>
+          <a:xfrm>
+            <a:off x="6102942" y="3231321"/>
+            <a:ext cx="192160" cy="192160"/>
+          </a:xfrm>
+          <a:prstGeom prst="rect">
+            <a:avLst/>
+          </a:prstGeom>
+          <a:solidFill>
+            <a:srgbClr val="0070C0"/>
+          </a:solidFill>
+          <a:ln>
+            <a:solidFill>
+              <a:schemeClr val="tx1"/>
+            </a:solidFill>
+          </a:ln>
+        </p:spPr>
+        <p:style>
+          <a:lnRef idx="2">
+            <a:schemeClr val="accent1">
+              <a:shade val="50000"/>
+            </a:schemeClr>
+          </a:lnRef>
+          <a:fillRef idx="1">
+            <a:schemeClr val="accent1"/>
+          </a:fillRef>
+          <a:effectRef idx="0">
+            <a:schemeClr val="accent1"/>
+          </a:effectRef>
+          <a:fontRef idx="minor">
+            <a:schemeClr val="lt1"/>
+          </a:fontRef>
+        </p:style>
+        <p:txBody>
+          <a:bodyPr rtlCol="0" anchor="ctr"/>
+          <a:lstStyle/>
+          <a:p>
+            <a:pPr algn="ctr"/>
+            <a:endParaRPr lang="en-GB"/>
+          </a:p>
+        </p:txBody>
+      </p:sp>
+      <p:sp>
+        <p:nvSpPr>
+          <p:cNvPr id="110" name="TextBox 109"/>
+          <p:cNvSpPr txBox="1"/>
+          <p:nvPr/>
+        </p:nvSpPr>
+        <p:spPr>
+          <a:xfrm>
+            <a:off x="6432875" y="2839367"/>
+            <a:ext cx="1012845" cy="415498"/>
+          </a:xfrm>
+          <a:prstGeom prst="rect">
+            <a:avLst/>
+          </a:prstGeom>
+          <a:noFill/>
+        </p:spPr>
+        <p:txBody>
+          <a:bodyPr wrap="square" rtlCol="0">
+            <a:spAutoFit/>
+          </a:bodyPr>
+          <a:lstStyle/>
+          <a:p>
+            <a:r>
+              <a:rPr lang="en-GB" sz="1050" dirty="0" smtClean="0">
+                <a:solidFill>
+                  <a:srgbClr val="FF0000"/>
+                </a:solidFill>
+              </a:rPr>
+              <a:t>Satellite in payload bay</a:t>
+            </a:r>
+            <a:endParaRPr lang="en-GB" sz="1050" dirty="0">
+              <a:solidFill>
+                <a:srgbClr val="FF0000"/>
+              </a:solidFill>
+            </a:endParaRPr>
+          </a:p>
+        </p:txBody>
+      </p:sp>
+      <p:sp>
+        <p:nvSpPr>
+          <p:cNvPr id="86" name="TextBox 85"/>
+          <p:cNvSpPr txBox="1"/>
+          <p:nvPr/>
+        </p:nvSpPr>
+        <p:spPr>
+          <a:xfrm>
+            <a:off x="5313313" y="304800"/>
+            <a:ext cx="3424287" cy="923330"/>
+          </a:xfrm>
+          <a:prstGeom prst="rect">
+            <a:avLst/>
+          </a:prstGeom>
+          <a:noFill/>
+        </p:spPr>
+        <p:txBody>
+          <a:bodyPr wrap="square" rtlCol="0">
+            <a:spAutoFit/>
+          </a:bodyPr>
+          <a:lstStyle/>
+          <a:p>
+            <a:r>
+              <a:rPr lang="en-GB" dirty="0" smtClean="0">
+                <a:solidFill>
+                  <a:srgbClr val="FF0000"/>
+                </a:solidFill>
+              </a:rPr>
+              <a:t>More complicated in “Intermediate” view, caring about thrust etc.</a:t>
+            </a:r>
+            <a:endParaRPr lang="en-GB" dirty="0">
+              <a:solidFill>
+                <a:srgbClr val="FF0000"/>
+              </a:solidFill>
+            </a:endParaRPr>
+          </a:p>
+        </p:txBody>
+      </p:sp>
+    </p:spTree>
+    <p:extLst>
+      <p:ext uri="{BB962C8B-B14F-4D97-AF65-F5344CB8AC3E}">
+        <p14:creationId xmlns:p14="http://schemas.microsoft.com/office/powerpoint/2010/main" val="3051610887"/>
+      </p:ext>
+    </p:extLst>
+  </p:cSld>
+  <p:clrMapOvr>
+    <a:masterClrMapping/>
+  </p:clrMapOvr>
+</p:sld>
+</file>
+
+<file path=ppt/slides/slide11.xml><?xml version="1.0" encoding="utf-8"?>
+<p:sld xmlns:a="http://schemas.openxmlformats.org/drawingml/2006/main" xmlns:r="http://schemas.openxmlformats.org/officeDocument/2006/relationships" xmlns:p="http://schemas.openxmlformats.org/presentationml/2006/main">
+  <p:cSld>
+    <p:spTree>
+      <p:nvGrpSpPr>
+        <p:cNvPr id="1" name=""/>
+        <p:cNvGrpSpPr/>
+        <p:nvPr/>
+      </p:nvGrpSpPr>
+      <p:grpSpPr>
+        <a:xfrm>
+          <a:off x="0" y="0"/>
+          <a:ext cx="0" cy="0"/>
+          <a:chOff x="0" y="0"/>
+          <a:chExt cx="0" cy="0"/>
+        </a:xfrm>
+      </p:grpSpPr>
+      <p:sp>
+        <p:nvSpPr>
+          <p:cNvPr id="2" name="Title 1"/>
+          <p:cNvSpPr>
+            <a:spLocks noGrp="1"/>
+          </p:cNvSpPr>
+          <p:nvPr>
+            <p:ph type="title"/>
+          </p:nvPr>
+        </p:nvSpPr>
+        <p:spPr/>
+        <p:txBody>
+          <a:bodyPr/>
+          <a:lstStyle/>
+          <a:p>
+            <a:r>
+              <a:rPr lang="en-GB" dirty="0" smtClean="0"/>
+              <a:t>8. </a:t>
+            </a:r>
+            <a:r>
+              <a:rPr lang="en-GB" dirty="0" smtClean="0"/>
+              <a:t>Launch</a:t>
+            </a:r>
+            <a:endParaRPr lang="en-GB" dirty="0"/>
+          </a:p>
+        </p:txBody>
+      </p:sp>
+      <p:sp>
+        <p:nvSpPr>
+          <p:cNvPr id="3" name="Content Placeholder 2"/>
+          <p:cNvSpPr>
+            <a:spLocks noGrp="1"/>
+          </p:cNvSpPr>
+          <p:nvPr>
+            <p:ph idx="1"/>
+          </p:nvPr>
+        </p:nvSpPr>
+        <p:spPr/>
+        <p:txBody>
+          <a:bodyPr/>
+          <a:lstStyle/>
+          <a:p>
+            <a:endParaRPr lang="en-GB" dirty="0"/>
+          </a:p>
+        </p:txBody>
+      </p:sp>
+      <p:sp>
+        <p:nvSpPr>
+          <p:cNvPr id="4" name="Rounded Rectangle 3"/>
+          <p:cNvSpPr/>
+          <p:nvPr/>
+        </p:nvSpPr>
+        <p:spPr>
+          <a:xfrm>
+            <a:off x="3670300" y="1930401"/>
+            <a:ext cx="1803400" cy="694266"/>
+          </a:xfrm>
+          <a:prstGeom prst="roundRect">
+            <a:avLst/>
+          </a:prstGeom>
+        </p:spPr>
+        <p:style>
+          <a:lnRef idx="2">
+            <a:schemeClr val="accent1">
+              <a:shade val="50000"/>
+            </a:schemeClr>
+          </a:lnRef>
+          <a:fillRef idx="1">
+            <a:schemeClr val="accent1"/>
+          </a:fillRef>
+          <a:effectRef idx="0">
+            <a:schemeClr val="accent1"/>
+          </a:effectRef>
+          <a:fontRef idx="minor">
+            <a:schemeClr val="lt1"/>
+          </a:fontRef>
+        </p:style>
+        <p:txBody>
+          <a:bodyPr rtlCol="0" anchor="ctr"/>
+          <a:lstStyle/>
+          <a:p>
+            <a:pPr algn="ctr"/>
+            <a:r>
+              <a:rPr lang="en-GB" dirty="0" smtClean="0"/>
+              <a:t>Launch!</a:t>
+            </a:r>
+            <a:endParaRPr lang="en-GB" dirty="0"/>
+          </a:p>
+        </p:txBody>
+      </p:sp>
+      <p:pic>
+        <p:nvPicPr>
+          <p:cNvPr id="6" name="Picture 5"/>
+          <p:cNvPicPr>
+            <a:picLocks noChangeAspect="1"/>
+          </p:cNvPicPr>
+          <p:nvPr/>
+        </p:nvPicPr>
+        <p:blipFill rotWithShape="1">
+          <a:blip r:embed="rId2"/>
+          <a:srcRect l="16887" t="15804" r="62347" b="54092"/>
+          <a:stretch/>
+        </p:blipFill>
+        <p:spPr>
+          <a:xfrm>
+            <a:off x="2345266" y="2729443"/>
+            <a:ext cx="4676971" cy="2311399"/>
+          </a:xfrm>
+          <a:prstGeom prst="rect">
+            <a:avLst/>
+          </a:prstGeom>
+        </p:spPr>
+      </p:pic>
+      <p:sp>
+        <p:nvSpPr>
+          <p:cNvPr id="7" name="TextBox 6"/>
+          <p:cNvSpPr txBox="1"/>
+          <p:nvPr/>
+        </p:nvSpPr>
+        <p:spPr>
+          <a:xfrm>
+            <a:off x="778933" y="3064934"/>
+            <a:ext cx="1625600" cy="1200329"/>
+          </a:xfrm>
+          <a:prstGeom prst="rect">
+            <a:avLst/>
+          </a:prstGeom>
+          <a:noFill/>
+        </p:spPr>
+        <p:txBody>
+          <a:bodyPr wrap="square" rtlCol="0">
+            <a:spAutoFit/>
+          </a:bodyPr>
+          <a:lstStyle/>
+          <a:p>
+            <a:r>
+              <a:rPr lang="en-GB" dirty="0" smtClean="0">
+                <a:solidFill>
+                  <a:srgbClr val="FF0000"/>
+                </a:solidFill>
+              </a:rPr>
+              <a:t>Animation of launch. With stages dropping off?</a:t>
+            </a:r>
+          </a:p>
+        </p:txBody>
+      </p:sp>
+      <p:sp>
+        <p:nvSpPr>
+          <p:cNvPr id="10" name="TextBox 9"/>
+          <p:cNvSpPr txBox="1"/>
+          <p:nvPr/>
+        </p:nvSpPr>
+        <p:spPr>
+          <a:xfrm>
+            <a:off x="2139518" y="5249333"/>
+            <a:ext cx="5088466" cy="646331"/>
+          </a:xfrm>
+          <a:prstGeom prst="rect">
+            <a:avLst/>
+          </a:prstGeom>
+          <a:noFill/>
+        </p:spPr>
+        <p:txBody>
+          <a:bodyPr wrap="square" rtlCol="0">
+            <a:spAutoFit/>
+          </a:bodyPr>
+          <a:lstStyle/>
+          <a:p>
+            <a:r>
+              <a:rPr lang="en-GB" dirty="0" smtClean="0"/>
+              <a:t>Congratulations! Your satellite is now successfully providing an internet service to Europe!</a:t>
+            </a:r>
+            <a:endParaRPr lang="en-GB" dirty="0"/>
+          </a:p>
+        </p:txBody>
+      </p:sp>
+    </p:spTree>
+    <p:extLst>
+      <p:ext uri="{BB962C8B-B14F-4D97-AF65-F5344CB8AC3E}">
+        <p14:creationId xmlns:p14="http://schemas.microsoft.com/office/powerpoint/2010/main" val="2589133257"/>
+      </p:ext>
+    </p:extLst>
+  </p:cSld>
+  <p:clrMapOvr>
+    <a:masterClrMapping/>
+  </p:clrMapOvr>
+</p:sld>
+</file>
+
 <file path=ppt/slides/slide2.xml><?xml version="1.0" encoding="utf-8"?>
 <p:sld xmlns:a="http://schemas.openxmlformats.org/drawingml/2006/main" xmlns:r="http://schemas.openxmlformats.org/officeDocument/2006/relationships" xmlns:p="http://schemas.openxmlformats.org/presentationml/2006/main">
   <p:cSld>
@@ -3848,7 +7272,15 @@
           <a:p>
             <a:r>
               <a:rPr lang="en-GB" dirty="0" smtClean="0"/>
-              <a:t>2a. Pick a goal/objective (</a:t>
+              <a:t>2</a:t>
+            </a:r>
+            <a:r>
+              <a:rPr lang="en-GB" dirty="0" smtClean="0"/>
+              <a:t>a. </a:t>
+            </a:r>
+            <a:r>
+              <a:rPr lang="en-GB" dirty="0" smtClean="0"/>
+              <a:t>Pick a goal/objective (</a:t>
             </a:r>
             <a:r>
               <a:rPr lang="en-GB" dirty="0" err="1" smtClean="0"/>
@@ -3969,17 +7401,15 @@
                   <a:sysClr val="windowText" lastClr="000000"/>
                 </a:solidFill>
               </a:rPr>
-              <a:t>Cost: ₴200</a:t>
-            </a:r>
-          </a:p>
-          <a:p>
+              <a:t>Size</a:t>
+            </a:r>
             <a:r>
               <a:rPr lang="en-GB" sz="1400" dirty="0" smtClean="0">
                 <a:solidFill>
                   <a:sysClr val="windowText" lastClr="000000"/>
                 </a:solidFill>
               </a:rPr>
-              <a:t>Size: medium</a:t>
+              <a:t>: medium</a:t>
             </a:r>
           </a:p>
         </p:txBody>
@@ -4164,17 +7594,15 @@
                   <a:sysClr val="windowText" lastClr="000000"/>
                 </a:solidFill>
               </a:rPr>
-              <a:t>Cost: ₴100</a:t>
-            </a:r>
-          </a:p>
-          <a:p>
+              <a:t>Size</a:t>
+            </a:r>
             <a:r>
               <a:rPr lang="en-GB" sz="1400" dirty="0" smtClean="0">
                 <a:solidFill>
                   <a:sysClr val="windowText" lastClr="000000"/>
                 </a:solidFill>
               </a:rPr>
-              <a:t>Size: small</a:t>
+              <a:t>: small</a:t>
             </a:r>
             <a:endParaRPr lang="en-GB" sz="1400" dirty="0">
               <a:solidFill>
@@ -4289,75 +7717,6 @@
                 </a:solidFill>
               </a:rPr>
               <a:t>Photo?</a:t>
-            </a:r>
-          </a:p>
-        </p:txBody>
-      </p:sp>
-      <p:cxnSp>
-        <p:nvCxnSpPr>
-          <p:cNvPr id="16" name="Straight Arrow Connector 15"/>
-          <p:cNvCxnSpPr/>
-          <p:nvPr/>
-        </p:nvCxnSpPr>
-        <p:spPr>
-          <a:xfrm flipV="1">
-            <a:off x="2281883" y="4580277"/>
-            <a:ext cx="175054" cy="562068"/>
-          </a:xfrm>
-          <a:prstGeom prst="straightConnector1">
-            <a:avLst/>
-          </a:prstGeom>
-          <a:ln w="38100">
-            <a:solidFill>
-              <a:srgbClr val="FF0000"/>
-            </a:solidFill>
-            <a:tailEnd type="triangle"/>
-          </a:ln>
-        </p:spPr>
-        <p:style>
-          <a:lnRef idx="1">
-            <a:schemeClr val="accent1"/>
-          </a:lnRef>
-          <a:fillRef idx="0">
-            <a:schemeClr val="accent1"/>
-          </a:fillRef>
-          <a:effectRef idx="0">
-            <a:schemeClr val="accent1"/>
-          </a:effectRef>
-          <a:fontRef idx="minor">
-            <a:schemeClr val="tx1"/>
-          </a:fontRef>
-        </p:style>
-      </p:cxnSp>
-      <p:sp>
-        <p:nvSpPr>
-          <p:cNvPr id="17" name="TextBox 16"/>
-          <p:cNvSpPr txBox="1"/>
-          <p:nvPr/>
-        </p:nvSpPr>
-        <p:spPr>
-          <a:xfrm>
-            <a:off x="850813" y="4951899"/>
-            <a:ext cx="1845276" cy="1200329"/>
-          </a:xfrm>
-          <a:prstGeom prst="rect">
-            <a:avLst/>
-          </a:prstGeom>
-          <a:noFill/>
-        </p:spPr>
-        <p:txBody>
-          <a:bodyPr wrap="square" rtlCol="0">
-            <a:spAutoFit/>
-          </a:bodyPr>
-          <a:lstStyle/>
-          <a:p>
-            <a:r>
-              <a:rPr lang="en-GB" dirty="0" smtClean="0">
-                <a:solidFill>
-                  <a:srgbClr val="FF0000"/>
-                </a:solidFill>
-              </a:rPr>
-              <a:t>Use “credits” units for currency by default (always &lt; ₴1000)</a:t>
             </a:r>
           </a:p>
         </p:txBody>
@@ -4549,7 +7908,15 @@
           <a:p>
             <a:r>
               <a:rPr lang="en-GB" dirty="0" smtClean="0"/>
-              <a:t>2b. Pick a goal/objective (</a:t>
+              <a:t>2</a:t>
+            </a:r>
+            <a:r>
+              <a:rPr lang="en-GB" dirty="0" smtClean="0"/>
+              <a:t>b</a:t>
+            </a:r>
+            <a:r>
+              <a:rPr lang="en-GB" dirty="0" smtClean="0"/>
+              <a:t>. Pick a goal/objective (</a:t>
             </a:r>
             <a:r>
               <a:rPr lang="en-GB" dirty="0" err="1" smtClean="0"/>
@@ -4673,17 +8040,15 @@
                   <a:sysClr val="windowText" lastClr="000000"/>
                 </a:solidFill>
               </a:rPr>
-              <a:t>Cost: ₴100</a:t>
-            </a:r>
-          </a:p>
-          <a:p>
+              <a:t>Size</a:t>
+            </a:r>
             <a:r>
               <a:rPr lang="en-GB" sz="1400" dirty="0" smtClean="0">
                 <a:solidFill>
                   <a:sysClr val="windowText" lastClr="000000"/>
                 </a:solidFill>
               </a:rPr>
-              <a:t>Size: small</a:t>
+              <a:t>: small</a:t>
             </a:r>
           </a:p>
           <a:p>
@@ -4774,34 +8139,31 @@
             </a:endParaRPr>
           </a:p>
           <a:p>
+            <a:endParaRPr lang="en-GB" sz="1400" dirty="0" smtClean="0">
+              <a:solidFill>
+                <a:sysClr val="windowText" lastClr="000000"/>
+              </a:solidFill>
+            </a:endParaRPr>
+          </a:p>
+          <a:p>
             <a:r>
               <a:rPr lang="en-GB" sz="1400" dirty="0" smtClean="0">
                 <a:solidFill>
                   <a:sysClr val="windowText" lastClr="000000"/>
                 </a:solidFill>
               </a:rPr>
-              <a:t>Cost: ₴200</a:t>
-            </a:r>
-          </a:p>
-          <a:p>
+              <a:t>Size</a:t>
+            </a:r>
             <a:r>
               <a:rPr lang="en-GB" sz="1400" dirty="0" smtClean="0">
                 <a:solidFill>
                   <a:sysClr val="windowText" lastClr="000000"/>
                 </a:solidFill>
               </a:rPr>
-              <a:t>Size: medium</a:t>
-            </a:r>
-          </a:p>
-          <a:p>
-            <a:r>
-              <a:rPr lang="en-GB" sz="1400" dirty="0" smtClean="0">
-                <a:solidFill>
-                  <a:sysClr val="windowText" lastClr="000000"/>
-                </a:solidFill>
-              </a:rPr>
-              <a:t>=</a:t>
-            </a:r>
+              <a:t>: medium</a:t>
+            </a:r>
+          </a:p>
+          <a:p>
             <a:endParaRPr lang="en-GB" sz="1400" dirty="0">
               <a:solidFill>
                 <a:sysClr val="windowText" lastClr="000000"/>
@@ -4905,23 +8267,35 @@
             </a:endParaRPr>
           </a:p>
           <a:p>
+            <a:endParaRPr lang="en-GB" sz="1400" dirty="0" smtClean="0">
+              <a:solidFill>
+                <a:sysClr val="windowText" lastClr="000000"/>
+              </a:solidFill>
+            </a:endParaRPr>
+          </a:p>
+          <a:p>
+            <a:endParaRPr lang="en-GB" sz="1400" dirty="0">
+              <a:solidFill>
+                <a:sysClr val="windowText" lastClr="000000"/>
+              </a:solidFill>
+            </a:endParaRPr>
+          </a:p>
+          <a:p>
             <a:r>
               <a:rPr lang="en-GB" sz="1400" dirty="0" smtClean="0">
                 <a:solidFill>
                   <a:sysClr val="windowText" lastClr="000000"/>
                 </a:solidFill>
               </a:rPr>
-              <a:t>Cost: ₴500</a:t>
-            </a:r>
-          </a:p>
-          <a:p>
+              <a:t>Size</a:t>
+            </a:r>
             <a:r>
               <a:rPr lang="en-GB" sz="1400" dirty="0" smtClean="0">
                 <a:solidFill>
                   <a:sysClr val="windowText" lastClr="000000"/>
                 </a:solidFill>
               </a:rPr>
-              <a:t>Size: large</a:t>
+              <a:t>: large</a:t>
             </a:r>
           </a:p>
         </p:txBody>
@@ -5135,7 +8509,15 @@
           <a:p>
             <a:r>
               <a:rPr lang="en-GB" dirty="0" smtClean="0"/>
-              <a:t>2c. Pick a goal/objective (Earth </a:t>
+              <a:t>2</a:t>
+            </a:r>
+            <a:r>
+              <a:rPr lang="en-GB" dirty="0" smtClean="0"/>
+              <a:t>c</a:t>
+            </a:r>
+            <a:r>
+              <a:rPr lang="en-GB" dirty="0" smtClean="0"/>
+              <a:t>. Pick a goal/objective (Earth </a:t>
             </a:r>
             <a:r>
               <a:rPr lang="en-GB" dirty="0" err="1" smtClean="0"/>
@@ -5259,17 +8641,15 @@
                   <a:sysClr val="windowText" lastClr="000000"/>
                 </a:solidFill>
               </a:rPr>
-              <a:t>Cost: ₴500</a:t>
-            </a:r>
-          </a:p>
-          <a:p>
+              <a:t>Size</a:t>
+            </a:r>
             <a:r>
               <a:rPr lang="en-GB" sz="1400" dirty="0" smtClean="0">
                 <a:solidFill>
                   <a:sysClr val="windowText" lastClr="000000"/>
                 </a:solidFill>
               </a:rPr>
-              <a:t>Size: medium</a:t>
+              <a:t>: medium</a:t>
             </a:r>
           </a:p>
         </p:txBody>
@@ -5359,17 +8739,15 @@
                   <a:sysClr val="windowText" lastClr="000000"/>
                 </a:solidFill>
               </a:rPr>
-              <a:t>Cost: ₴200</a:t>
-            </a:r>
-          </a:p>
-          <a:p>
+              <a:t>Size</a:t>
+            </a:r>
             <a:r>
               <a:rPr lang="en-GB" sz="1400" dirty="0" smtClean="0">
                 <a:solidFill>
                   <a:sysClr val="windowText" lastClr="000000"/>
                 </a:solidFill>
               </a:rPr>
-              <a:t>Size: medium</a:t>
+              <a:t>: medium</a:t>
             </a:r>
           </a:p>
         </p:txBody>
@@ -5459,17 +8837,15 @@
                   <a:sysClr val="windowText" lastClr="000000"/>
                 </a:solidFill>
               </a:rPr>
-              <a:t>Cost: ₴500</a:t>
-            </a:r>
-          </a:p>
-          <a:p>
+              <a:t>Size</a:t>
+            </a:r>
             <a:r>
               <a:rPr lang="en-GB" sz="1400" dirty="0" smtClean="0">
                 <a:solidFill>
                   <a:sysClr val="windowText" lastClr="000000"/>
                 </a:solidFill>
               </a:rPr>
-              <a:t>Size: large</a:t>
+              <a:t>: large</a:t>
             </a:r>
           </a:p>
         </p:txBody>
@@ -5553,23 +8929,28 @@
             </a:endParaRPr>
           </a:p>
           <a:p>
+            <a:endParaRPr lang="en-GB" sz="1400" dirty="0" smtClean="0">
+              <a:solidFill>
+                <a:sysClr val="windowText" lastClr="000000"/>
+              </a:solidFill>
+            </a:endParaRPr>
+          </a:p>
+          <a:p>
             <a:r>
               <a:rPr lang="en-GB" sz="1400" dirty="0" smtClean="0">
                 <a:solidFill>
                   <a:sysClr val="windowText" lastClr="000000"/>
                 </a:solidFill>
               </a:rPr>
-              <a:t>Cost: ₴200</a:t>
-            </a:r>
-          </a:p>
-          <a:p>
+              <a:t>Size</a:t>
+            </a:r>
             <a:r>
               <a:rPr lang="en-GB" sz="1400" dirty="0" smtClean="0">
                 <a:solidFill>
                   <a:sysClr val="windowText" lastClr="000000"/>
                 </a:solidFill>
               </a:rPr>
-              <a:t>Size: medium</a:t>
+              <a:t>: medium</a:t>
             </a:r>
             <a:endParaRPr lang="en-GB" sz="1400" dirty="0">
               <a:solidFill>
@@ -5850,7 +9231,163 @@
           <a:p>
             <a:r>
               <a:rPr lang="en-GB" dirty="0" smtClean="0"/>
-              <a:t>3. Select your instruments</a:t>
+              <a:t>3. Pick satellite size</a:t>
+            </a:r>
+            <a:endParaRPr lang="en-GB" dirty="0"/>
+          </a:p>
+        </p:txBody>
+      </p:sp>
+      <p:sp>
+        <p:nvSpPr>
+          <p:cNvPr id="3" name="Content Placeholder 2"/>
+          <p:cNvSpPr>
+            <a:spLocks noGrp="1"/>
+          </p:cNvSpPr>
+          <p:nvPr>
+            <p:ph idx="1"/>
+          </p:nvPr>
+        </p:nvSpPr>
+        <p:spPr/>
+        <p:txBody>
+          <a:bodyPr/>
+          <a:lstStyle/>
+          <a:p>
+            <a:r>
+              <a:rPr lang="en-GB" dirty="0" smtClean="0"/>
+              <a:t>Not used for primary – size is dictated by goal/objectives</a:t>
+            </a:r>
+            <a:endParaRPr lang="en-GB" dirty="0"/>
+          </a:p>
+        </p:txBody>
+      </p:sp>
+    </p:spTree>
+    <p:extLst>
+      <p:ext uri="{BB962C8B-B14F-4D97-AF65-F5344CB8AC3E}">
+        <p14:creationId xmlns:p14="http://schemas.microsoft.com/office/powerpoint/2010/main" val="2211669935"/>
+      </p:ext>
+    </p:extLst>
+  </p:cSld>
+  <p:clrMapOvr>
+    <a:masterClrMapping/>
+  </p:clrMapOvr>
+</p:sld>
+</file>
+
+<file path=ppt/slides/slide7.xml><?xml version="1.0" encoding="utf-8"?>
+<p:sld xmlns:a="http://schemas.openxmlformats.org/drawingml/2006/main" xmlns:r="http://schemas.openxmlformats.org/officeDocument/2006/relationships" xmlns:p="http://schemas.openxmlformats.org/presentationml/2006/main">
+  <p:cSld>
+    <p:spTree>
+      <p:nvGrpSpPr>
+        <p:cNvPr id="1" name=""/>
+        <p:cNvGrpSpPr/>
+        <p:nvPr/>
+      </p:nvGrpSpPr>
+      <p:grpSpPr>
+        <a:xfrm>
+          <a:off x="0" y="0"/>
+          <a:ext cx="0" cy="0"/>
+          <a:chOff x="0" y="0"/>
+          <a:chExt cx="0" cy="0"/>
+        </a:xfrm>
+      </p:grpSpPr>
+      <p:sp>
+        <p:nvSpPr>
+          <p:cNvPr id="2" name="Title 1"/>
+          <p:cNvSpPr>
+            <a:spLocks noGrp="1"/>
+          </p:cNvSpPr>
+          <p:nvPr>
+            <p:ph type="title"/>
+          </p:nvPr>
+        </p:nvSpPr>
+        <p:spPr/>
+        <p:txBody>
+          <a:bodyPr/>
+          <a:lstStyle/>
+          <a:p>
+            <a:r>
+              <a:rPr lang="en-GB" dirty="0" smtClean="0"/>
+              <a:t>4. Orbit</a:t>
+            </a:r>
+            <a:endParaRPr lang="en-GB" dirty="0"/>
+          </a:p>
+        </p:txBody>
+      </p:sp>
+      <p:sp>
+        <p:nvSpPr>
+          <p:cNvPr id="3" name="Content Placeholder 2"/>
+          <p:cNvSpPr>
+            <a:spLocks noGrp="1"/>
+          </p:cNvSpPr>
+          <p:nvPr>
+            <p:ph idx="1"/>
+          </p:nvPr>
+        </p:nvSpPr>
+        <p:spPr/>
+        <p:txBody>
+          <a:bodyPr/>
+          <a:lstStyle/>
+          <a:p>
+            <a:r>
+              <a:rPr lang="en-GB" dirty="0" smtClean="0"/>
+              <a:t>Not used for primary</a:t>
+            </a:r>
+            <a:endParaRPr lang="en-GB" dirty="0"/>
+          </a:p>
+        </p:txBody>
+      </p:sp>
+    </p:spTree>
+    <p:extLst>
+      <p:ext uri="{BB962C8B-B14F-4D97-AF65-F5344CB8AC3E}">
+        <p14:creationId xmlns:p14="http://schemas.microsoft.com/office/powerpoint/2010/main" val="1344170602"/>
+      </p:ext>
+    </p:extLst>
+  </p:cSld>
+  <p:clrMapOvr>
+    <a:masterClrMapping/>
+  </p:clrMapOvr>
+</p:sld>
+</file>
+
+<file path=ppt/slides/slide8.xml><?xml version="1.0" encoding="utf-8"?>
+<p:sld xmlns:a="http://schemas.openxmlformats.org/drawingml/2006/main" xmlns:r="http://schemas.openxmlformats.org/officeDocument/2006/relationships" xmlns:p="http://schemas.openxmlformats.org/presentationml/2006/main">
+  <p:cSld>
+    <p:spTree>
+      <p:nvGrpSpPr>
+        <p:cNvPr id="1" name=""/>
+        <p:cNvGrpSpPr/>
+        <p:nvPr/>
+      </p:nvGrpSpPr>
+      <p:grpSpPr>
+        <a:xfrm>
+          <a:off x="0" y="0"/>
+          <a:ext cx="0" cy="0"/>
+          <a:chOff x="0" y="0"/>
+          <a:chExt cx="0" cy="0"/>
+        </a:xfrm>
+      </p:grpSpPr>
+      <p:sp>
+        <p:nvSpPr>
+          <p:cNvPr id="2" name="Title 1"/>
+          <p:cNvSpPr>
+            <a:spLocks noGrp="1"/>
+          </p:cNvSpPr>
+          <p:nvPr>
+            <p:ph type="title"/>
+          </p:nvPr>
+        </p:nvSpPr>
+        <p:spPr/>
+        <p:txBody>
+          <a:bodyPr/>
+          <a:lstStyle/>
+          <a:p>
+            <a:r>
+              <a:rPr lang="en-GB" dirty="0" smtClean="0"/>
+              <a:t>5. </a:t>
+            </a:r>
+            <a:r>
+              <a:rPr lang="en-GB" dirty="0" smtClean="0"/>
+              <a:t>Select your instruments</a:t>
             </a:r>
             <a:endParaRPr lang="en-GB" dirty="0"/>
           </a:p>
@@ -6205,59 +9742,9 @@
             <a:pPr algn="ctr"/>
             <a:r>
               <a:rPr lang="en-GB" b="1" dirty="0" smtClean="0"/>
-              <a:t>Available instruments</a:t>
+              <a:t>Choose your instruments</a:t>
             </a:r>
             <a:endParaRPr lang="en-GB" b="1" dirty="0"/>
-          </a:p>
-        </p:txBody>
-      </p:sp>
-      <p:sp>
-        <p:nvSpPr>
-          <p:cNvPr id="13" name="Rectangle 12"/>
-          <p:cNvSpPr/>
-          <p:nvPr/>
-        </p:nvSpPr>
-        <p:spPr>
-          <a:xfrm>
-            <a:off x="6235700" y="1825625"/>
-            <a:ext cx="2279650" cy="418042"/>
-          </a:xfrm>
-          <a:prstGeom prst="rect">
-            <a:avLst/>
-          </a:prstGeom>
-          <a:solidFill>
-            <a:schemeClr val="tx1"/>
-          </a:solidFill>
-          <a:ln>
-            <a:noFill/>
-          </a:ln>
-        </p:spPr>
-        <p:style>
-          <a:lnRef idx="2">
-            <a:schemeClr val="accent1">
-              <a:shade val="50000"/>
-            </a:schemeClr>
-          </a:lnRef>
-          <a:fillRef idx="1">
-            <a:schemeClr val="accent1"/>
-          </a:fillRef>
-          <a:effectRef idx="0">
-            <a:schemeClr val="accent1"/>
-          </a:effectRef>
-          <a:fontRef idx="minor">
-            <a:schemeClr val="lt1"/>
-          </a:fontRef>
-        </p:style>
-        <p:txBody>
-          <a:bodyPr rtlCol="0" anchor="ctr"/>
-          <a:lstStyle/>
-          <a:p>
-            <a:pPr algn="r"/>
-            <a:r>
-              <a:rPr lang="en-GB" dirty="0" smtClean="0"/>
-              <a:t>Budget: ₴500</a:t>
-            </a:r>
-            <a:endParaRPr lang="en-GB" dirty="0"/>
           </a:p>
         </p:txBody>
       </p:sp>
@@ -6329,12 +9816,8 @@
               <a:t>	</a:t>
             </a:r>
             <a:r>
-              <a:rPr lang="en-GB" sz="1100" b="1" dirty="0" smtClean="0"/>
-              <a:t>Cost: </a:t>
-            </a:r>
-            <a:r>
               <a:rPr lang="en-GB" sz="1100" dirty="0" smtClean="0"/>
-              <a:t>₴40	Size: S</a:t>
+              <a:t>	Size: S</a:t>
             </a:r>
             <a:endParaRPr lang="en-GB" sz="1100" dirty="0"/>
           </a:p>
@@ -6437,11 +9920,7 @@
             </a:pPr>
             <a:r>
               <a:rPr lang="en-GB" sz="1400" b="1" dirty="0" smtClean="0"/>
-              <a:t>	Large </a:t>
-            </a:r>
-            <a:r>
-              <a:rPr lang="en-GB" sz="1400" b="1" dirty="0" smtClean="0"/>
-              <a:t>Radio dish</a:t>
+              <a:t>	Large Radio dish</a:t>
             </a:r>
           </a:p>
           <a:p>
@@ -6453,11 +9932,11 @@
             </a:pPr>
             <a:r>
               <a:rPr lang="en-GB" sz="1100" b="1" dirty="0" smtClean="0"/>
-              <a:t>	Cost: </a:t>
+              <a:t>	</a:t>
             </a:r>
             <a:r>
               <a:rPr lang="en-GB" sz="1100" dirty="0" smtClean="0"/>
-              <a:t>₴10	Size: L</a:t>
+              <a:t>	Size: L</a:t>
             </a:r>
           </a:p>
           <a:p>
@@ -6597,11 +10076,11 @@
             </a:pPr>
             <a:r>
               <a:rPr lang="en-GB" sz="1100" b="1" dirty="0" smtClean="0"/>
-              <a:t>	Cost: </a:t>
+              <a:t>	</a:t>
             </a:r>
             <a:r>
               <a:rPr lang="en-GB" sz="1100" dirty="0" smtClean="0"/>
-              <a:t>₴50	Size: S</a:t>
+              <a:t>	Size: S</a:t>
             </a:r>
             <a:endParaRPr lang="en-GB" sz="1100" dirty="0"/>
           </a:p>
@@ -7030,7 +10509,23 @@
                   <a:srgbClr val="FF0000"/>
                 </a:solidFill>
               </a:rPr>
-              <a:t>Icon, Title, Cost, Size</a:t>
+              <a:t>Icon, </a:t>
+            </a:r>
+            <a:r>
+              <a:rPr lang="en-GB" sz="1200" dirty="0" smtClean="0">
+                <a:solidFill>
+                  <a:srgbClr val="FF0000"/>
+                </a:solidFill>
+              </a:rPr>
+              <a:t>Cost</a:t>
+            </a:r>
+            <a:r>
+              <a:rPr lang="en-GB" sz="1200" dirty="0" smtClean="0">
+                <a:solidFill>
+                  <a:srgbClr val="FF0000"/>
+                </a:solidFill>
+              </a:rPr>
+              <a:t>, Size</a:t>
             </a:r>
           </a:p>
         </p:txBody>
@@ -7332,7 +10827,7 @@
                   <a:schemeClr val="bg1"/>
                 </a:solidFill>
               </a:rPr>
-              <a:t>Slots used:</a:t>
+              <a:t>Space available:</a:t>
             </a:r>
             <a:r>
               <a:rPr lang="en-GB" sz="1400" dirty="0" smtClean="0">
@@ -7340,7 +10835,7 @@
                   <a:schemeClr val="bg1"/>
                 </a:solidFill>
               </a:rPr>
-              <a:t> Large: 1/2	; Small: 2/4 </a:t>
+              <a:t> Large: 1	; Small: 2 </a:t>
             </a:r>
             <a:endParaRPr lang="en-GB" sz="1400" dirty="0">
               <a:solidFill>
@@ -7601,75 +11096,6 @@
       </p:sp>
       <p:sp>
         <p:nvSpPr>
-          <p:cNvPr id="52" name="TextBox 51"/>
-          <p:cNvSpPr txBox="1"/>
-          <p:nvPr/>
-        </p:nvSpPr>
-        <p:spPr>
-          <a:xfrm>
-            <a:off x="6870290" y="926707"/>
-            <a:ext cx="1943808" cy="430887"/>
-          </a:xfrm>
-          <a:prstGeom prst="rect">
-            <a:avLst/>
-          </a:prstGeom>
-          <a:noFill/>
-        </p:spPr>
-        <p:txBody>
-          <a:bodyPr wrap="square" rtlCol="0">
-            <a:spAutoFit/>
-          </a:bodyPr>
-          <a:lstStyle/>
-          <a:p>
-            <a:r>
-              <a:rPr lang="en-GB" sz="1100" dirty="0" smtClean="0">
-                <a:solidFill>
-                  <a:srgbClr val="FF0000"/>
-                </a:solidFill>
-              </a:rPr>
-              <a:t>Arrow shows breakdown, but not total</a:t>
-            </a:r>
-          </a:p>
-        </p:txBody>
-      </p:sp>
-      <p:cxnSp>
-        <p:nvCxnSpPr>
-          <p:cNvPr id="54" name="Straight Arrow Connector 53"/>
-          <p:cNvCxnSpPr/>
-          <p:nvPr/>
-        </p:nvCxnSpPr>
-        <p:spPr>
-          <a:xfrm flipH="1">
-            <a:off x="7006109" y="1357594"/>
-            <a:ext cx="154602" cy="503955"/>
-          </a:xfrm>
-          <a:prstGeom prst="straightConnector1">
-            <a:avLst/>
-          </a:prstGeom>
-          <a:ln w="38100">
-            <a:solidFill>
-              <a:srgbClr val="FF0000"/>
-            </a:solidFill>
-            <a:tailEnd type="triangle"/>
-          </a:ln>
-        </p:spPr>
-        <p:style>
-          <a:lnRef idx="1">
-            <a:schemeClr val="accent1"/>
-          </a:lnRef>
-          <a:fillRef idx="0">
-            <a:schemeClr val="accent1"/>
-          </a:fillRef>
-          <a:effectRef idx="0">
-            <a:schemeClr val="accent1"/>
-          </a:effectRef>
-          <a:fontRef idx="minor">
-            <a:schemeClr val="tx1"/>
-          </a:fontRef>
-        </p:style>
-      </p:cxnSp>
-      <p:sp>
-        <p:nvSpPr>
           <p:cNvPr id="57" name="TextBox 56"/>
           <p:cNvSpPr txBox="1"/>
           <p:nvPr/>
@@ -7817,123 +11243,6 @@
           </a:extLst>
         </p:spPr>
       </p:pic>
-      <p:cxnSp>
-        <p:nvCxnSpPr>
-          <p:cNvPr id="68" name="Straight Arrow Connector 67"/>
-          <p:cNvCxnSpPr/>
-          <p:nvPr/>
-        </p:nvCxnSpPr>
-        <p:spPr>
-          <a:xfrm>
-            <a:off x="6135178" y="1443620"/>
-            <a:ext cx="285711" cy="400393"/>
-          </a:xfrm>
-          <a:prstGeom prst="straightConnector1">
-            <a:avLst/>
-          </a:prstGeom>
-          <a:ln w="38100">
-            <a:solidFill>
-              <a:srgbClr val="FF0000"/>
-            </a:solidFill>
-            <a:tailEnd type="triangle"/>
-          </a:ln>
-        </p:spPr>
-        <p:style>
-          <a:lnRef idx="1">
-            <a:schemeClr val="accent1"/>
-          </a:lnRef>
-          <a:fillRef idx="0">
-            <a:schemeClr val="accent1"/>
-          </a:fillRef>
-          <a:effectRef idx="0">
-            <a:schemeClr val="accent1"/>
-          </a:effectRef>
-          <a:fontRef idx="minor">
-            <a:schemeClr val="tx1"/>
-          </a:fontRef>
-        </p:style>
-      </p:cxnSp>
-      <p:sp>
-        <p:nvSpPr>
-          <p:cNvPr id="70" name="TextBox 69"/>
-          <p:cNvSpPr txBox="1"/>
-          <p:nvPr/>
-        </p:nvSpPr>
-        <p:spPr>
-          <a:xfrm>
-            <a:off x="4573567" y="1235180"/>
-            <a:ext cx="1943808" cy="261610"/>
-          </a:xfrm>
-          <a:prstGeom prst="rect">
-            <a:avLst/>
-          </a:prstGeom>
-          <a:noFill/>
-        </p:spPr>
-        <p:txBody>
-          <a:bodyPr wrap="square" rtlCol="0">
-            <a:spAutoFit/>
-          </a:bodyPr>
-          <a:lstStyle/>
-          <a:p>
-            <a:r>
-              <a:rPr lang="en-GB" sz="1100" dirty="0" smtClean="0">
-                <a:solidFill>
-                  <a:srgbClr val="FF0000"/>
-                </a:solidFill>
-              </a:rPr>
-              <a:t>Only show if over budget</a:t>
-            </a:r>
-          </a:p>
-        </p:txBody>
-      </p:sp>
-      <p:sp>
-        <p:nvSpPr>
-          <p:cNvPr id="74" name="Isosceles Triangle 73"/>
-          <p:cNvSpPr/>
-          <p:nvPr/>
-        </p:nvSpPr>
-        <p:spPr>
-          <a:xfrm flipH="1" flipV="1">
-            <a:off x="6813585" y="1977407"/>
-            <a:ext cx="276396" cy="146126"/>
-          </a:xfrm>
-          <a:prstGeom prst="triangle">
-            <a:avLst/>
-          </a:prstGeom>
-          <a:solidFill>
-            <a:schemeClr val="bg1"/>
-          </a:solidFill>
-          <a:ln>
-            <a:solidFill>
-              <a:schemeClr val="bg1"/>
-            </a:solidFill>
-          </a:ln>
-        </p:spPr>
-        <p:style>
-          <a:lnRef idx="2">
-            <a:schemeClr val="accent1">
-              <a:shade val="50000"/>
-            </a:schemeClr>
-          </a:lnRef>
-          <a:fillRef idx="1">
-            <a:schemeClr val="accent1"/>
-          </a:fillRef>
-          <a:effectRef idx="0">
-            <a:schemeClr val="accent1"/>
-          </a:effectRef>
-          <a:fontRef idx="minor">
-            <a:schemeClr val="lt1"/>
-          </a:fontRef>
-        </p:style>
-        <p:txBody>
-          <a:bodyPr rtlCol="0" anchor="ctr"/>
-          <a:lstStyle/>
-          <a:p>
-            <a:pPr algn="ctr"/>
-            <a:endParaRPr lang="en-GB"/>
-          </a:p>
-        </p:txBody>
-      </p:sp>
       <p:sp>
         <p:nvSpPr>
           <p:cNvPr id="78" name="TextBox 77"/>
@@ -8461,7 +11770,7 @@
 </p:sld>
 </file>
 
-<file path=ppt/slides/slide7.xml><?xml version="1.0" encoding="utf-8"?>
+<file path=ppt/slides/slide9.xml><?xml version="1.0" encoding="utf-8"?>
 <p:sld xmlns:a="http://schemas.openxmlformats.org/drawingml/2006/main" xmlns:r="http://schemas.openxmlformats.org/officeDocument/2006/relationships" xmlns:p="http://schemas.openxmlformats.org/presentationml/2006/main">
   <p:cSld>
     <p:spTree>
@@ -8495,7 +11804,11 @@
           <a:p>
             <a:r>
               <a:rPr lang="en-GB" dirty="0" smtClean="0"/>
-              <a:t>4. Select power</a:t>
+              <a:t>6. </a:t>
+            </a:r>
+            <a:r>
+              <a:rPr lang="en-GB" dirty="0" smtClean="0"/>
+              <a:t>Select power</a:t>
             </a:r>
             <a:endParaRPr lang="en-GB" dirty="0"/>
           </a:p>
@@ -9044,14 +12357,74 @@
       </p:sp>
       <p:sp>
         <p:nvSpPr>
-          <p:cNvPr id="23" name="Rectangle 22"/>
+          <p:cNvPr id="27" name="TextBox 26"/>
+          <p:cNvSpPr txBox="1"/>
+          <p:nvPr/>
+        </p:nvSpPr>
+        <p:spPr>
+          <a:xfrm>
+            <a:off x="1310217" y="4119264"/>
+            <a:ext cx="1434094" cy="369332"/>
+          </a:xfrm>
+          <a:prstGeom prst="rect">
+            <a:avLst/>
+          </a:prstGeom>
+          <a:noFill/>
+        </p:spPr>
+        <p:txBody>
+          <a:bodyPr wrap="square" rtlCol="0">
+            <a:spAutoFit/>
+          </a:bodyPr>
+          <a:lstStyle/>
+          <a:p>
+            <a:r>
+              <a:rPr lang="en-GB" dirty="0" smtClean="0"/>
+              <a:t>Solar panels:</a:t>
+            </a:r>
+            <a:endParaRPr lang="en-GB" dirty="0"/>
+          </a:p>
+        </p:txBody>
+      </p:sp>
+      <p:sp>
+        <p:nvSpPr>
+          <p:cNvPr id="28" name="TextBox 27"/>
+          <p:cNvSpPr txBox="1"/>
+          <p:nvPr/>
+        </p:nvSpPr>
+        <p:spPr>
+          <a:xfrm>
+            <a:off x="1310217" y="4548594"/>
+            <a:ext cx="1434094" cy="369332"/>
+          </a:xfrm>
+          <a:prstGeom prst="rect">
+            <a:avLst/>
+          </a:prstGeom>
+          <a:noFill/>
+        </p:spPr>
+        <p:txBody>
+          <a:bodyPr wrap="square" rtlCol="0">
+            <a:spAutoFit/>
+          </a:bodyPr>
+          <a:lstStyle/>
+          <a:p>
+            <a:r>
+              <a:rPr lang="en-GB" dirty="0" smtClean="0"/>
+              <a:t>Cost: ₴100  </a:t>
+            </a:r>
+            <a:endParaRPr lang="en-GB" dirty="0"/>
+          </a:p>
+        </p:txBody>
+      </p:sp>
+      <p:sp>
+        <p:nvSpPr>
+          <p:cNvPr id="29" name="Rectangle 28"/>
           <p:cNvSpPr/>
           <p:nvPr/>
         </p:nvSpPr>
         <p:spPr>
           <a:xfrm>
-            <a:off x="1380067" y="5056439"/>
-            <a:ext cx="5740400" cy="423333"/>
+            <a:off x="2744311" y="4119264"/>
+            <a:ext cx="552450" cy="369332"/>
           </a:xfrm>
           <a:prstGeom prst="rect">
             <a:avLst/>
@@ -9086,171 +12459,32 @@
           <a:lstStyle/>
           <a:p>
             <a:pPr algn="ctr"/>
-            <a:endParaRPr lang="en-GB"/>
-          </a:p>
-        </p:txBody>
-      </p:sp>
-      <p:sp>
-        <p:nvSpPr>
-          <p:cNvPr id="22" name="Rectangle 21"/>
+            <a:r>
+              <a:rPr lang="en-GB" dirty="0" smtClean="0">
+                <a:solidFill>
+                  <a:schemeClr val="tx1"/>
+                </a:solidFill>
+              </a:rPr>
+              <a:t>4</a:t>
+            </a:r>
+            <a:endParaRPr lang="en-GB" dirty="0">
+              <a:solidFill>
+                <a:schemeClr val="tx1"/>
+              </a:solidFill>
+            </a:endParaRPr>
+          </a:p>
+        </p:txBody>
+      </p:sp>
+      <p:sp>
+        <p:nvSpPr>
+          <p:cNvPr id="30" name="Rectangle 29"/>
           <p:cNvSpPr/>
           <p:nvPr/>
         </p:nvSpPr>
         <p:spPr>
           <a:xfrm>
-            <a:off x="1380067" y="5060730"/>
-            <a:ext cx="3420639" cy="407688"/>
-          </a:xfrm>
-          <a:prstGeom prst="rect">
-            <a:avLst/>
-          </a:prstGeom>
-          <a:solidFill>
-            <a:schemeClr val="accent2">
-              <a:lumMod val="75000"/>
-            </a:schemeClr>
-          </a:solidFill>
-          <a:ln>
-            <a:noFill/>
-          </a:ln>
-        </p:spPr>
-        <p:style>
-          <a:lnRef idx="2">
-            <a:schemeClr val="accent1">
-              <a:shade val="50000"/>
-            </a:schemeClr>
-          </a:lnRef>
-          <a:fillRef idx="1">
-            <a:schemeClr val="accent1"/>
-          </a:fillRef>
-          <a:effectRef idx="0">
-            <a:schemeClr val="accent1"/>
-          </a:effectRef>
-          <a:fontRef idx="minor">
-            <a:schemeClr val="lt1"/>
-          </a:fontRef>
-        </p:style>
-        <p:txBody>
-          <a:bodyPr rtlCol="0" anchor="ctr"/>
-          <a:lstStyle/>
-          <a:p>
-            <a:pPr algn="ctr"/>
-            <a:endParaRPr lang="en-GB"/>
-          </a:p>
-        </p:txBody>
-      </p:sp>
-      <p:cxnSp>
-        <p:nvCxnSpPr>
-          <p:cNvPr id="25" name="Straight Connector 24"/>
-          <p:cNvCxnSpPr/>
-          <p:nvPr/>
-        </p:nvCxnSpPr>
-        <p:spPr>
-          <a:xfrm>
-            <a:off x="5222746" y="5056439"/>
-            <a:ext cx="4850" cy="423333"/>
-          </a:xfrm>
-          <a:prstGeom prst="line">
-            <a:avLst/>
-          </a:prstGeom>
-          <a:ln w="38100">
-            <a:solidFill>
-              <a:schemeClr val="tx1"/>
-            </a:solidFill>
-          </a:ln>
-        </p:spPr>
-        <p:style>
-          <a:lnRef idx="1">
-            <a:schemeClr val="accent1"/>
-          </a:lnRef>
-          <a:fillRef idx="0">
-            <a:schemeClr val="accent1"/>
-          </a:fillRef>
-          <a:effectRef idx="0">
-            <a:schemeClr val="accent1"/>
-          </a:effectRef>
-          <a:fontRef idx="minor">
-            <a:schemeClr val="tx1"/>
-          </a:fontRef>
-        </p:style>
-      </p:cxnSp>
-      <p:sp>
-        <p:nvSpPr>
-          <p:cNvPr id="27" name="TextBox 26"/>
-          <p:cNvSpPr txBox="1"/>
-          <p:nvPr/>
-        </p:nvSpPr>
-        <p:spPr>
-          <a:xfrm>
-            <a:off x="1310217" y="4119264"/>
-            <a:ext cx="1434094" cy="369332"/>
-          </a:xfrm>
-          <a:prstGeom prst="rect">
-            <a:avLst/>
-          </a:prstGeom>
-          <a:noFill/>
-        </p:spPr>
-        <p:txBody>
-          <a:bodyPr wrap="square" rtlCol="0">
-            <a:spAutoFit/>
-          </a:bodyPr>
-          <a:lstStyle/>
-          <a:p>
-            <a:r>
-              <a:rPr lang="en-GB" dirty="0" smtClean="0"/>
-              <a:t>Solar panels:</a:t>
-            </a:r>
-            <a:endParaRPr lang="en-GB" dirty="0"/>
-          </a:p>
-        </p:txBody>
-      </p:sp>
-      <p:sp>
-        <p:nvSpPr>
-          <p:cNvPr id="28" name="TextBox 27"/>
-          <p:cNvSpPr txBox="1"/>
-          <p:nvPr/>
-        </p:nvSpPr>
-        <p:spPr>
-          <a:xfrm>
-            <a:off x="1310217" y="4548594"/>
-            <a:ext cx="1434094" cy="369332"/>
-          </a:xfrm>
-          <a:prstGeom prst="rect">
-            <a:avLst/>
-          </a:prstGeom>
-          <a:noFill/>
-        </p:spPr>
-        <p:txBody>
-          <a:bodyPr wrap="square" rtlCol="0">
-            <a:spAutoFit/>
-          </a:bodyPr>
-          <a:lstStyle/>
-          <a:p>
-            <a:r>
-              <a:rPr lang="en-GB" dirty="0" smtClean="0"/>
-              <a:t>Cost: </a:t>
-            </a:r>
-            <a:r>
-              <a:rPr lang="en-GB" dirty="0" smtClean="0"/>
-              <a:t>₴100</a:t>
-            </a:r>
-            <a:r>
-              <a:rPr lang="en-GB" dirty="0" smtClean="0"/>
-              <a:t>  </a:t>
-            </a:r>
-            <a:endParaRPr lang="en-GB" dirty="0"/>
-          </a:p>
-        </p:txBody>
-      </p:sp>
-      <p:sp>
-        <p:nvSpPr>
-          <p:cNvPr id="29" name="Rectangle 28"/>
-          <p:cNvSpPr/>
-          <p:nvPr/>
-        </p:nvSpPr>
-        <p:spPr>
-          <a:xfrm>
-            <a:off x="2744311" y="4119264"/>
-            <a:ext cx="552450" cy="369332"/>
+            <a:off x="3315186" y="4089362"/>
+            <a:ext cx="199617" cy="199617"/>
           </a:xfrm>
           <a:prstGeom prst="rect">
             <a:avLst/>
@@ -9291,7 +12525,7 @@
                   <a:schemeClr val="tx1"/>
                 </a:solidFill>
               </a:rPr>
-              <a:t>4</a:t>
+              <a:t>+</a:t>
             </a:r>
             <a:endParaRPr lang="en-GB" dirty="0">
               <a:solidFill>
@@ -9303,13 +12537,13 @@
       </p:sp>
       <p:sp>
         <p:nvSpPr>
-          <p:cNvPr id="30" name="Rectangle 29"/>
+          <p:cNvPr id="31" name="Rectangle 30"/>
           <p:cNvSpPr/>
           <p:nvPr/>
         </p:nvSpPr>
         <p:spPr>
           <a:xfrm>
-            <a:off x="3315186" y="4089362"/>
+            <a:off x="3315185" y="4316530"/>
             <a:ext cx="199617" cy="199617"/>
           </a:xfrm>
           <a:prstGeom prst="rect">
@@ -9346,66 +12580,6 @@
           <a:p>
             <a:pPr algn="ctr"/>
             <a:r>
-              <a:rPr lang="en-GB" dirty="0" smtClean="0">
-                <a:solidFill>
-                  <a:schemeClr val="tx1"/>
-                </a:solidFill>
-              </a:rPr>
-              <a:t>+</a:t>
-            </a:r>
-            <a:endParaRPr lang="en-GB" dirty="0">
-              <a:solidFill>
-                <a:schemeClr val="tx1"/>
-              </a:solidFill>
-            </a:endParaRPr>
-          </a:p>
-        </p:txBody>
-      </p:sp>
-      <p:sp>
-        <p:nvSpPr>
-          <p:cNvPr id="31" name="Rectangle 30"/>
-          <p:cNvSpPr/>
-          <p:nvPr/>
-        </p:nvSpPr>
-        <p:spPr>
-          <a:xfrm>
-            <a:off x="3315185" y="4316530"/>
-            <a:ext cx="199617" cy="199617"/>
-          </a:xfrm>
-          <a:prstGeom prst="rect">
-            <a:avLst/>
-          </a:prstGeom>
-          <a:solidFill>
-            <a:schemeClr val="bg1"/>
-          </a:solidFill>
-          <a:ln>
-            <a:solidFill>
-              <a:schemeClr val="tx1"/>
-            </a:solidFill>
-          </a:ln>
-        </p:spPr>
-        <p:style>
-          <a:lnRef idx="2">
-            <a:schemeClr val="accent1">
-              <a:shade val="50000"/>
-            </a:schemeClr>
-          </a:lnRef>
-          <a:fillRef idx="1">
-            <a:schemeClr val="accent1"/>
-          </a:fillRef>
-          <a:effectRef idx="0">
-            <a:schemeClr val="accent1"/>
-          </a:effectRef>
-          <a:fontRef idx="minor">
-            <a:schemeClr val="lt1"/>
-          </a:fontRef>
-        </p:style>
-        <p:txBody>
-          <a:bodyPr rtlCol="0" anchor="ctr"/>
-          <a:lstStyle/>
-          <a:p>
-            <a:pPr algn="ctr"/>
-            <a:r>
               <a:rPr lang="en-GB" dirty="0">
                 <a:solidFill>
                   <a:schemeClr val="tx1"/>
@@ -9413,201 +12587,19 @@
               </a:rPr>
               <a:t>-</a:t>
             </a:r>
-            <a:endParaRPr lang="en-GB" dirty="0">
-              <a:solidFill>
-                <a:schemeClr val="tx1"/>
-              </a:solidFill>
-            </a:endParaRPr>
-          </a:p>
-        </p:txBody>
-      </p:sp>
-      <p:sp>
-        <p:nvSpPr>
-          <p:cNvPr id="32" name="TextBox 31"/>
-          <p:cNvSpPr txBox="1"/>
-          <p:nvPr/>
-        </p:nvSpPr>
-        <p:spPr>
-          <a:xfrm>
-            <a:off x="1980731" y="5059336"/>
-            <a:ext cx="1527160" cy="415498"/>
-          </a:xfrm>
-          <a:prstGeom prst="rect">
-            <a:avLst/>
-          </a:prstGeom>
-          <a:noFill/>
-        </p:spPr>
-        <p:txBody>
-          <a:bodyPr wrap="square" rtlCol="0">
-            <a:spAutoFit/>
-          </a:bodyPr>
-          <a:lstStyle/>
-          <a:p>
-            <a:r>
-              <a:rPr lang="en-GB" sz="1050" dirty="0" smtClean="0">
-                <a:solidFill>
-                  <a:srgbClr val="FF0000"/>
-                </a:solidFill>
-              </a:rPr>
-              <a:t>Bar changes colour when over limit</a:t>
-            </a:r>
-            <a:endParaRPr lang="en-GB" sz="1050" dirty="0">
-              <a:solidFill>
-                <a:srgbClr val="FF0000"/>
-              </a:solidFill>
-            </a:endParaRPr>
-          </a:p>
-        </p:txBody>
-      </p:sp>
-      <p:sp>
-        <p:nvSpPr>
-          <p:cNvPr id="33" name="Rectangle 32"/>
+          </a:p>
+        </p:txBody>
+      </p:sp>
+      <p:sp>
+        <p:nvSpPr>
+          <p:cNvPr id="40" name="Isosceles Triangle 39"/>
           <p:cNvSpPr/>
           <p:nvPr/>
         </p:nvSpPr>
         <p:spPr>
-          <a:xfrm>
-            <a:off x="6235700" y="1825625"/>
-            <a:ext cx="2279650" cy="418042"/>
-          </a:xfrm>
-          <a:prstGeom prst="rect">
-            <a:avLst/>
-          </a:prstGeom>
-          <a:solidFill>
-            <a:schemeClr val="tx1"/>
-          </a:solidFill>
-          <a:ln>
-            <a:noFill/>
-          </a:ln>
-        </p:spPr>
-        <p:style>
-          <a:lnRef idx="2">
-            <a:schemeClr val="accent1">
-              <a:shade val="50000"/>
-            </a:schemeClr>
-          </a:lnRef>
-          <a:fillRef idx="1">
-            <a:schemeClr val="accent1"/>
-          </a:fillRef>
-          <a:effectRef idx="0">
-            <a:schemeClr val="accent1"/>
-          </a:effectRef>
-          <a:fontRef idx="minor">
-            <a:schemeClr val="lt1"/>
-          </a:fontRef>
-        </p:style>
-        <p:txBody>
-          <a:bodyPr rtlCol="0" anchor="ctr"/>
-          <a:lstStyle/>
-          <a:p>
-            <a:pPr algn="r"/>
-            <a:r>
-              <a:rPr lang="en-GB" dirty="0" smtClean="0"/>
-              <a:t>Budget: ₴500</a:t>
-            </a:r>
-            <a:endParaRPr lang="en-GB" dirty="0"/>
-          </a:p>
-        </p:txBody>
-      </p:sp>
-      <p:pic>
-        <p:nvPicPr>
-          <p:cNvPr id="34" name="Picture 10" descr="alert, attention, danger, error, exclamation, problem, warning icon"/>
-          <p:cNvPicPr>
-            <a:picLocks noChangeAspect="1" noChangeArrowheads="1"/>
-          </p:cNvPicPr>
-          <p:nvPr/>
-        </p:nvPicPr>
-        <p:blipFill>
-          <a:blip r:embed="rId5" cstate="print">
-            <a:extLst>
-              <a:ext uri="{28A0092B-C50C-407E-A947-70E740481C1C}">
-                <a14:useLocalDpi xmlns:a14="http://schemas.microsoft.com/office/drawing/2010/main" val="0"/>
-              </a:ext>
-            </a:extLst>
-          </a:blip>
-          <a:srcRect/>
-          <a:stretch>
-            <a:fillRect/>
-          </a:stretch>
-        </p:blipFill>
-        <p:spPr bwMode="auto">
-          <a:xfrm>
-            <a:off x="6305116" y="1854646"/>
-            <a:ext cx="360000" cy="360000"/>
-          </a:xfrm>
-          <a:prstGeom prst="rect">
-            <a:avLst/>
-          </a:prstGeom>
-          <a:noFill/>
-          <a:extLst>
-            <a:ext uri="{909E8E84-426E-40DD-AFC4-6F175D3DCCD1}">
-              <a14:hiddenFill xmlns:a14="http://schemas.microsoft.com/office/drawing/2010/main">
-                <a:solidFill>
-                  <a:srgbClr val="FFFFFF"/>
-                </a:solidFill>
-              </a14:hiddenFill>
-            </a:ext>
-          </a:extLst>
-        </p:spPr>
-      </p:pic>
-      <p:sp>
-        <p:nvSpPr>
-          <p:cNvPr id="35" name="Isosceles Triangle 34"/>
-          <p:cNvSpPr/>
-          <p:nvPr/>
-        </p:nvSpPr>
-        <p:spPr>
-          <a:xfrm flipH="1" flipV="1">
-            <a:off x="6813585" y="1977407"/>
-            <a:ext cx="276396" cy="146126"/>
-          </a:xfrm>
-          <a:prstGeom prst="triangle">
-            <a:avLst/>
-          </a:prstGeom>
-          <a:solidFill>
-            <a:schemeClr val="bg1"/>
-          </a:solidFill>
-          <a:ln>
-            <a:solidFill>
-              <a:schemeClr val="bg1"/>
-            </a:solidFill>
-          </a:ln>
-        </p:spPr>
-        <p:style>
-          <a:lnRef idx="2">
-            <a:schemeClr val="accent1">
-              <a:shade val="50000"/>
-            </a:schemeClr>
-          </a:lnRef>
-          <a:fillRef idx="1">
-            <a:schemeClr val="accent1"/>
-          </a:fillRef>
-          <a:effectRef idx="0">
-            <a:schemeClr val="accent1"/>
-          </a:effectRef>
-          <a:fontRef idx="minor">
-            <a:schemeClr val="lt1"/>
-          </a:fontRef>
-        </p:style>
-        <p:txBody>
-          <a:bodyPr rtlCol="0" anchor="ctr"/>
-          <a:lstStyle/>
-          <a:p>
-            <a:pPr algn="ctr"/>
-            <a:endParaRPr lang="en-GB"/>
-          </a:p>
-        </p:txBody>
-      </p:sp>
-      <p:sp>
-        <p:nvSpPr>
-          <p:cNvPr id="37" name="Isosceles Triangle 36"/>
-          <p:cNvSpPr/>
-          <p:nvPr/>
-        </p:nvSpPr>
-        <p:spPr>
-          <a:xfrm rot="10800000" flipH="1" flipV="1">
-            <a:off x="5137030" y="5507950"/>
-            <a:ext cx="176283" cy="93198"/>
+          <a:xfrm rot="5400000">
+            <a:off x="7718856" y="3045656"/>
+            <a:ext cx="939114" cy="370703"/>
           </a:xfrm>
           <a:prstGeom prst="triangle">
             <a:avLst/>
@@ -9648,14 +12640,14 @@
       </p:sp>
       <p:sp>
         <p:nvSpPr>
-          <p:cNvPr id="38" name="Isosceles Triangle 37"/>
+          <p:cNvPr id="41" name="Isosceles Triangle 40"/>
           <p:cNvSpPr/>
           <p:nvPr/>
         </p:nvSpPr>
         <p:spPr>
-          <a:xfrm flipH="1" flipV="1">
-            <a:off x="5137030" y="4941332"/>
-            <a:ext cx="176283" cy="93198"/>
+          <a:xfrm rot="16200000">
+            <a:off x="496328" y="3045656"/>
+            <a:ext cx="939114" cy="370703"/>
           </a:xfrm>
           <a:prstGeom prst="triangle">
             <a:avLst/>
@@ -9696,236 +12688,6 @@
       </p:sp>
       <p:sp>
         <p:nvSpPr>
-          <p:cNvPr id="39" name="TextBox 38"/>
-          <p:cNvSpPr txBox="1"/>
-          <p:nvPr/>
-        </p:nvSpPr>
-        <p:spPr>
-          <a:xfrm>
-            <a:off x="4441924" y="4558585"/>
-            <a:ext cx="2055002" cy="307777"/>
-          </a:xfrm>
-          <a:prstGeom prst="rect">
-            <a:avLst/>
-          </a:prstGeom>
-          <a:noFill/>
-        </p:spPr>
-        <p:txBody>
-          <a:bodyPr wrap="square" rtlCol="0">
-            <a:spAutoFit/>
-          </a:bodyPr>
-          <a:lstStyle/>
-          <a:p>
-            <a:r>
-              <a:rPr lang="en-GB" sz="1400" dirty="0" smtClean="0"/>
-              <a:t>Required power</a:t>
-            </a:r>
-            <a:endParaRPr lang="en-GB" sz="1400" dirty="0"/>
-          </a:p>
-        </p:txBody>
-      </p:sp>
-      <p:sp>
-        <p:nvSpPr>
-          <p:cNvPr id="40" name="Isosceles Triangle 39"/>
-          <p:cNvSpPr/>
-          <p:nvPr/>
-        </p:nvSpPr>
-        <p:spPr>
-          <a:xfrm rot="5400000">
-            <a:off x="7718856" y="3045656"/>
-            <a:ext cx="939114" cy="370703"/>
-          </a:xfrm>
-          <a:prstGeom prst="triangle">
-            <a:avLst/>
-          </a:prstGeom>
-          <a:solidFill>
-            <a:schemeClr val="tx1"/>
-          </a:solidFill>
-          <a:ln>
-            <a:solidFill>
-              <a:schemeClr val="tx1"/>
-            </a:solidFill>
-          </a:ln>
-        </p:spPr>
-        <p:style>
-          <a:lnRef idx="2">
-            <a:schemeClr val="accent1">
-              <a:shade val="50000"/>
-            </a:schemeClr>
-          </a:lnRef>
-          <a:fillRef idx="1">
-            <a:schemeClr val="accent1"/>
-          </a:fillRef>
-          <a:effectRef idx="0">
-            <a:schemeClr val="accent1"/>
-          </a:effectRef>
-          <a:fontRef idx="minor">
-            <a:schemeClr val="lt1"/>
-          </a:fontRef>
-        </p:style>
-        <p:txBody>
-          <a:bodyPr rtlCol="0" anchor="ctr"/>
-          <a:lstStyle/>
-          <a:p>
-            <a:pPr algn="ctr"/>
-            <a:endParaRPr lang="en-GB"/>
-          </a:p>
-        </p:txBody>
-      </p:sp>
-      <p:sp>
-        <p:nvSpPr>
-          <p:cNvPr id="41" name="Isosceles Triangle 40"/>
-          <p:cNvSpPr/>
-          <p:nvPr/>
-        </p:nvSpPr>
-        <p:spPr>
-          <a:xfrm rot="16200000">
-            <a:off x="496328" y="3045656"/>
-            <a:ext cx="939114" cy="370703"/>
-          </a:xfrm>
-          <a:prstGeom prst="triangle">
-            <a:avLst/>
-          </a:prstGeom>
-          <a:solidFill>
-            <a:schemeClr val="tx1"/>
-          </a:solidFill>
-          <a:ln>
-            <a:solidFill>
-              <a:schemeClr val="tx1"/>
-            </a:solidFill>
-          </a:ln>
-        </p:spPr>
-        <p:style>
-          <a:lnRef idx="2">
-            <a:schemeClr val="accent1">
-              <a:shade val="50000"/>
-            </a:schemeClr>
-          </a:lnRef>
-          <a:fillRef idx="1">
-            <a:schemeClr val="accent1"/>
-          </a:fillRef>
-          <a:effectRef idx="0">
-            <a:schemeClr val="accent1"/>
-          </a:effectRef>
-          <a:fontRef idx="minor">
-            <a:schemeClr val="lt1"/>
-          </a:fontRef>
-        </p:style>
-        <p:txBody>
-          <a:bodyPr rtlCol="0" anchor="ctr"/>
-          <a:lstStyle/>
-          <a:p>
-            <a:pPr algn="ctr"/>
-            <a:endParaRPr lang="en-GB"/>
-          </a:p>
-        </p:txBody>
-      </p:sp>
-      <p:pic>
-        <p:nvPicPr>
-          <p:cNvPr id="42" name="Picture 10" descr="alert, attention, danger, error, exclamation, problem, warning icon"/>
-          <p:cNvPicPr>
-            <a:picLocks noChangeAspect="1" noChangeArrowheads="1"/>
-          </p:cNvPicPr>
-          <p:nvPr/>
-        </p:nvPicPr>
-        <p:blipFill>
-          <a:blip r:embed="rId5" cstate="print">
-            <a:extLst>
-              <a:ext uri="{28A0092B-C50C-407E-A947-70E740481C1C}">
-                <a14:useLocalDpi xmlns:a14="http://schemas.microsoft.com/office/drawing/2010/main" val="0"/>
-              </a:ext>
-            </a:extLst>
-          </a:blip>
-          <a:srcRect/>
-          <a:stretch>
-            <a:fillRect/>
-          </a:stretch>
-        </p:blipFill>
-        <p:spPr bwMode="auto">
-          <a:xfrm>
-            <a:off x="1380067" y="5715969"/>
-            <a:ext cx="360000" cy="360000"/>
-          </a:xfrm>
-          <a:prstGeom prst="rect">
-            <a:avLst/>
-          </a:prstGeom>
-          <a:noFill/>
-          <a:extLst>
-            <a:ext uri="{909E8E84-426E-40DD-AFC4-6F175D3DCCD1}">
-              <a14:hiddenFill xmlns:a14="http://schemas.microsoft.com/office/drawing/2010/main">
-                <a:solidFill>
-                  <a:srgbClr val="FFFFFF"/>
-                </a:solidFill>
-              </a14:hiddenFill>
-            </a:ext>
-          </a:extLst>
-        </p:spPr>
-      </p:pic>
-      <p:sp>
-        <p:nvSpPr>
-          <p:cNvPr id="43" name="Rectangle 42"/>
-          <p:cNvSpPr/>
-          <p:nvPr/>
-        </p:nvSpPr>
-        <p:spPr>
-          <a:xfrm>
-            <a:off x="1790301" y="5729852"/>
-            <a:ext cx="5299680" cy="332234"/>
-          </a:xfrm>
-          <a:prstGeom prst="rect">
-            <a:avLst/>
-          </a:prstGeom>
-          <a:solidFill>
-            <a:schemeClr val="accent4">
-              <a:lumMod val="60000"/>
-              <a:lumOff val="40000"/>
-            </a:schemeClr>
-          </a:solidFill>
-          <a:ln>
-            <a:solidFill>
-              <a:srgbClr val="FF0000"/>
-            </a:solidFill>
-          </a:ln>
-        </p:spPr>
-        <p:style>
-          <a:lnRef idx="2">
-            <a:schemeClr val="accent1">
-              <a:shade val="50000"/>
-            </a:schemeClr>
-          </a:lnRef>
-          <a:fillRef idx="1">
-            <a:schemeClr val="accent1"/>
-          </a:fillRef>
-          <a:effectRef idx="0">
-            <a:schemeClr val="accent1"/>
-          </a:effectRef>
-          <a:fontRef idx="minor">
-            <a:schemeClr val="lt1"/>
-          </a:fontRef>
-        </p:style>
-        <p:txBody>
-          <a:bodyPr rtlCol="0" anchor="ctr"/>
-          <a:lstStyle/>
-          <a:p>
-            <a:pPr algn="ctr"/>
-            <a:r>
-              <a:rPr lang="en-GB" sz="1600" dirty="0" smtClean="0">
-                <a:solidFill>
-                  <a:sysClr val="windowText" lastClr="000000"/>
-                </a:solidFill>
-              </a:rPr>
-              <a:t>Not enough power. Add solar panels or remove instruments</a:t>
-            </a:r>
-            <a:endParaRPr lang="en-GB" sz="1600" dirty="0">
-              <a:solidFill>
-                <a:sysClr val="windowText" lastClr="000000"/>
-              </a:solidFill>
-            </a:endParaRPr>
-          </a:p>
-        </p:txBody>
-      </p:sp>
-      <p:sp>
-        <p:nvSpPr>
           <p:cNvPr id="44" name="TextBox 43"/>
           <p:cNvSpPr txBox="1"/>
           <p:nvPr/>
@@ -10021,44 +12783,6 @@
               <a:t>Rocket</a:t>
             </a:r>
             <a:endParaRPr lang="en-GB" sz="2800" dirty="0"/>
-          </a:p>
-        </p:txBody>
-      </p:sp>
-      <p:sp>
-        <p:nvSpPr>
-          <p:cNvPr id="47" name="TextBox 46"/>
-          <p:cNvSpPr txBox="1"/>
-          <p:nvPr/>
-        </p:nvSpPr>
-        <p:spPr>
-          <a:xfrm>
-            <a:off x="7086965" y="5757914"/>
-            <a:ext cx="1527160" cy="253916"/>
-          </a:xfrm>
-          <a:prstGeom prst="rect">
-            <a:avLst/>
-          </a:prstGeom>
-          <a:noFill/>
-        </p:spPr>
-        <p:txBody>
-          <a:bodyPr wrap="square" rtlCol="0">
-            <a:spAutoFit/>
-          </a:bodyPr>
-          <a:lstStyle/>
-          <a:p>
-            <a:r>
-              <a:rPr lang="en-GB" sz="1050" dirty="0" smtClean="0">
-                <a:solidFill>
-                  <a:srgbClr val="FF0000"/>
-                </a:solidFill>
-              </a:rPr>
-              <a:t>Error message</a:t>
-            </a:r>
-            <a:endParaRPr lang="en-GB" sz="1050" dirty="0">
-              <a:solidFill>
-                <a:srgbClr val="FF0000"/>
-              </a:solidFill>
-            </a:endParaRPr>
           </a:p>
         </p:txBody>
       </p:sp>
@@ -10294,3816 +13018,6 @@
     <p:extLst>
       <p:ext uri="{BB962C8B-B14F-4D97-AF65-F5344CB8AC3E}">
         <p14:creationId xmlns:p14="http://schemas.microsoft.com/office/powerpoint/2010/main" val="1207942290"/>
-      </p:ext>
-    </p:extLst>
-  </p:cSld>
-  <p:clrMapOvr>
-    <a:masterClrMapping/>
-  </p:clrMapOvr>
-</p:sld>
-</file>
-
-<file path=ppt/slides/slide8.xml><?xml version="1.0" encoding="utf-8"?>
-<p:sld xmlns:a="http://schemas.openxmlformats.org/drawingml/2006/main" xmlns:r="http://schemas.openxmlformats.org/officeDocument/2006/relationships" xmlns:p="http://schemas.openxmlformats.org/presentationml/2006/main">
-  <p:cSld>
-    <p:spTree>
-      <p:nvGrpSpPr>
-        <p:cNvPr id="1" name=""/>
-        <p:cNvGrpSpPr/>
-        <p:nvPr/>
-      </p:nvGrpSpPr>
-      <p:grpSpPr>
-        <a:xfrm>
-          <a:off x="0" y="0"/>
-          <a:ext cx="0" cy="0"/>
-          <a:chOff x="0" y="0"/>
-          <a:chExt cx="0" cy="0"/>
-        </a:xfrm>
-      </p:grpSpPr>
-      <p:sp>
-        <p:nvSpPr>
-          <p:cNvPr id="2" name="Title 1"/>
-          <p:cNvSpPr>
-            <a:spLocks noGrp="1"/>
-          </p:cNvSpPr>
-          <p:nvPr>
-            <p:ph type="title"/>
-          </p:nvPr>
-        </p:nvSpPr>
-        <p:spPr/>
-        <p:txBody>
-          <a:bodyPr/>
-          <a:lstStyle/>
-          <a:p>
-            <a:r>
-              <a:rPr lang="en-GB" dirty="0" smtClean="0"/>
-              <a:t>5. Select rocket</a:t>
-            </a:r>
-            <a:endParaRPr lang="en-GB" dirty="0"/>
-          </a:p>
-        </p:txBody>
-      </p:sp>
-      <p:sp>
-        <p:nvSpPr>
-          <p:cNvPr id="3" name="Content Placeholder 2"/>
-          <p:cNvSpPr>
-            <a:spLocks noGrp="1"/>
-          </p:cNvSpPr>
-          <p:nvPr>
-            <p:ph idx="1"/>
-          </p:nvPr>
-        </p:nvSpPr>
-        <p:spPr/>
-        <p:txBody>
-          <a:bodyPr/>
-          <a:lstStyle/>
-          <a:p>
-            <a:r>
-              <a:rPr lang="en-GB" dirty="0" smtClean="0"/>
-              <a:t>Build your rocket</a:t>
-            </a:r>
-            <a:endParaRPr lang="en-GB" dirty="0"/>
-          </a:p>
-        </p:txBody>
-      </p:sp>
-      <p:sp>
-        <p:nvSpPr>
-          <p:cNvPr id="7171" name="Rectangle 7170"/>
-          <p:cNvSpPr/>
-          <p:nvPr/>
-        </p:nvSpPr>
-        <p:spPr>
-          <a:xfrm>
-            <a:off x="5358634" y="2721092"/>
-            <a:ext cx="796633" cy="2665377"/>
-          </a:xfrm>
-          <a:prstGeom prst="rect">
-            <a:avLst/>
-          </a:prstGeom>
-          <a:solidFill>
-            <a:schemeClr val="bg1"/>
-          </a:solidFill>
-          <a:ln>
-            <a:solidFill>
-              <a:schemeClr val="tx1"/>
-            </a:solidFill>
-          </a:ln>
-        </p:spPr>
-        <p:style>
-          <a:lnRef idx="2">
-            <a:schemeClr val="accent1">
-              <a:shade val="50000"/>
-            </a:schemeClr>
-          </a:lnRef>
-          <a:fillRef idx="1">
-            <a:schemeClr val="accent1"/>
-          </a:fillRef>
-          <a:effectRef idx="0">
-            <a:schemeClr val="accent1"/>
-          </a:effectRef>
-          <a:fontRef idx="minor">
-            <a:schemeClr val="lt1"/>
-          </a:fontRef>
-        </p:style>
-        <p:txBody>
-          <a:bodyPr rtlCol="0" anchor="ctr"/>
-          <a:lstStyle/>
-          <a:p>
-            <a:pPr algn="ctr"/>
-            <a:endParaRPr lang="en-GB"/>
-          </a:p>
-        </p:txBody>
-      </p:sp>
-      <p:sp>
-        <p:nvSpPr>
-          <p:cNvPr id="4" name="Isosceles Triangle 3"/>
-          <p:cNvSpPr/>
-          <p:nvPr/>
-        </p:nvSpPr>
-        <p:spPr>
-          <a:xfrm rot="5400000">
-            <a:off x="7718856" y="3045656"/>
-            <a:ext cx="939114" cy="370703"/>
-          </a:xfrm>
-          <a:prstGeom prst="triangle">
-            <a:avLst/>
-          </a:prstGeom>
-          <a:solidFill>
-            <a:schemeClr val="tx1"/>
-          </a:solidFill>
-          <a:ln>
-            <a:solidFill>
-              <a:schemeClr val="tx1"/>
-            </a:solidFill>
-          </a:ln>
-        </p:spPr>
-        <p:style>
-          <a:lnRef idx="2">
-            <a:schemeClr val="accent1">
-              <a:shade val="50000"/>
-            </a:schemeClr>
-          </a:lnRef>
-          <a:fillRef idx="1">
-            <a:schemeClr val="accent1"/>
-          </a:fillRef>
-          <a:effectRef idx="0">
-            <a:schemeClr val="accent1"/>
-          </a:effectRef>
-          <a:fontRef idx="minor">
-            <a:schemeClr val="lt1"/>
-          </a:fontRef>
-        </p:style>
-        <p:txBody>
-          <a:bodyPr rtlCol="0" anchor="ctr"/>
-          <a:lstStyle/>
-          <a:p>
-            <a:pPr algn="ctr"/>
-            <a:endParaRPr lang="en-GB"/>
-          </a:p>
-        </p:txBody>
-      </p:sp>
-      <p:sp>
-        <p:nvSpPr>
-          <p:cNvPr id="5" name="Isosceles Triangle 4"/>
-          <p:cNvSpPr/>
-          <p:nvPr/>
-        </p:nvSpPr>
-        <p:spPr>
-          <a:xfrm rot="16200000">
-            <a:off x="496328" y="3045656"/>
-            <a:ext cx="939114" cy="370703"/>
-          </a:xfrm>
-          <a:prstGeom prst="triangle">
-            <a:avLst/>
-          </a:prstGeom>
-          <a:solidFill>
-            <a:schemeClr val="tx1"/>
-          </a:solidFill>
-          <a:ln>
-            <a:solidFill>
-              <a:schemeClr val="tx1"/>
-            </a:solidFill>
-          </a:ln>
-        </p:spPr>
-        <p:style>
-          <a:lnRef idx="2">
-            <a:schemeClr val="accent1">
-              <a:shade val="50000"/>
-            </a:schemeClr>
-          </a:lnRef>
-          <a:fillRef idx="1">
-            <a:schemeClr val="accent1"/>
-          </a:fillRef>
-          <a:effectRef idx="0">
-            <a:schemeClr val="accent1"/>
-          </a:effectRef>
-          <a:fontRef idx="minor">
-            <a:schemeClr val="lt1"/>
-          </a:fontRef>
-        </p:style>
-        <p:txBody>
-          <a:bodyPr rtlCol="0" anchor="ctr"/>
-          <a:lstStyle/>
-          <a:p>
-            <a:pPr algn="ctr"/>
-            <a:endParaRPr lang="en-GB"/>
-          </a:p>
-        </p:txBody>
-      </p:sp>
-      <p:sp>
-        <p:nvSpPr>
-          <p:cNvPr id="6" name="TextBox 5"/>
-          <p:cNvSpPr txBox="1"/>
-          <p:nvPr/>
-        </p:nvSpPr>
-        <p:spPr>
-          <a:xfrm rot="16200000">
-            <a:off x="355974" y="4066470"/>
-            <a:ext cx="1219825" cy="523220"/>
-          </a:xfrm>
-          <a:prstGeom prst="rect">
-            <a:avLst/>
-          </a:prstGeom>
-          <a:noFill/>
-        </p:spPr>
-        <p:txBody>
-          <a:bodyPr wrap="square" rtlCol="0">
-            <a:spAutoFit/>
-          </a:bodyPr>
-          <a:lstStyle/>
-          <a:p>
-            <a:pPr algn="r"/>
-            <a:r>
-              <a:rPr lang="en-GB" sz="2800" dirty="0" smtClean="0"/>
-              <a:t>Power</a:t>
-            </a:r>
-            <a:endParaRPr lang="en-GB" sz="2800" dirty="0"/>
-          </a:p>
-        </p:txBody>
-      </p:sp>
-      <p:sp>
-        <p:nvSpPr>
-          <p:cNvPr id="7" name="TextBox 6"/>
-          <p:cNvSpPr txBox="1"/>
-          <p:nvPr/>
-        </p:nvSpPr>
-        <p:spPr>
-          <a:xfrm rot="16200000">
-            <a:off x="7414306" y="4154406"/>
-            <a:ext cx="1395699" cy="523220"/>
-          </a:xfrm>
-          <a:prstGeom prst="rect">
-            <a:avLst/>
-          </a:prstGeom>
-          <a:noFill/>
-        </p:spPr>
-        <p:txBody>
-          <a:bodyPr wrap="square" rtlCol="0">
-            <a:spAutoFit/>
-          </a:bodyPr>
-          <a:lstStyle/>
-          <a:p>
-            <a:pPr algn="r"/>
-            <a:r>
-              <a:rPr lang="en-GB" sz="2800" dirty="0" smtClean="0"/>
-              <a:t>Launch!</a:t>
-            </a:r>
-            <a:endParaRPr lang="en-GB" sz="2800" dirty="0"/>
-          </a:p>
-        </p:txBody>
-      </p:sp>
-      <p:sp>
-        <p:nvSpPr>
-          <p:cNvPr id="8" name="Rectangle 7"/>
-          <p:cNvSpPr/>
-          <p:nvPr/>
-        </p:nvSpPr>
-        <p:spPr>
-          <a:xfrm>
-            <a:off x="6235700" y="1825625"/>
-            <a:ext cx="2279650" cy="418042"/>
-          </a:xfrm>
-          <a:prstGeom prst="rect">
-            <a:avLst/>
-          </a:prstGeom>
-          <a:solidFill>
-            <a:schemeClr val="tx1"/>
-          </a:solidFill>
-          <a:ln>
-            <a:noFill/>
-          </a:ln>
-        </p:spPr>
-        <p:style>
-          <a:lnRef idx="2">
-            <a:schemeClr val="accent1">
-              <a:shade val="50000"/>
-            </a:schemeClr>
-          </a:lnRef>
-          <a:fillRef idx="1">
-            <a:schemeClr val="accent1"/>
-          </a:fillRef>
-          <a:effectRef idx="0">
-            <a:schemeClr val="accent1"/>
-          </a:effectRef>
-          <a:fontRef idx="minor">
-            <a:schemeClr val="lt1"/>
-          </a:fontRef>
-        </p:style>
-        <p:txBody>
-          <a:bodyPr rtlCol="0" anchor="ctr"/>
-          <a:lstStyle/>
-          <a:p>
-            <a:pPr algn="r"/>
-            <a:r>
-              <a:rPr lang="en-GB" dirty="0" smtClean="0"/>
-              <a:t>Budget: ₴500</a:t>
-            </a:r>
-            <a:endParaRPr lang="en-GB" dirty="0"/>
-          </a:p>
-        </p:txBody>
-      </p:sp>
-      <p:pic>
-        <p:nvPicPr>
-          <p:cNvPr id="9" name="Picture 10" descr="alert, attention, danger, error, exclamation, problem, warning icon"/>
-          <p:cNvPicPr>
-            <a:picLocks noChangeAspect="1" noChangeArrowheads="1"/>
-          </p:cNvPicPr>
-          <p:nvPr/>
-        </p:nvPicPr>
-        <p:blipFill>
-          <a:blip r:embed="rId2" cstate="print">
-            <a:extLst>
-              <a:ext uri="{28A0092B-C50C-407E-A947-70E740481C1C}">
-                <a14:useLocalDpi xmlns:a14="http://schemas.microsoft.com/office/drawing/2010/main" val="0"/>
-              </a:ext>
-            </a:extLst>
-          </a:blip>
-          <a:srcRect/>
-          <a:stretch>
-            <a:fillRect/>
-          </a:stretch>
-        </p:blipFill>
-        <p:spPr bwMode="auto">
-          <a:xfrm>
-            <a:off x="6305116" y="1854646"/>
-            <a:ext cx="360000" cy="360000"/>
-          </a:xfrm>
-          <a:prstGeom prst="rect">
-            <a:avLst/>
-          </a:prstGeom>
-          <a:noFill/>
-          <a:extLst>
-            <a:ext uri="{909E8E84-426E-40DD-AFC4-6F175D3DCCD1}">
-              <a14:hiddenFill xmlns:a14="http://schemas.microsoft.com/office/drawing/2010/main">
-                <a:solidFill>
-                  <a:srgbClr val="FFFFFF"/>
-                </a:solidFill>
-              </a14:hiddenFill>
-            </a:ext>
-          </a:extLst>
-        </p:spPr>
-      </p:pic>
-      <p:sp>
-        <p:nvSpPr>
-          <p:cNvPr id="10" name="Isosceles Triangle 9"/>
-          <p:cNvSpPr/>
-          <p:nvPr/>
-        </p:nvSpPr>
-        <p:spPr>
-          <a:xfrm flipH="1" flipV="1">
-            <a:off x="6813585" y="1977407"/>
-            <a:ext cx="276396" cy="146126"/>
-          </a:xfrm>
-          <a:prstGeom prst="triangle">
-            <a:avLst/>
-          </a:prstGeom>
-          <a:solidFill>
-            <a:schemeClr val="bg1"/>
-          </a:solidFill>
-          <a:ln>
-            <a:solidFill>
-              <a:schemeClr val="bg1"/>
-            </a:solidFill>
-          </a:ln>
-        </p:spPr>
-        <p:style>
-          <a:lnRef idx="2">
-            <a:schemeClr val="accent1">
-              <a:shade val="50000"/>
-            </a:schemeClr>
-          </a:lnRef>
-          <a:fillRef idx="1">
-            <a:schemeClr val="accent1"/>
-          </a:fillRef>
-          <a:effectRef idx="0">
-            <a:schemeClr val="accent1"/>
-          </a:effectRef>
-          <a:fontRef idx="minor">
-            <a:schemeClr val="lt1"/>
-          </a:fontRef>
-        </p:style>
-        <p:txBody>
-          <a:bodyPr rtlCol="0" anchor="ctr"/>
-          <a:lstStyle/>
-          <a:p>
-            <a:pPr algn="ctr"/>
-            <a:endParaRPr lang="en-GB"/>
-          </a:p>
-        </p:txBody>
-      </p:sp>
-      <p:sp>
-        <p:nvSpPr>
-          <p:cNvPr id="11" name="TextBox 10"/>
-          <p:cNvSpPr txBox="1"/>
-          <p:nvPr/>
-        </p:nvSpPr>
-        <p:spPr>
-          <a:xfrm>
-            <a:off x="7921707" y="5113866"/>
-            <a:ext cx="1045703" cy="461665"/>
-          </a:xfrm>
-          <a:prstGeom prst="rect">
-            <a:avLst/>
-          </a:prstGeom>
-          <a:solidFill>
-            <a:schemeClr val="bg1"/>
-          </a:solidFill>
-          <a:ln>
-            <a:solidFill>
-              <a:srgbClr val="FF0000"/>
-            </a:solidFill>
-          </a:ln>
-        </p:spPr>
-        <p:txBody>
-          <a:bodyPr wrap="square" rtlCol="0">
-            <a:spAutoFit/>
-          </a:bodyPr>
-          <a:lstStyle/>
-          <a:p>
-            <a:r>
-              <a:rPr lang="en-GB" sz="800" dirty="0" smtClean="0">
-                <a:solidFill>
-                  <a:srgbClr val="FF0000"/>
-                </a:solidFill>
-              </a:rPr>
-              <a:t>Navigation only shows if launch is possible</a:t>
-            </a:r>
-          </a:p>
-        </p:txBody>
-      </p:sp>
-      <p:sp>
-        <p:nvSpPr>
-          <p:cNvPr id="12" name="Rectangle 11"/>
-          <p:cNvSpPr/>
-          <p:nvPr/>
-        </p:nvSpPr>
-        <p:spPr>
-          <a:xfrm>
-            <a:off x="2182175" y="2692400"/>
-            <a:ext cx="838200" cy="838200"/>
-          </a:xfrm>
-          <a:prstGeom prst="rect">
-            <a:avLst/>
-          </a:prstGeom>
-          <a:solidFill>
-            <a:schemeClr val="bg1"/>
-          </a:solidFill>
-          <a:ln w="28575">
-            <a:solidFill>
-              <a:schemeClr val="tx1"/>
-            </a:solidFill>
-          </a:ln>
-        </p:spPr>
-        <p:style>
-          <a:lnRef idx="2">
-            <a:schemeClr val="accent1">
-              <a:shade val="50000"/>
-            </a:schemeClr>
-          </a:lnRef>
-          <a:fillRef idx="1">
-            <a:schemeClr val="accent1"/>
-          </a:fillRef>
-          <a:effectRef idx="0">
-            <a:schemeClr val="accent1"/>
-          </a:effectRef>
-          <a:fontRef idx="minor">
-            <a:schemeClr val="lt1"/>
-          </a:fontRef>
-        </p:style>
-        <p:txBody>
-          <a:bodyPr rtlCol="0" anchor="ctr"/>
-          <a:lstStyle/>
-          <a:p>
-            <a:pPr algn="ctr"/>
-            <a:endParaRPr lang="en-GB"/>
-          </a:p>
-        </p:txBody>
-      </p:sp>
-      <p:sp>
-        <p:nvSpPr>
-          <p:cNvPr id="13" name="Rectangle 12"/>
-          <p:cNvSpPr/>
-          <p:nvPr/>
-        </p:nvSpPr>
-        <p:spPr>
-          <a:xfrm>
-            <a:off x="3020375" y="2692400"/>
-            <a:ext cx="838200" cy="838200"/>
-          </a:xfrm>
-          <a:prstGeom prst="rect">
-            <a:avLst/>
-          </a:prstGeom>
-          <a:solidFill>
-            <a:schemeClr val="bg1"/>
-          </a:solidFill>
-          <a:ln w="28575">
-            <a:solidFill>
-              <a:schemeClr val="tx1"/>
-            </a:solidFill>
-          </a:ln>
-        </p:spPr>
-        <p:style>
-          <a:lnRef idx="2">
-            <a:schemeClr val="accent1">
-              <a:shade val="50000"/>
-            </a:schemeClr>
-          </a:lnRef>
-          <a:fillRef idx="1">
-            <a:schemeClr val="accent1"/>
-          </a:fillRef>
-          <a:effectRef idx="0">
-            <a:schemeClr val="accent1"/>
-          </a:effectRef>
-          <a:fontRef idx="minor">
-            <a:schemeClr val="lt1"/>
-          </a:fontRef>
-        </p:style>
-        <p:txBody>
-          <a:bodyPr rtlCol="0" anchor="ctr"/>
-          <a:lstStyle/>
-          <a:p>
-            <a:pPr algn="ctr"/>
-            <a:endParaRPr lang="en-GB"/>
-          </a:p>
-        </p:txBody>
-      </p:sp>
-      <p:sp>
-        <p:nvSpPr>
-          <p:cNvPr id="14" name="Rectangle 13"/>
-          <p:cNvSpPr/>
-          <p:nvPr/>
-        </p:nvSpPr>
-        <p:spPr>
-          <a:xfrm>
-            <a:off x="3858575" y="2692400"/>
-            <a:ext cx="838200" cy="838200"/>
-          </a:xfrm>
-          <a:prstGeom prst="rect">
-            <a:avLst/>
-          </a:prstGeom>
-          <a:solidFill>
-            <a:schemeClr val="bg1"/>
-          </a:solidFill>
-          <a:ln w="28575">
-            <a:solidFill>
-              <a:schemeClr val="tx1"/>
-            </a:solidFill>
-          </a:ln>
-        </p:spPr>
-        <p:style>
-          <a:lnRef idx="2">
-            <a:schemeClr val="accent1">
-              <a:shade val="50000"/>
-            </a:schemeClr>
-          </a:lnRef>
-          <a:fillRef idx="1">
-            <a:schemeClr val="accent1"/>
-          </a:fillRef>
-          <a:effectRef idx="0">
-            <a:schemeClr val="accent1"/>
-          </a:effectRef>
-          <a:fontRef idx="minor">
-            <a:schemeClr val="lt1"/>
-          </a:fontRef>
-        </p:style>
-        <p:txBody>
-          <a:bodyPr rtlCol="0" anchor="ctr"/>
-          <a:lstStyle/>
-          <a:p>
-            <a:pPr algn="ctr"/>
-            <a:endParaRPr lang="en-GB"/>
-          </a:p>
-        </p:txBody>
-      </p:sp>
-      <p:sp>
-        <p:nvSpPr>
-          <p:cNvPr id="15" name="Rectangle 14"/>
-          <p:cNvSpPr/>
-          <p:nvPr/>
-        </p:nvSpPr>
-        <p:spPr>
-          <a:xfrm rot="16200000">
-            <a:off x="5773709" y="3812457"/>
-            <a:ext cx="2888803" cy="259219"/>
-          </a:xfrm>
-          <a:prstGeom prst="rect">
-            <a:avLst/>
-          </a:prstGeom>
-          <a:solidFill>
-            <a:schemeClr val="bg1"/>
-          </a:solidFill>
-          <a:ln>
-            <a:solidFill>
-              <a:schemeClr val="tx1"/>
-            </a:solidFill>
-          </a:ln>
-        </p:spPr>
-        <p:style>
-          <a:lnRef idx="2">
-            <a:schemeClr val="accent1">
-              <a:shade val="50000"/>
-            </a:schemeClr>
-          </a:lnRef>
-          <a:fillRef idx="1">
-            <a:schemeClr val="accent1"/>
-          </a:fillRef>
-          <a:effectRef idx="0">
-            <a:schemeClr val="accent1"/>
-          </a:effectRef>
-          <a:fontRef idx="minor">
-            <a:schemeClr val="lt1"/>
-          </a:fontRef>
-        </p:style>
-        <p:txBody>
-          <a:bodyPr rtlCol="0" anchor="ctr"/>
-          <a:lstStyle/>
-          <a:p>
-            <a:pPr algn="ctr"/>
-            <a:endParaRPr lang="en-GB"/>
-          </a:p>
-        </p:txBody>
-      </p:sp>
-      <p:sp>
-        <p:nvSpPr>
-          <p:cNvPr id="16" name="Rectangle 15"/>
-          <p:cNvSpPr/>
-          <p:nvPr/>
-        </p:nvSpPr>
-        <p:spPr>
-          <a:xfrm rot="16200000">
-            <a:off x="6487024" y="4522229"/>
-            <a:ext cx="1457848" cy="249640"/>
-          </a:xfrm>
-          <a:prstGeom prst="rect">
-            <a:avLst/>
-          </a:prstGeom>
-          <a:solidFill>
-            <a:schemeClr val="accent2">
-              <a:lumMod val="75000"/>
-            </a:schemeClr>
-          </a:solidFill>
-          <a:ln>
-            <a:noFill/>
-          </a:ln>
-        </p:spPr>
-        <p:style>
-          <a:lnRef idx="2">
-            <a:schemeClr val="accent1">
-              <a:shade val="50000"/>
-            </a:schemeClr>
-          </a:lnRef>
-          <a:fillRef idx="1">
-            <a:schemeClr val="accent1"/>
-          </a:fillRef>
-          <a:effectRef idx="0">
-            <a:schemeClr val="accent1"/>
-          </a:effectRef>
-          <a:fontRef idx="minor">
-            <a:schemeClr val="lt1"/>
-          </a:fontRef>
-        </p:style>
-        <p:txBody>
-          <a:bodyPr rtlCol="0" anchor="ctr"/>
-          <a:lstStyle/>
-          <a:p>
-            <a:pPr algn="ctr"/>
-            <a:endParaRPr lang="en-GB"/>
-          </a:p>
-        </p:txBody>
-      </p:sp>
-      <p:cxnSp>
-        <p:nvCxnSpPr>
-          <p:cNvPr id="17" name="Straight Connector 16"/>
-          <p:cNvCxnSpPr/>
-          <p:nvPr/>
-        </p:nvCxnSpPr>
-        <p:spPr>
-          <a:xfrm rot="16200000">
-            <a:off x="7216625" y="3528602"/>
-            <a:ext cx="2970" cy="259219"/>
-          </a:xfrm>
-          <a:prstGeom prst="line">
-            <a:avLst/>
-          </a:prstGeom>
-          <a:ln w="38100">
-            <a:solidFill>
-              <a:schemeClr val="tx1"/>
-            </a:solidFill>
-          </a:ln>
-        </p:spPr>
-        <p:style>
-          <a:lnRef idx="1">
-            <a:schemeClr val="accent1"/>
-          </a:lnRef>
-          <a:fillRef idx="0">
-            <a:schemeClr val="accent1"/>
-          </a:fillRef>
-          <a:effectRef idx="0">
-            <a:schemeClr val="accent1"/>
-          </a:effectRef>
-          <a:fontRef idx="minor">
-            <a:schemeClr val="tx1"/>
-          </a:fontRef>
-        </p:style>
-      </p:cxnSp>
-      <p:sp>
-        <p:nvSpPr>
-          <p:cNvPr id="18" name="TextBox 17"/>
-          <p:cNvSpPr txBox="1"/>
-          <p:nvPr/>
-        </p:nvSpPr>
-        <p:spPr>
-          <a:xfrm>
-            <a:off x="6304490" y="4188208"/>
-            <a:ext cx="935125" cy="254422"/>
-          </a:xfrm>
-          <a:prstGeom prst="rect">
-            <a:avLst/>
-          </a:prstGeom>
-          <a:noFill/>
-        </p:spPr>
-        <p:txBody>
-          <a:bodyPr wrap="square" rtlCol="0">
-            <a:spAutoFit/>
-          </a:bodyPr>
-          <a:lstStyle/>
-          <a:p>
-            <a:r>
-              <a:rPr lang="en-GB" sz="1050" dirty="0" smtClean="0">
-                <a:solidFill>
-                  <a:srgbClr val="FF0000"/>
-                </a:solidFill>
-              </a:rPr>
-              <a:t>Bar changes colour when over limit</a:t>
-            </a:r>
-            <a:endParaRPr lang="en-GB" sz="1050" dirty="0">
-              <a:solidFill>
-                <a:srgbClr val="FF0000"/>
-              </a:solidFill>
-            </a:endParaRPr>
-          </a:p>
-        </p:txBody>
-      </p:sp>
-      <p:sp>
-        <p:nvSpPr>
-          <p:cNvPr id="19" name="Isosceles Triangle 18"/>
-          <p:cNvSpPr/>
-          <p:nvPr/>
-        </p:nvSpPr>
-        <p:spPr>
-          <a:xfrm rot="5400000" flipH="1" flipV="1">
-            <a:off x="7339536" y="3629678"/>
-            <a:ext cx="107943" cy="57068"/>
-          </a:xfrm>
-          <a:prstGeom prst="triangle">
-            <a:avLst/>
-          </a:prstGeom>
-          <a:solidFill>
-            <a:schemeClr val="tx1"/>
-          </a:solidFill>
-          <a:ln>
-            <a:solidFill>
-              <a:schemeClr val="tx1"/>
-            </a:solidFill>
-          </a:ln>
-        </p:spPr>
-        <p:style>
-          <a:lnRef idx="2">
-            <a:schemeClr val="accent1">
-              <a:shade val="50000"/>
-            </a:schemeClr>
-          </a:lnRef>
-          <a:fillRef idx="1">
-            <a:schemeClr val="accent1"/>
-          </a:fillRef>
-          <a:effectRef idx="0">
-            <a:schemeClr val="accent1"/>
-          </a:effectRef>
-          <a:fontRef idx="minor">
-            <a:schemeClr val="lt1"/>
-          </a:fontRef>
-        </p:style>
-        <p:txBody>
-          <a:bodyPr rtlCol="0" anchor="ctr"/>
-          <a:lstStyle/>
-          <a:p>
-            <a:pPr algn="ctr"/>
-            <a:endParaRPr lang="en-GB"/>
-          </a:p>
-        </p:txBody>
-      </p:sp>
-      <p:sp>
-        <p:nvSpPr>
-          <p:cNvPr id="20" name="Isosceles Triangle 19"/>
-          <p:cNvSpPr/>
-          <p:nvPr/>
-        </p:nvSpPr>
-        <p:spPr>
-          <a:xfrm rot="16200000" flipH="1" flipV="1">
-            <a:off x="6992579" y="3629678"/>
-            <a:ext cx="107943" cy="57068"/>
-          </a:xfrm>
-          <a:prstGeom prst="triangle">
-            <a:avLst/>
-          </a:prstGeom>
-          <a:solidFill>
-            <a:schemeClr val="tx1"/>
-          </a:solidFill>
-          <a:ln>
-            <a:solidFill>
-              <a:schemeClr val="tx1"/>
-            </a:solidFill>
-          </a:ln>
-        </p:spPr>
-        <p:style>
-          <a:lnRef idx="2">
-            <a:schemeClr val="accent1">
-              <a:shade val="50000"/>
-            </a:schemeClr>
-          </a:lnRef>
-          <a:fillRef idx="1">
-            <a:schemeClr val="accent1"/>
-          </a:fillRef>
-          <a:effectRef idx="0">
-            <a:schemeClr val="accent1"/>
-          </a:effectRef>
-          <a:fontRef idx="minor">
-            <a:schemeClr val="lt1"/>
-          </a:fontRef>
-        </p:style>
-        <p:txBody>
-          <a:bodyPr rtlCol="0" anchor="ctr"/>
-          <a:lstStyle/>
-          <a:p>
-            <a:pPr algn="ctr"/>
-            <a:endParaRPr lang="en-GB"/>
-          </a:p>
-        </p:txBody>
-      </p:sp>
-      <p:sp>
-        <p:nvSpPr>
-          <p:cNvPr id="21" name="TextBox 20"/>
-          <p:cNvSpPr txBox="1"/>
-          <p:nvPr/>
-        </p:nvSpPr>
-        <p:spPr>
-          <a:xfrm>
-            <a:off x="5806474" y="3444143"/>
-            <a:ext cx="1204590" cy="523220"/>
-          </a:xfrm>
-          <a:prstGeom prst="rect">
-            <a:avLst/>
-          </a:prstGeom>
-          <a:noFill/>
-        </p:spPr>
-        <p:txBody>
-          <a:bodyPr wrap="square" rtlCol="0">
-            <a:spAutoFit/>
-          </a:bodyPr>
-          <a:lstStyle/>
-          <a:p>
-            <a:pPr algn="r"/>
-            <a:r>
-              <a:rPr lang="en-GB" sz="1400" dirty="0" smtClean="0"/>
-              <a:t>Required</a:t>
-            </a:r>
-          </a:p>
-          <a:p>
-            <a:pPr algn="r"/>
-            <a:r>
-              <a:rPr lang="en-GB" sz="1400" dirty="0" smtClean="0"/>
-              <a:t>thrust</a:t>
-            </a:r>
-            <a:endParaRPr lang="en-GB" sz="1400" dirty="0"/>
-          </a:p>
-        </p:txBody>
-      </p:sp>
-      <p:sp>
-        <p:nvSpPr>
-          <p:cNvPr id="23" name="Rectangle 22"/>
-          <p:cNvSpPr/>
-          <p:nvPr/>
-        </p:nvSpPr>
-        <p:spPr>
-          <a:xfrm>
-            <a:off x="2182175" y="3853549"/>
-            <a:ext cx="838200" cy="838200"/>
-          </a:xfrm>
-          <a:prstGeom prst="rect">
-            <a:avLst/>
-          </a:prstGeom>
-          <a:solidFill>
-            <a:schemeClr val="bg1"/>
-          </a:solidFill>
-          <a:ln w="28575">
-            <a:solidFill>
-              <a:schemeClr val="tx1"/>
-            </a:solidFill>
-          </a:ln>
-        </p:spPr>
-        <p:style>
-          <a:lnRef idx="2">
-            <a:schemeClr val="accent1">
-              <a:shade val="50000"/>
-            </a:schemeClr>
-          </a:lnRef>
-          <a:fillRef idx="1">
-            <a:schemeClr val="accent1"/>
-          </a:fillRef>
-          <a:effectRef idx="0">
-            <a:schemeClr val="accent1"/>
-          </a:effectRef>
-          <a:fontRef idx="minor">
-            <a:schemeClr val="lt1"/>
-          </a:fontRef>
-        </p:style>
-        <p:txBody>
-          <a:bodyPr rtlCol="0" anchor="ctr"/>
-          <a:lstStyle/>
-          <a:p>
-            <a:pPr algn="ctr"/>
-            <a:endParaRPr lang="en-GB"/>
-          </a:p>
-        </p:txBody>
-      </p:sp>
-      <p:sp>
-        <p:nvSpPr>
-          <p:cNvPr id="24" name="Rectangle 23"/>
-          <p:cNvSpPr/>
-          <p:nvPr/>
-        </p:nvSpPr>
-        <p:spPr>
-          <a:xfrm>
-            <a:off x="3020375" y="3853549"/>
-            <a:ext cx="838200" cy="838200"/>
-          </a:xfrm>
-          <a:prstGeom prst="rect">
-            <a:avLst/>
-          </a:prstGeom>
-          <a:solidFill>
-            <a:schemeClr val="bg1"/>
-          </a:solidFill>
-          <a:ln w="28575">
-            <a:solidFill>
-              <a:schemeClr val="tx1"/>
-            </a:solidFill>
-          </a:ln>
-        </p:spPr>
-        <p:style>
-          <a:lnRef idx="2">
-            <a:schemeClr val="accent1">
-              <a:shade val="50000"/>
-            </a:schemeClr>
-          </a:lnRef>
-          <a:fillRef idx="1">
-            <a:schemeClr val="accent1"/>
-          </a:fillRef>
-          <a:effectRef idx="0">
-            <a:schemeClr val="accent1"/>
-          </a:effectRef>
-          <a:fontRef idx="minor">
-            <a:schemeClr val="lt1"/>
-          </a:fontRef>
-        </p:style>
-        <p:txBody>
-          <a:bodyPr rtlCol="0" anchor="ctr"/>
-          <a:lstStyle/>
-          <a:p>
-            <a:pPr algn="ctr"/>
-            <a:endParaRPr lang="en-GB"/>
-          </a:p>
-        </p:txBody>
-      </p:sp>
-      <p:sp>
-        <p:nvSpPr>
-          <p:cNvPr id="25" name="Rectangle 24"/>
-          <p:cNvSpPr/>
-          <p:nvPr/>
-        </p:nvSpPr>
-        <p:spPr>
-          <a:xfrm>
-            <a:off x="3858575" y="3853549"/>
-            <a:ext cx="838200" cy="838200"/>
-          </a:xfrm>
-          <a:prstGeom prst="rect">
-            <a:avLst/>
-          </a:prstGeom>
-          <a:solidFill>
-            <a:schemeClr val="bg1"/>
-          </a:solidFill>
-          <a:ln w="28575">
-            <a:solidFill>
-              <a:schemeClr val="tx1"/>
-            </a:solidFill>
-          </a:ln>
-        </p:spPr>
-        <p:style>
-          <a:lnRef idx="2">
-            <a:schemeClr val="accent1">
-              <a:shade val="50000"/>
-            </a:schemeClr>
-          </a:lnRef>
-          <a:fillRef idx="1">
-            <a:schemeClr val="accent1"/>
-          </a:fillRef>
-          <a:effectRef idx="0">
-            <a:schemeClr val="accent1"/>
-          </a:effectRef>
-          <a:fontRef idx="minor">
-            <a:schemeClr val="lt1"/>
-          </a:fontRef>
-        </p:style>
-        <p:txBody>
-          <a:bodyPr rtlCol="0" anchor="ctr"/>
-          <a:lstStyle/>
-          <a:p>
-            <a:pPr algn="ctr"/>
-            <a:endParaRPr lang="en-GB"/>
-          </a:p>
-        </p:txBody>
-      </p:sp>
-      <p:sp>
-        <p:nvSpPr>
-          <p:cNvPr id="26" name="Rectangle 25"/>
-          <p:cNvSpPr/>
-          <p:nvPr/>
-        </p:nvSpPr>
-        <p:spPr>
-          <a:xfrm>
-            <a:off x="2182175" y="5067780"/>
-            <a:ext cx="838200" cy="838200"/>
-          </a:xfrm>
-          <a:prstGeom prst="rect">
-            <a:avLst/>
-          </a:prstGeom>
-          <a:solidFill>
-            <a:schemeClr val="bg1"/>
-          </a:solidFill>
-          <a:ln w="28575">
-            <a:solidFill>
-              <a:schemeClr val="tx1"/>
-            </a:solidFill>
-          </a:ln>
-        </p:spPr>
-        <p:style>
-          <a:lnRef idx="2">
-            <a:schemeClr val="accent1">
-              <a:shade val="50000"/>
-            </a:schemeClr>
-          </a:lnRef>
-          <a:fillRef idx="1">
-            <a:schemeClr val="accent1"/>
-          </a:fillRef>
-          <a:effectRef idx="0">
-            <a:schemeClr val="accent1"/>
-          </a:effectRef>
-          <a:fontRef idx="minor">
-            <a:schemeClr val="lt1"/>
-          </a:fontRef>
-        </p:style>
-        <p:txBody>
-          <a:bodyPr rtlCol="0" anchor="ctr"/>
-          <a:lstStyle/>
-          <a:p>
-            <a:pPr algn="ctr"/>
-            <a:endParaRPr lang="en-GB"/>
-          </a:p>
-        </p:txBody>
-      </p:sp>
-      <p:sp>
-        <p:nvSpPr>
-          <p:cNvPr id="27" name="Rectangle 26"/>
-          <p:cNvSpPr/>
-          <p:nvPr/>
-        </p:nvSpPr>
-        <p:spPr>
-          <a:xfrm>
-            <a:off x="3020375" y="5067780"/>
-            <a:ext cx="838200" cy="838200"/>
-          </a:xfrm>
-          <a:prstGeom prst="rect">
-            <a:avLst/>
-          </a:prstGeom>
-          <a:solidFill>
-            <a:schemeClr val="bg1"/>
-          </a:solidFill>
-          <a:ln w="28575">
-            <a:solidFill>
-              <a:schemeClr val="tx1"/>
-            </a:solidFill>
-          </a:ln>
-        </p:spPr>
-        <p:style>
-          <a:lnRef idx="2">
-            <a:schemeClr val="accent1">
-              <a:shade val="50000"/>
-            </a:schemeClr>
-          </a:lnRef>
-          <a:fillRef idx="1">
-            <a:schemeClr val="accent1"/>
-          </a:fillRef>
-          <a:effectRef idx="0">
-            <a:schemeClr val="accent1"/>
-          </a:effectRef>
-          <a:fontRef idx="minor">
-            <a:schemeClr val="lt1"/>
-          </a:fontRef>
-        </p:style>
-        <p:txBody>
-          <a:bodyPr rtlCol="0" anchor="ctr"/>
-          <a:lstStyle/>
-          <a:p>
-            <a:pPr algn="ctr"/>
-            <a:endParaRPr lang="en-GB"/>
-          </a:p>
-        </p:txBody>
-      </p:sp>
-      <p:sp>
-        <p:nvSpPr>
-          <p:cNvPr id="28" name="Rectangle 27"/>
-          <p:cNvSpPr/>
-          <p:nvPr/>
-        </p:nvSpPr>
-        <p:spPr>
-          <a:xfrm>
-            <a:off x="3858575" y="5067780"/>
-            <a:ext cx="838200" cy="838200"/>
-          </a:xfrm>
-          <a:prstGeom prst="rect">
-            <a:avLst/>
-          </a:prstGeom>
-          <a:solidFill>
-            <a:schemeClr val="bg1"/>
-          </a:solidFill>
-          <a:ln w="28575">
-            <a:solidFill>
-              <a:schemeClr val="tx1"/>
-            </a:solidFill>
-          </a:ln>
-        </p:spPr>
-        <p:style>
-          <a:lnRef idx="2">
-            <a:schemeClr val="accent1">
-              <a:shade val="50000"/>
-            </a:schemeClr>
-          </a:lnRef>
-          <a:fillRef idx="1">
-            <a:schemeClr val="accent1"/>
-          </a:fillRef>
-          <a:effectRef idx="0">
-            <a:schemeClr val="accent1"/>
-          </a:effectRef>
-          <a:fontRef idx="minor">
-            <a:schemeClr val="lt1"/>
-          </a:fontRef>
-        </p:style>
-        <p:txBody>
-          <a:bodyPr rtlCol="0" anchor="ctr"/>
-          <a:lstStyle/>
-          <a:p>
-            <a:pPr algn="ctr"/>
-            <a:endParaRPr lang="en-GB"/>
-          </a:p>
-        </p:txBody>
-      </p:sp>
-      <p:sp>
-        <p:nvSpPr>
-          <p:cNvPr id="32" name="Isosceles Triangle 31"/>
-          <p:cNvSpPr/>
-          <p:nvPr/>
-        </p:nvSpPr>
-        <p:spPr>
-          <a:xfrm rot="5400000">
-            <a:off x="4645046" y="5404998"/>
-            <a:ext cx="414868" cy="163764"/>
-          </a:xfrm>
-          <a:prstGeom prst="triangle">
-            <a:avLst/>
-          </a:prstGeom>
-          <a:solidFill>
-            <a:schemeClr val="tx1"/>
-          </a:solidFill>
-          <a:ln>
-            <a:solidFill>
-              <a:schemeClr val="tx1"/>
-            </a:solidFill>
-          </a:ln>
-        </p:spPr>
-        <p:style>
-          <a:lnRef idx="2">
-            <a:schemeClr val="accent1">
-              <a:shade val="50000"/>
-            </a:schemeClr>
-          </a:lnRef>
-          <a:fillRef idx="1">
-            <a:schemeClr val="accent1"/>
-          </a:fillRef>
-          <a:effectRef idx="0">
-            <a:schemeClr val="accent1"/>
-          </a:effectRef>
-          <a:fontRef idx="minor">
-            <a:schemeClr val="lt1"/>
-          </a:fontRef>
-        </p:style>
-        <p:txBody>
-          <a:bodyPr rtlCol="0" anchor="ctr"/>
-          <a:lstStyle/>
-          <a:p>
-            <a:pPr algn="ctr"/>
-            <a:endParaRPr lang="en-GB"/>
-          </a:p>
-        </p:txBody>
-      </p:sp>
-      <p:sp>
-        <p:nvSpPr>
-          <p:cNvPr id="33" name="Isosceles Triangle 32"/>
-          <p:cNvSpPr/>
-          <p:nvPr/>
-        </p:nvSpPr>
-        <p:spPr>
-          <a:xfrm rot="5400000">
-            <a:off x="4645046" y="4190767"/>
-            <a:ext cx="414868" cy="163764"/>
-          </a:xfrm>
-          <a:prstGeom prst="triangle">
-            <a:avLst/>
-          </a:prstGeom>
-          <a:solidFill>
-            <a:schemeClr val="tx1"/>
-          </a:solidFill>
-          <a:ln>
-            <a:solidFill>
-              <a:schemeClr val="tx1"/>
-            </a:solidFill>
-          </a:ln>
-        </p:spPr>
-        <p:style>
-          <a:lnRef idx="2">
-            <a:schemeClr val="accent1">
-              <a:shade val="50000"/>
-            </a:schemeClr>
-          </a:lnRef>
-          <a:fillRef idx="1">
-            <a:schemeClr val="accent1"/>
-          </a:fillRef>
-          <a:effectRef idx="0">
-            <a:schemeClr val="accent1"/>
-          </a:effectRef>
-          <a:fontRef idx="minor">
-            <a:schemeClr val="lt1"/>
-          </a:fontRef>
-        </p:style>
-        <p:txBody>
-          <a:bodyPr rtlCol="0" anchor="ctr"/>
-          <a:lstStyle/>
-          <a:p>
-            <a:pPr algn="ctr"/>
-            <a:endParaRPr lang="en-GB"/>
-          </a:p>
-        </p:txBody>
-      </p:sp>
-      <p:sp>
-        <p:nvSpPr>
-          <p:cNvPr id="34" name="Isosceles Triangle 33"/>
-          <p:cNvSpPr/>
-          <p:nvPr/>
-        </p:nvSpPr>
-        <p:spPr>
-          <a:xfrm rot="16200000">
-            <a:off x="1833156" y="3029618"/>
-            <a:ext cx="414868" cy="163764"/>
-          </a:xfrm>
-          <a:prstGeom prst="triangle">
-            <a:avLst/>
-          </a:prstGeom>
-          <a:solidFill>
-            <a:schemeClr val="tx1"/>
-          </a:solidFill>
-          <a:ln>
-            <a:solidFill>
-              <a:schemeClr val="tx1"/>
-            </a:solidFill>
-          </a:ln>
-        </p:spPr>
-        <p:style>
-          <a:lnRef idx="2">
-            <a:schemeClr val="accent1">
-              <a:shade val="50000"/>
-            </a:schemeClr>
-          </a:lnRef>
-          <a:fillRef idx="1">
-            <a:schemeClr val="accent1"/>
-          </a:fillRef>
-          <a:effectRef idx="0">
-            <a:schemeClr val="accent1"/>
-          </a:effectRef>
-          <a:fontRef idx="minor">
-            <a:schemeClr val="lt1"/>
-          </a:fontRef>
-        </p:style>
-        <p:txBody>
-          <a:bodyPr rtlCol="0" anchor="ctr"/>
-          <a:lstStyle/>
-          <a:p>
-            <a:pPr algn="ctr"/>
-            <a:endParaRPr lang="en-GB"/>
-          </a:p>
-        </p:txBody>
-      </p:sp>
-      <p:sp>
-        <p:nvSpPr>
-          <p:cNvPr id="37" name="Isosceles Triangle 36"/>
-          <p:cNvSpPr/>
-          <p:nvPr/>
-        </p:nvSpPr>
-        <p:spPr>
-          <a:xfrm>
-            <a:off x="2459269" y="2948519"/>
-            <a:ext cx="180000" cy="207434"/>
-          </a:xfrm>
-          <a:prstGeom prst="triangle">
-            <a:avLst/>
-          </a:prstGeom>
-          <a:solidFill>
-            <a:schemeClr val="bg1">
-              <a:lumMod val="85000"/>
-            </a:schemeClr>
-          </a:solidFill>
-          <a:ln>
-            <a:solidFill>
-              <a:schemeClr val="tx1"/>
-            </a:solidFill>
-          </a:ln>
-        </p:spPr>
-        <p:style>
-          <a:lnRef idx="2">
-            <a:schemeClr val="accent1">
-              <a:shade val="50000"/>
-            </a:schemeClr>
-          </a:lnRef>
-          <a:fillRef idx="1">
-            <a:schemeClr val="accent1"/>
-          </a:fillRef>
-          <a:effectRef idx="0">
-            <a:schemeClr val="accent1"/>
-          </a:effectRef>
-          <a:fontRef idx="minor">
-            <a:schemeClr val="lt1"/>
-          </a:fontRef>
-        </p:style>
-        <p:txBody>
-          <a:bodyPr rtlCol="0" anchor="ctr"/>
-          <a:lstStyle/>
-          <a:p>
-            <a:pPr algn="ctr"/>
-            <a:endParaRPr lang="en-GB"/>
-          </a:p>
-        </p:txBody>
-      </p:sp>
-      <p:sp>
-        <p:nvSpPr>
-          <p:cNvPr id="38" name="Rectangle 37"/>
-          <p:cNvSpPr/>
-          <p:nvPr/>
-        </p:nvSpPr>
-        <p:spPr>
-          <a:xfrm>
-            <a:off x="2459269" y="3161080"/>
-            <a:ext cx="180000" cy="332643"/>
-          </a:xfrm>
-          <a:prstGeom prst="rect">
-            <a:avLst/>
-          </a:prstGeom>
-          <a:solidFill>
-            <a:schemeClr val="bg1">
-              <a:lumMod val="85000"/>
-            </a:schemeClr>
-          </a:solidFill>
-          <a:ln>
-            <a:solidFill>
-              <a:schemeClr val="tx1"/>
-            </a:solidFill>
-          </a:ln>
-        </p:spPr>
-        <p:style>
-          <a:lnRef idx="2">
-            <a:schemeClr val="accent1">
-              <a:shade val="50000"/>
-            </a:schemeClr>
-          </a:lnRef>
-          <a:fillRef idx="1">
-            <a:schemeClr val="accent1"/>
-          </a:fillRef>
-          <a:effectRef idx="0">
-            <a:schemeClr val="accent1"/>
-          </a:effectRef>
-          <a:fontRef idx="minor">
-            <a:schemeClr val="lt1"/>
-          </a:fontRef>
-        </p:style>
-        <p:txBody>
-          <a:bodyPr rtlCol="0" anchor="ctr"/>
-          <a:lstStyle/>
-          <a:p>
-            <a:pPr algn="ctr"/>
-            <a:endParaRPr lang="en-GB"/>
-          </a:p>
-        </p:txBody>
-      </p:sp>
-      <p:sp>
-        <p:nvSpPr>
-          <p:cNvPr id="47" name="TextBox 46"/>
-          <p:cNvSpPr txBox="1"/>
-          <p:nvPr/>
-        </p:nvSpPr>
-        <p:spPr>
-          <a:xfrm>
-            <a:off x="2200203" y="2721092"/>
-            <a:ext cx="750330" cy="261610"/>
-          </a:xfrm>
-          <a:prstGeom prst="rect">
-            <a:avLst/>
-          </a:prstGeom>
-          <a:noFill/>
-        </p:spPr>
-        <p:txBody>
-          <a:bodyPr wrap="square" rtlCol="0">
-            <a:spAutoFit/>
-          </a:bodyPr>
-          <a:lstStyle/>
-          <a:p>
-            <a:pPr algn="ctr"/>
-            <a:r>
-              <a:rPr lang="en-GB" sz="1100" dirty="0" smtClean="0"/>
-              <a:t>Medium</a:t>
-            </a:r>
-            <a:endParaRPr lang="en-GB" sz="1100" dirty="0"/>
-          </a:p>
-        </p:txBody>
-      </p:sp>
-      <p:sp>
-        <p:nvSpPr>
-          <p:cNvPr id="48" name="TextBox 47"/>
-          <p:cNvSpPr txBox="1"/>
-          <p:nvPr/>
-        </p:nvSpPr>
-        <p:spPr>
-          <a:xfrm>
-            <a:off x="3193836" y="2721092"/>
-            <a:ext cx="567266" cy="261610"/>
-          </a:xfrm>
-          <a:prstGeom prst="rect">
-            <a:avLst/>
-          </a:prstGeom>
-          <a:noFill/>
-        </p:spPr>
-        <p:txBody>
-          <a:bodyPr wrap="square" rtlCol="0">
-            <a:spAutoFit/>
-          </a:bodyPr>
-          <a:lstStyle/>
-          <a:p>
-            <a:pPr algn="ctr"/>
-            <a:r>
-              <a:rPr lang="en-GB" sz="1100" dirty="0" smtClean="0"/>
-              <a:t>Large</a:t>
-            </a:r>
-            <a:endParaRPr lang="en-GB" sz="1100" dirty="0"/>
-          </a:p>
-        </p:txBody>
-      </p:sp>
-      <p:sp>
-        <p:nvSpPr>
-          <p:cNvPr id="51" name="TextBox 50"/>
-          <p:cNvSpPr txBox="1"/>
-          <p:nvPr/>
-        </p:nvSpPr>
-        <p:spPr>
-          <a:xfrm>
-            <a:off x="2339968" y="3864735"/>
-            <a:ext cx="567266" cy="261610"/>
-          </a:xfrm>
-          <a:prstGeom prst="rect">
-            <a:avLst/>
-          </a:prstGeom>
-          <a:noFill/>
-        </p:spPr>
-        <p:txBody>
-          <a:bodyPr wrap="square" rtlCol="0">
-            <a:spAutoFit/>
-          </a:bodyPr>
-          <a:lstStyle/>
-          <a:p>
-            <a:pPr algn="ctr"/>
-            <a:r>
-              <a:rPr lang="en-GB" sz="1100" dirty="0" smtClean="0"/>
-              <a:t>Small</a:t>
-            </a:r>
-            <a:endParaRPr lang="en-GB" sz="1100" dirty="0"/>
-          </a:p>
-        </p:txBody>
-      </p:sp>
-      <p:sp>
-        <p:nvSpPr>
-          <p:cNvPr id="52" name="TextBox 51"/>
-          <p:cNvSpPr txBox="1"/>
-          <p:nvPr/>
-        </p:nvSpPr>
-        <p:spPr>
-          <a:xfrm>
-            <a:off x="3054779" y="3864735"/>
-            <a:ext cx="750330" cy="261610"/>
-          </a:xfrm>
-          <a:prstGeom prst="rect">
-            <a:avLst/>
-          </a:prstGeom>
-          <a:noFill/>
-        </p:spPr>
-        <p:txBody>
-          <a:bodyPr wrap="square" rtlCol="0">
-            <a:spAutoFit/>
-          </a:bodyPr>
-          <a:lstStyle/>
-          <a:p>
-            <a:pPr algn="ctr"/>
-            <a:r>
-              <a:rPr lang="en-GB" sz="1100" dirty="0" smtClean="0"/>
-              <a:t>Medium</a:t>
-            </a:r>
-            <a:endParaRPr lang="en-GB" sz="1100" dirty="0"/>
-          </a:p>
-        </p:txBody>
-      </p:sp>
-      <p:sp>
-        <p:nvSpPr>
-          <p:cNvPr id="53" name="TextBox 52"/>
-          <p:cNvSpPr txBox="1"/>
-          <p:nvPr/>
-        </p:nvSpPr>
-        <p:spPr>
-          <a:xfrm>
-            <a:off x="4048412" y="3864735"/>
-            <a:ext cx="567266" cy="261610"/>
-          </a:xfrm>
-          <a:prstGeom prst="rect">
-            <a:avLst/>
-          </a:prstGeom>
-          <a:noFill/>
-        </p:spPr>
-        <p:txBody>
-          <a:bodyPr wrap="square" rtlCol="0">
-            <a:spAutoFit/>
-          </a:bodyPr>
-          <a:lstStyle/>
-          <a:p>
-            <a:pPr algn="ctr"/>
-            <a:r>
-              <a:rPr lang="en-GB" sz="1100" dirty="0" smtClean="0"/>
-              <a:t>Large</a:t>
-            </a:r>
-            <a:endParaRPr lang="en-GB" sz="1100" dirty="0"/>
-          </a:p>
-        </p:txBody>
-      </p:sp>
-      <p:sp>
-        <p:nvSpPr>
-          <p:cNvPr id="54" name="TextBox 53"/>
-          <p:cNvSpPr txBox="1"/>
-          <p:nvPr/>
-        </p:nvSpPr>
-        <p:spPr>
-          <a:xfrm>
-            <a:off x="3169911" y="5114363"/>
-            <a:ext cx="567266" cy="261610"/>
-          </a:xfrm>
-          <a:prstGeom prst="rect">
-            <a:avLst/>
-          </a:prstGeom>
-          <a:noFill/>
-        </p:spPr>
-        <p:txBody>
-          <a:bodyPr wrap="square" rtlCol="0">
-            <a:spAutoFit/>
-          </a:bodyPr>
-          <a:lstStyle/>
-          <a:p>
-            <a:pPr algn="ctr"/>
-            <a:r>
-              <a:rPr lang="en-GB" sz="1100" dirty="0" smtClean="0"/>
-              <a:t>Small</a:t>
-            </a:r>
-            <a:endParaRPr lang="en-GB" sz="1100" dirty="0"/>
-          </a:p>
-        </p:txBody>
-      </p:sp>
-      <p:sp>
-        <p:nvSpPr>
-          <p:cNvPr id="55" name="TextBox 54"/>
-          <p:cNvSpPr txBox="1"/>
-          <p:nvPr/>
-        </p:nvSpPr>
-        <p:spPr>
-          <a:xfrm>
-            <a:off x="3884722" y="5114363"/>
-            <a:ext cx="750330" cy="261610"/>
-          </a:xfrm>
-          <a:prstGeom prst="rect">
-            <a:avLst/>
-          </a:prstGeom>
-          <a:noFill/>
-        </p:spPr>
-        <p:txBody>
-          <a:bodyPr wrap="square" rtlCol="0">
-            <a:spAutoFit/>
-          </a:bodyPr>
-          <a:lstStyle/>
-          <a:p>
-            <a:pPr algn="ctr"/>
-            <a:r>
-              <a:rPr lang="en-GB" sz="1100" dirty="0" smtClean="0"/>
-              <a:t>Medium</a:t>
-            </a:r>
-            <a:endParaRPr lang="en-GB" sz="1100" dirty="0"/>
-          </a:p>
-        </p:txBody>
-      </p:sp>
-      <p:sp>
-        <p:nvSpPr>
-          <p:cNvPr id="60" name="TextBox 59"/>
-          <p:cNvSpPr txBox="1"/>
-          <p:nvPr/>
-        </p:nvSpPr>
-        <p:spPr>
-          <a:xfrm>
-            <a:off x="2146892" y="5114363"/>
-            <a:ext cx="928962" cy="261610"/>
-          </a:xfrm>
-          <a:prstGeom prst="rect">
-            <a:avLst/>
-          </a:prstGeom>
-          <a:noFill/>
-        </p:spPr>
-        <p:txBody>
-          <a:bodyPr wrap="square" rtlCol="0">
-            <a:spAutoFit/>
-          </a:bodyPr>
-          <a:lstStyle/>
-          <a:p>
-            <a:pPr algn="ctr"/>
-            <a:r>
-              <a:rPr lang="en-GB" sz="1100" dirty="0" smtClean="0"/>
-              <a:t>Spaceplane</a:t>
-            </a:r>
-            <a:endParaRPr lang="en-GB" sz="1100" dirty="0"/>
-          </a:p>
-        </p:txBody>
-      </p:sp>
-      <p:sp>
-        <p:nvSpPr>
-          <p:cNvPr id="62" name="Rectangle 61"/>
-          <p:cNvSpPr/>
-          <p:nvPr/>
-        </p:nvSpPr>
-        <p:spPr>
-          <a:xfrm>
-            <a:off x="4074864" y="4027460"/>
-            <a:ext cx="487348" cy="395119"/>
-          </a:xfrm>
-          <a:prstGeom prst="rect">
-            <a:avLst/>
-          </a:prstGeom>
-          <a:solidFill>
-            <a:schemeClr val="bg1">
-              <a:lumMod val="85000"/>
-            </a:schemeClr>
-          </a:solidFill>
-          <a:ln>
-            <a:solidFill>
-              <a:schemeClr val="tx1"/>
-            </a:solidFill>
-          </a:ln>
-        </p:spPr>
-        <p:style>
-          <a:lnRef idx="2">
-            <a:schemeClr val="accent1">
-              <a:shade val="50000"/>
-            </a:schemeClr>
-          </a:lnRef>
-          <a:fillRef idx="1">
-            <a:schemeClr val="accent1"/>
-          </a:fillRef>
-          <a:effectRef idx="0">
-            <a:schemeClr val="accent1"/>
-          </a:effectRef>
-          <a:fontRef idx="minor">
-            <a:schemeClr val="lt1"/>
-          </a:fontRef>
-        </p:style>
-        <p:txBody>
-          <a:bodyPr rtlCol="0" anchor="ctr"/>
-          <a:lstStyle/>
-          <a:p>
-            <a:pPr algn="ctr"/>
-            <a:endParaRPr lang="en-GB"/>
-          </a:p>
-        </p:txBody>
-      </p:sp>
-      <p:sp>
-        <p:nvSpPr>
-          <p:cNvPr id="63" name="Rectangle 62"/>
-          <p:cNvSpPr/>
-          <p:nvPr/>
-        </p:nvSpPr>
-        <p:spPr>
-          <a:xfrm>
-            <a:off x="3313845" y="4109987"/>
-            <a:ext cx="180000" cy="332643"/>
-          </a:xfrm>
-          <a:prstGeom prst="rect">
-            <a:avLst/>
-          </a:prstGeom>
-          <a:solidFill>
-            <a:schemeClr val="bg1">
-              <a:lumMod val="85000"/>
-            </a:schemeClr>
-          </a:solidFill>
-          <a:ln>
-            <a:solidFill>
-              <a:schemeClr val="tx1"/>
-            </a:solidFill>
-          </a:ln>
-        </p:spPr>
-        <p:style>
-          <a:lnRef idx="2">
-            <a:schemeClr val="accent1">
-              <a:shade val="50000"/>
-            </a:schemeClr>
-          </a:lnRef>
-          <a:fillRef idx="1">
-            <a:schemeClr val="accent1"/>
-          </a:fillRef>
-          <a:effectRef idx="0">
-            <a:schemeClr val="accent1"/>
-          </a:effectRef>
-          <a:fontRef idx="minor">
-            <a:schemeClr val="lt1"/>
-          </a:fontRef>
-        </p:style>
-        <p:txBody>
-          <a:bodyPr rtlCol="0" anchor="ctr"/>
-          <a:lstStyle/>
-          <a:p>
-            <a:pPr algn="ctr"/>
-            <a:endParaRPr lang="en-GB"/>
-          </a:p>
-        </p:txBody>
-      </p:sp>
-      <p:sp>
-        <p:nvSpPr>
-          <p:cNvPr id="64" name="Rectangle 63"/>
-          <p:cNvSpPr/>
-          <p:nvPr/>
-        </p:nvSpPr>
-        <p:spPr>
-          <a:xfrm>
-            <a:off x="2538148" y="4178252"/>
-            <a:ext cx="120356" cy="222420"/>
-          </a:xfrm>
-          <a:prstGeom prst="rect">
-            <a:avLst/>
-          </a:prstGeom>
-          <a:solidFill>
-            <a:schemeClr val="bg1">
-              <a:lumMod val="85000"/>
-            </a:schemeClr>
-          </a:solidFill>
-          <a:ln>
-            <a:solidFill>
-              <a:schemeClr val="tx1"/>
-            </a:solidFill>
-          </a:ln>
-        </p:spPr>
-        <p:style>
-          <a:lnRef idx="2">
-            <a:schemeClr val="accent1">
-              <a:shade val="50000"/>
-            </a:schemeClr>
-          </a:lnRef>
-          <a:fillRef idx="1">
-            <a:schemeClr val="accent1"/>
-          </a:fillRef>
-          <a:effectRef idx="0">
-            <a:schemeClr val="accent1"/>
-          </a:effectRef>
-          <a:fontRef idx="minor">
-            <a:schemeClr val="lt1"/>
-          </a:fontRef>
-        </p:style>
-        <p:txBody>
-          <a:bodyPr rtlCol="0" anchor="ctr"/>
-          <a:lstStyle/>
-          <a:p>
-            <a:pPr algn="ctr"/>
-            <a:endParaRPr lang="en-GB"/>
-          </a:p>
-        </p:txBody>
-      </p:sp>
-      <p:sp>
-        <p:nvSpPr>
-          <p:cNvPr id="65" name="Isosceles Triangle 64"/>
-          <p:cNvSpPr/>
-          <p:nvPr/>
-        </p:nvSpPr>
-        <p:spPr>
-          <a:xfrm>
-            <a:off x="2538148" y="4405441"/>
-            <a:ext cx="120356" cy="138700"/>
-          </a:xfrm>
-          <a:prstGeom prst="triangle">
-            <a:avLst/>
-          </a:prstGeom>
-          <a:solidFill>
-            <a:schemeClr val="bg1">
-              <a:lumMod val="85000"/>
-            </a:schemeClr>
-          </a:solidFill>
-          <a:ln>
-            <a:solidFill>
-              <a:schemeClr val="tx1"/>
-            </a:solidFill>
-          </a:ln>
-        </p:spPr>
-        <p:style>
-          <a:lnRef idx="2">
-            <a:schemeClr val="accent1">
-              <a:shade val="50000"/>
-            </a:schemeClr>
-          </a:lnRef>
-          <a:fillRef idx="1">
-            <a:schemeClr val="accent1"/>
-          </a:fillRef>
-          <a:effectRef idx="0">
-            <a:schemeClr val="accent1"/>
-          </a:effectRef>
-          <a:fontRef idx="minor">
-            <a:schemeClr val="lt1"/>
-          </a:fontRef>
-        </p:style>
-        <p:txBody>
-          <a:bodyPr rtlCol="0" anchor="ctr"/>
-          <a:lstStyle/>
-          <a:p>
-            <a:pPr algn="ctr"/>
-            <a:endParaRPr lang="en-GB"/>
-          </a:p>
-        </p:txBody>
-      </p:sp>
-      <p:sp>
-        <p:nvSpPr>
-          <p:cNvPr id="66" name="Isosceles Triangle 65"/>
-          <p:cNvSpPr/>
-          <p:nvPr/>
-        </p:nvSpPr>
-        <p:spPr>
-          <a:xfrm>
-            <a:off x="3313845" y="4449224"/>
-            <a:ext cx="180000" cy="207434"/>
-          </a:xfrm>
-          <a:prstGeom prst="triangle">
-            <a:avLst/>
-          </a:prstGeom>
-          <a:solidFill>
-            <a:schemeClr val="bg1">
-              <a:lumMod val="85000"/>
-            </a:schemeClr>
-          </a:solidFill>
-          <a:ln>
-            <a:solidFill>
-              <a:schemeClr val="tx1"/>
-            </a:solidFill>
-          </a:ln>
-        </p:spPr>
-        <p:style>
-          <a:lnRef idx="2">
-            <a:schemeClr val="accent1">
-              <a:shade val="50000"/>
-            </a:schemeClr>
-          </a:lnRef>
-          <a:fillRef idx="1">
-            <a:schemeClr val="accent1"/>
-          </a:fillRef>
-          <a:effectRef idx="0">
-            <a:schemeClr val="accent1"/>
-          </a:effectRef>
-          <a:fontRef idx="minor">
-            <a:schemeClr val="lt1"/>
-          </a:fontRef>
-        </p:style>
-        <p:txBody>
-          <a:bodyPr rtlCol="0" anchor="ctr"/>
-          <a:lstStyle/>
-          <a:p>
-            <a:pPr algn="ctr"/>
-            <a:endParaRPr lang="en-GB"/>
-          </a:p>
-        </p:txBody>
-      </p:sp>
-      <p:sp>
-        <p:nvSpPr>
-          <p:cNvPr id="67" name="Isosceles Triangle 66"/>
-          <p:cNvSpPr/>
-          <p:nvPr/>
-        </p:nvSpPr>
-        <p:spPr>
-          <a:xfrm>
-            <a:off x="4074864" y="4431457"/>
-            <a:ext cx="487348" cy="246394"/>
-          </a:xfrm>
-          <a:prstGeom prst="triangle">
-            <a:avLst/>
-          </a:prstGeom>
-          <a:solidFill>
-            <a:schemeClr val="bg1">
-              <a:lumMod val="85000"/>
-            </a:schemeClr>
-          </a:solidFill>
-          <a:ln>
-            <a:solidFill>
-              <a:schemeClr val="tx1"/>
-            </a:solidFill>
-          </a:ln>
-        </p:spPr>
-        <p:style>
-          <a:lnRef idx="2">
-            <a:schemeClr val="accent1">
-              <a:shade val="50000"/>
-            </a:schemeClr>
-          </a:lnRef>
-          <a:fillRef idx="1">
-            <a:schemeClr val="accent1"/>
-          </a:fillRef>
-          <a:effectRef idx="0">
-            <a:schemeClr val="accent1"/>
-          </a:effectRef>
-          <a:fontRef idx="minor">
-            <a:schemeClr val="lt1"/>
-          </a:fontRef>
-        </p:style>
-        <p:txBody>
-          <a:bodyPr rtlCol="0" anchor="ctr"/>
-          <a:lstStyle/>
-          <a:p>
-            <a:pPr algn="ctr"/>
-            <a:endParaRPr lang="en-GB"/>
-          </a:p>
-        </p:txBody>
-      </p:sp>
-      <p:sp>
-        <p:nvSpPr>
-          <p:cNvPr id="69" name="Rectangle 68"/>
-          <p:cNvSpPr/>
-          <p:nvPr/>
-        </p:nvSpPr>
-        <p:spPr>
-          <a:xfrm>
-            <a:off x="4163733" y="5338762"/>
-            <a:ext cx="180000" cy="332643"/>
-          </a:xfrm>
-          <a:prstGeom prst="rect">
-            <a:avLst/>
-          </a:prstGeom>
-          <a:solidFill>
-            <a:schemeClr val="bg1">
-              <a:lumMod val="85000"/>
-            </a:schemeClr>
-          </a:solidFill>
-          <a:ln>
-            <a:solidFill>
-              <a:schemeClr val="tx1"/>
-            </a:solidFill>
-          </a:ln>
-        </p:spPr>
-        <p:style>
-          <a:lnRef idx="2">
-            <a:schemeClr val="accent1">
-              <a:shade val="50000"/>
-            </a:schemeClr>
-          </a:lnRef>
-          <a:fillRef idx="1">
-            <a:schemeClr val="accent1"/>
-          </a:fillRef>
-          <a:effectRef idx="0">
-            <a:schemeClr val="accent1"/>
-          </a:effectRef>
-          <a:fontRef idx="minor">
-            <a:schemeClr val="lt1"/>
-          </a:fontRef>
-        </p:style>
-        <p:txBody>
-          <a:bodyPr rtlCol="0" anchor="ctr"/>
-          <a:lstStyle/>
-          <a:p>
-            <a:pPr algn="ctr"/>
-            <a:endParaRPr lang="en-GB"/>
-          </a:p>
-        </p:txBody>
-      </p:sp>
-      <p:sp>
-        <p:nvSpPr>
-          <p:cNvPr id="72" name="Isosceles Triangle 71"/>
-          <p:cNvSpPr/>
-          <p:nvPr/>
-        </p:nvSpPr>
-        <p:spPr>
-          <a:xfrm>
-            <a:off x="4163733" y="5677999"/>
-            <a:ext cx="180000" cy="207434"/>
-          </a:xfrm>
-          <a:prstGeom prst="triangle">
-            <a:avLst/>
-          </a:prstGeom>
-          <a:solidFill>
-            <a:schemeClr val="bg1">
-              <a:lumMod val="85000"/>
-            </a:schemeClr>
-          </a:solidFill>
-          <a:ln>
-            <a:solidFill>
-              <a:schemeClr val="tx1"/>
-            </a:solidFill>
-          </a:ln>
-        </p:spPr>
-        <p:style>
-          <a:lnRef idx="2">
-            <a:schemeClr val="accent1">
-              <a:shade val="50000"/>
-            </a:schemeClr>
-          </a:lnRef>
-          <a:fillRef idx="1">
-            <a:schemeClr val="accent1"/>
-          </a:fillRef>
-          <a:effectRef idx="0">
-            <a:schemeClr val="accent1"/>
-          </a:effectRef>
-          <a:fontRef idx="minor">
-            <a:schemeClr val="lt1"/>
-          </a:fontRef>
-        </p:style>
-        <p:txBody>
-          <a:bodyPr rtlCol="0" anchor="ctr"/>
-          <a:lstStyle/>
-          <a:p>
-            <a:pPr algn="ctr"/>
-            <a:endParaRPr lang="en-GB"/>
-          </a:p>
-        </p:txBody>
-      </p:sp>
-      <p:pic>
-        <p:nvPicPr>
-          <p:cNvPr id="7170" name="Picture 2" descr="Transport Airplane Take Off icon"/>
-          <p:cNvPicPr>
-            <a:picLocks noChangeAspect="1" noChangeArrowheads="1"/>
-          </p:cNvPicPr>
-          <p:nvPr/>
-        </p:nvPicPr>
-        <p:blipFill>
-          <a:blip r:embed="rId3" cstate="print">
-            <a:extLst>
-              <a:ext uri="{28A0092B-C50C-407E-A947-70E740481C1C}">
-                <a14:useLocalDpi xmlns:a14="http://schemas.microsoft.com/office/drawing/2010/main" val="0"/>
-              </a:ext>
-            </a:extLst>
-          </a:blip>
-          <a:srcRect/>
-          <a:stretch>
-            <a:fillRect/>
-          </a:stretch>
-        </p:blipFill>
-        <p:spPr bwMode="auto">
-          <a:xfrm>
-            <a:off x="2302549" y="5269483"/>
-            <a:ext cx="615950" cy="615950"/>
-          </a:xfrm>
-          <a:prstGeom prst="rect">
-            <a:avLst/>
-          </a:prstGeom>
-          <a:noFill/>
-          <a:extLst>
-            <a:ext uri="{909E8E84-426E-40DD-AFC4-6F175D3DCCD1}">
-              <a14:hiddenFill xmlns:a14="http://schemas.microsoft.com/office/drawing/2010/main">
-                <a:solidFill>
-                  <a:srgbClr val="FFFFFF"/>
-                </a:solidFill>
-              </a14:hiddenFill>
-            </a:ext>
-          </a:extLst>
-        </p:spPr>
-      </p:pic>
-      <p:sp>
-        <p:nvSpPr>
-          <p:cNvPr id="77" name="Rectangle 76"/>
-          <p:cNvSpPr/>
-          <p:nvPr/>
-        </p:nvSpPr>
-        <p:spPr>
-          <a:xfrm>
-            <a:off x="5664244" y="3493723"/>
-            <a:ext cx="180000" cy="332643"/>
-          </a:xfrm>
-          <a:prstGeom prst="rect">
-            <a:avLst/>
-          </a:prstGeom>
-          <a:solidFill>
-            <a:schemeClr val="bg1">
-              <a:lumMod val="85000"/>
-            </a:schemeClr>
-          </a:solidFill>
-          <a:ln>
-            <a:solidFill>
-              <a:schemeClr val="tx1"/>
-            </a:solidFill>
-          </a:ln>
-        </p:spPr>
-        <p:style>
-          <a:lnRef idx="2">
-            <a:schemeClr val="accent1">
-              <a:shade val="50000"/>
-            </a:schemeClr>
-          </a:lnRef>
-          <a:fillRef idx="1">
-            <a:schemeClr val="accent1"/>
-          </a:fillRef>
-          <a:effectRef idx="0">
-            <a:schemeClr val="accent1"/>
-          </a:effectRef>
-          <a:fontRef idx="minor">
-            <a:schemeClr val="lt1"/>
-          </a:fontRef>
-        </p:style>
-        <p:txBody>
-          <a:bodyPr rtlCol="0" anchor="ctr"/>
-          <a:lstStyle/>
-          <a:p>
-            <a:pPr algn="ctr"/>
-            <a:endParaRPr lang="en-GB"/>
-          </a:p>
-        </p:txBody>
-      </p:sp>
-      <p:sp>
-        <p:nvSpPr>
-          <p:cNvPr id="79" name="Rectangle 78"/>
-          <p:cNvSpPr/>
-          <p:nvPr/>
-        </p:nvSpPr>
-        <p:spPr>
-          <a:xfrm>
-            <a:off x="5699839" y="3838834"/>
-            <a:ext cx="120356" cy="222420"/>
-          </a:xfrm>
-          <a:prstGeom prst="rect">
-            <a:avLst/>
-          </a:prstGeom>
-          <a:solidFill>
-            <a:schemeClr val="bg1">
-              <a:lumMod val="85000"/>
-            </a:schemeClr>
-          </a:solidFill>
-          <a:ln>
-            <a:solidFill>
-              <a:schemeClr val="tx1"/>
-            </a:solidFill>
-          </a:ln>
-        </p:spPr>
-        <p:style>
-          <a:lnRef idx="2">
-            <a:schemeClr val="accent1">
-              <a:shade val="50000"/>
-            </a:schemeClr>
-          </a:lnRef>
-          <a:fillRef idx="1">
-            <a:schemeClr val="accent1"/>
-          </a:fillRef>
-          <a:effectRef idx="0">
-            <a:schemeClr val="accent1"/>
-          </a:effectRef>
-          <a:fontRef idx="minor">
-            <a:schemeClr val="lt1"/>
-          </a:fontRef>
-        </p:style>
-        <p:txBody>
-          <a:bodyPr rtlCol="0" anchor="ctr"/>
-          <a:lstStyle/>
-          <a:p>
-            <a:pPr algn="ctr"/>
-            <a:endParaRPr lang="en-GB"/>
-          </a:p>
-        </p:txBody>
-      </p:sp>
-      <p:sp>
-        <p:nvSpPr>
-          <p:cNvPr id="80" name="Isosceles Triangle 79"/>
-          <p:cNvSpPr/>
-          <p:nvPr/>
-        </p:nvSpPr>
-        <p:spPr>
-          <a:xfrm>
-            <a:off x="5699839" y="4066023"/>
-            <a:ext cx="120356" cy="138700"/>
-          </a:xfrm>
-          <a:prstGeom prst="triangle">
-            <a:avLst/>
-          </a:prstGeom>
-          <a:solidFill>
-            <a:schemeClr val="bg1">
-              <a:lumMod val="85000"/>
-            </a:schemeClr>
-          </a:solidFill>
-          <a:ln>
-            <a:solidFill>
-              <a:schemeClr val="tx1"/>
-            </a:solidFill>
-          </a:ln>
-        </p:spPr>
-        <p:style>
-          <a:lnRef idx="2">
-            <a:schemeClr val="accent1">
-              <a:shade val="50000"/>
-            </a:schemeClr>
-          </a:lnRef>
-          <a:fillRef idx="1">
-            <a:schemeClr val="accent1"/>
-          </a:fillRef>
-          <a:effectRef idx="0">
-            <a:schemeClr val="accent1"/>
-          </a:effectRef>
-          <a:fontRef idx="minor">
-            <a:schemeClr val="lt1"/>
-          </a:fontRef>
-        </p:style>
-        <p:txBody>
-          <a:bodyPr rtlCol="0" anchor="ctr"/>
-          <a:lstStyle/>
-          <a:p>
-            <a:pPr algn="ctr"/>
-            <a:endParaRPr lang="en-GB"/>
-          </a:p>
-        </p:txBody>
-      </p:sp>
-      <p:sp>
-        <p:nvSpPr>
-          <p:cNvPr id="81" name="TextBox 80"/>
-          <p:cNvSpPr txBox="1"/>
-          <p:nvPr/>
-        </p:nvSpPr>
-        <p:spPr>
-          <a:xfrm>
-            <a:off x="3834387" y="2721092"/>
-            <a:ext cx="862388" cy="261610"/>
-          </a:xfrm>
-          <a:prstGeom prst="rect">
-            <a:avLst/>
-          </a:prstGeom>
-          <a:noFill/>
-        </p:spPr>
-        <p:txBody>
-          <a:bodyPr wrap="square" rtlCol="0">
-            <a:spAutoFit/>
-          </a:bodyPr>
-          <a:lstStyle/>
-          <a:p>
-            <a:pPr algn="ctr"/>
-            <a:r>
-              <a:rPr lang="en-GB" sz="1100" dirty="0" smtClean="0"/>
-              <a:t>Extra Large</a:t>
-            </a:r>
-            <a:endParaRPr lang="en-GB" sz="1100" dirty="0"/>
-          </a:p>
-        </p:txBody>
-      </p:sp>
-      <p:sp>
-        <p:nvSpPr>
-          <p:cNvPr id="82" name="Isosceles Triangle 81"/>
-          <p:cNvSpPr/>
-          <p:nvPr/>
-        </p:nvSpPr>
-        <p:spPr>
-          <a:xfrm>
-            <a:off x="3263675" y="2948519"/>
-            <a:ext cx="348426" cy="207434"/>
-          </a:xfrm>
-          <a:prstGeom prst="triangle">
-            <a:avLst/>
-          </a:prstGeom>
-          <a:solidFill>
-            <a:schemeClr val="bg1">
-              <a:lumMod val="85000"/>
-            </a:schemeClr>
-          </a:solidFill>
-          <a:ln>
-            <a:solidFill>
-              <a:schemeClr val="tx1"/>
-            </a:solidFill>
-          </a:ln>
-        </p:spPr>
-        <p:style>
-          <a:lnRef idx="2">
-            <a:schemeClr val="accent1">
-              <a:shade val="50000"/>
-            </a:schemeClr>
-          </a:lnRef>
-          <a:fillRef idx="1">
-            <a:schemeClr val="accent1"/>
-          </a:fillRef>
-          <a:effectRef idx="0">
-            <a:schemeClr val="accent1"/>
-          </a:effectRef>
-          <a:fontRef idx="minor">
-            <a:schemeClr val="lt1"/>
-          </a:fontRef>
-        </p:style>
-        <p:txBody>
-          <a:bodyPr rtlCol="0" anchor="ctr"/>
-          <a:lstStyle/>
-          <a:p>
-            <a:pPr algn="ctr"/>
-            <a:endParaRPr lang="en-GB"/>
-          </a:p>
-        </p:txBody>
-      </p:sp>
-      <p:sp>
-        <p:nvSpPr>
-          <p:cNvPr id="83" name="Rectangle 82"/>
-          <p:cNvSpPr/>
-          <p:nvPr/>
-        </p:nvSpPr>
-        <p:spPr>
-          <a:xfrm>
-            <a:off x="3263675" y="3161080"/>
-            <a:ext cx="348426" cy="332643"/>
-          </a:xfrm>
-          <a:prstGeom prst="rect">
-            <a:avLst/>
-          </a:prstGeom>
-          <a:solidFill>
-            <a:schemeClr val="bg1">
-              <a:lumMod val="85000"/>
-            </a:schemeClr>
-          </a:solidFill>
-          <a:ln>
-            <a:solidFill>
-              <a:schemeClr val="tx1"/>
-            </a:solidFill>
-          </a:ln>
-        </p:spPr>
-        <p:style>
-          <a:lnRef idx="2">
-            <a:schemeClr val="accent1">
-              <a:shade val="50000"/>
-            </a:schemeClr>
-          </a:lnRef>
-          <a:fillRef idx="1">
-            <a:schemeClr val="accent1"/>
-          </a:fillRef>
-          <a:effectRef idx="0">
-            <a:schemeClr val="accent1"/>
-          </a:effectRef>
-          <a:fontRef idx="minor">
-            <a:schemeClr val="lt1"/>
-          </a:fontRef>
-        </p:style>
-        <p:txBody>
-          <a:bodyPr rtlCol="0" anchor="ctr"/>
-          <a:lstStyle/>
-          <a:p>
-            <a:pPr algn="ctr"/>
-            <a:endParaRPr lang="en-GB"/>
-          </a:p>
-        </p:txBody>
-      </p:sp>
-      <p:sp>
-        <p:nvSpPr>
-          <p:cNvPr id="84" name="Isosceles Triangle 83"/>
-          <p:cNvSpPr/>
-          <p:nvPr/>
-        </p:nvSpPr>
-        <p:spPr>
-          <a:xfrm>
-            <a:off x="4134926" y="2948519"/>
-            <a:ext cx="282324" cy="207434"/>
-          </a:xfrm>
-          <a:prstGeom prst="triangle">
-            <a:avLst/>
-          </a:prstGeom>
-          <a:solidFill>
-            <a:schemeClr val="bg1">
-              <a:lumMod val="85000"/>
-            </a:schemeClr>
-          </a:solidFill>
-          <a:ln>
-            <a:solidFill>
-              <a:schemeClr val="tx1"/>
-            </a:solidFill>
-          </a:ln>
-        </p:spPr>
-        <p:style>
-          <a:lnRef idx="2">
-            <a:schemeClr val="accent1">
-              <a:shade val="50000"/>
-            </a:schemeClr>
-          </a:lnRef>
-          <a:fillRef idx="1">
-            <a:schemeClr val="accent1"/>
-          </a:fillRef>
-          <a:effectRef idx="0">
-            <a:schemeClr val="accent1"/>
-          </a:effectRef>
-          <a:fontRef idx="minor">
-            <a:schemeClr val="lt1"/>
-          </a:fontRef>
-        </p:style>
-        <p:txBody>
-          <a:bodyPr rtlCol="0" anchor="ctr"/>
-          <a:lstStyle/>
-          <a:p>
-            <a:pPr algn="ctr"/>
-            <a:endParaRPr lang="en-GB"/>
-          </a:p>
-        </p:txBody>
-      </p:sp>
-      <p:sp>
-        <p:nvSpPr>
-          <p:cNvPr id="85" name="Rectangle 84"/>
-          <p:cNvSpPr/>
-          <p:nvPr/>
-        </p:nvSpPr>
-        <p:spPr>
-          <a:xfrm>
-            <a:off x="4134926" y="3161081"/>
-            <a:ext cx="282324" cy="256880"/>
-          </a:xfrm>
-          <a:prstGeom prst="rect">
-            <a:avLst/>
-          </a:prstGeom>
-          <a:solidFill>
-            <a:schemeClr val="bg1">
-              <a:lumMod val="85000"/>
-            </a:schemeClr>
-          </a:solidFill>
-          <a:ln>
-            <a:solidFill>
-              <a:schemeClr val="tx1"/>
-            </a:solidFill>
-          </a:ln>
-        </p:spPr>
-        <p:style>
-          <a:lnRef idx="2">
-            <a:schemeClr val="accent1">
-              <a:shade val="50000"/>
-            </a:schemeClr>
-          </a:lnRef>
-          <a:fillRef idx="1">
-            <a:schemeClr val="accent1"/>
-          </a:fillRef>
-          <a:effectRef idx="0">
-            <a:schemeClr val="accent1"/>
-          </a:effectRef>
-          <a:fontRef idx="minor">
-            <a:schemeClr val="lt1"/>
-          </a:fontRef>
-        </p:style>
-        <p:txBody>
-          <a:bodyPr rtlCol="0" anchor="ctr"/>
-          <a:lstStyle/>
-          <a:p>
-            <a:pPr algn="ctr"/>
-            <a:endParaRPr lang="en-GB"/>
-          </a:p>
-        </p:txBody>
-      </p:sp>
-      <p:sp>
-        <p:nvSpPr>
-          <p:cNvPr id="7168" name="Trapezoid 7167"/>
-          <p:cNvSpPr/>
-          <p:nvPr/>
-        </p:nvSpPr>
-        <p:spPr>
-          <a:xfrm rot="10800000">
-            <a:off x="4134926" y="3417960"/>
-            <a:ext cx="282324" cy="112640"/>
-          </a:xfrm>
-          <a:prstGeom prst="trapezoid">
-            <a:avLst/>
-          </a:prstGeom>
-          <a:solidFill>
-            <a:schemeClr val="bg1">
-              <a:lumMod val="85000"/>
-            </a:schemeClr>
-          </a:solidFill>
-          <a:ln>
-            <a:solidFill>
-              <a:schemeClr val="tx1"/>
-            </a:solidFill>
-          </a:ln>
-        </p:spPr>
-        <p:style>
-          <a:lnRef idx="2">
-            <a:schemeClr val="accent1">
-              <a:shade val="50000"/>
-            </a:schemeClr>
-          </a:lnRef>
-          <a:fillRef idx="1">
-            <a:schemeClr val="accent1"/>
-          </a:fillRef>
-          <a:effectRef idx="0">
-            <a:schemeClr val="accent1"/>
-          </a:effectRef>
-          <a:fontRef idx="minor">
-            <a:schemeClr val="lt1"/>
-          </a:fontRef>
-        </p:style>
-        <p:txBody>
-          <a:bodyPr rtlCol="0" anchor="ctr"/>
-          <a:lstStyle/>
-          <a:p>
-            <a:pPr algn="ctr"/>
-            <a:endParaRPr lang="en-GB"/>
-          </a:p>
-        </p:txBody>
-      </p:sp>
-      <p:sp>
-        <p:nvSpPr>
-          <p:cNvPr id="87" name="Isosceles Triangle 86"/>
-          <p:cNvSpPr/>
-          <p:nvPr/>
-        </p:nvSpPr>
-        <p:spPr>
-          <a:xfrm>
-            <a:off x="5577146" y="2948519"/>
-            <a:ext cx="348426" cy="207434"/>
-          </a:xfrm>
-          <a:prstGeom prst="triangle">
-            <a:avLst/>
-          </a:prstGeom>
-          <a:solidFill>
-            <a:schemeClr val="bg1">
-              <a:lumMod val="85000"/>
-            </a:schemeClr>
-          </a:solidFill>
-          <a:ln>
-            <a:solidFill>
-              <a:schemeClr val="tx1"/>
-            </a:solidFill>
-          </a:ln>
-        </p:spPr>
-        <p:style>
-          <a:lnRef idx="2">
-            <a:schemeClr val="accent1">
-              <a:shade val="50000"/>
-            </a:schemeClr>
-          </a:lnRef>
-          <a:fillRef idx="1">
-            <a:schemeClr val="accent1"/>
-          </a:fillRef>
-          <a:effectRef idx="0">
-            <a:schemeClr val="accent1"/>
-          </a:effectRef>
-          <a:fontRef idx="minor">
-            <a:schemeClr val="lt1"/>
-          </a:fontRef>
-        </p:style>
-        <p:txBody>
-          <a:bodyPr rtlCol="0" anchor="ctr"/>
-          <a:lstStyle/>
-          <a:p>
-            <a:pPr algn="ctr"/>
-            <a:endParaRPr lang="en-GB"/>
-          </a:p>
-        </p:txBody>
-      </p:sp>
-      <p:sp>
-        <p:nvSpPr>
-          <p:cNvPr id="88" name="Rectangle 87"/>
-          <p:cNvSpPr/>
-          <p:nvPr/>
-        </p:nvSpPr>
-        <p:spPr>
-          <a:xfrm>
-            <a:off x="5577146" y="3161080"/>
-            <a:ext cx="348426" cy="332643"/>
-          </a:xfrm>
-          <a:prstGeom prst="rect">
-            <a:avLst/>
-          </a:prstGeom>
-          <a:solidFill>
-            <a:schemeClr val="bg1">
-              <a:lumMod val="85000"/>
-            </a:schemeClr>
-          </a:solidFill>
-          <a:ln>
-            <a:solidFill>
-              <a:schemeClr val="tx1"/>
-            </a:solidFill>
-          </a:ln>
-        </p:spPr>
-        <p:style>
-          <a:lnRef idx="2">
-            <a:schemeClr val="accent1">
-              <a:shade val="50000"/>
-            </a:schemeClr>
-          </a:lnRef>
-          <a:fillRef idx="1">
-            <a:schemeClr val="accent1"/>
-          </a:fillRef>
-          <a:effectRef idx="0">
-            <a:schemeClr val="accent1"/>
-          </a:effectRef>
-          <a:fontRef idx="minor">
-            <a:schemeClr val="lt1"/>
-          </a:fontRef>
-        </p:style>
-        <p:txBody>
-          <a:bodyPr rtlCol="0" anchor="ctr"/>
-          <a:lstStyle/>
-          <a:p>
-            <a:pPr algn="ctr"/>
-            <a:endParaRPr lang="en-GB"/>
-          </a:p>
-        </p:txBody>
-      </p:sp>
-      <p:sp>
-        <p:nvSpPr>
-          <p:cNvPr id="89" name="Rectangle 88"/>
-          <p:cNvSpPr/>
-          <p:nvPr/>
-        </p:nvSpPr>
-        <p:spPr>
-          <a:xfrm>
-            <a:off x="3398541" y="5422556"/>
-            <a:ext cx="120356" cy="222420"/>
-          </a:xfrm>
-          <a:prstGeom prst="rect">
-            <a:avLst/>
-          </a:prstGeom>
-          <a:solidFill>
-            <a:schemeClr val="bg1">
-              <a:lumMod val="85000"/>
-            </a:schemeClr>
-          </a:solidFill>
-          <a:ln>
-            <a:solidFill>
-              <a:schemeClr val="tx1"/>
-            </a:solidFill>
-          </a:ln>
-        </p:spPr>
-        <p:style>
-          <a:lnRef idx="2">
-            <a:schemeClr val="accent1">
-              <a:shade val="50000"/>
-            </a:schemeClr>
-          </a:lnRef>
-          <a:fillRef idx="1">
-            <a:schemeClr val="accent1"/>
-          </a:fillRef>
-          <a:effectRef idx="0">
-            <a:schemeClr val="accent1"/>
-          </a:effectRef>
-          <a:fontRef idx="minor">
-            <a:schemeClr val="lt1"/>
-          </a:fontRef>
-        </p:style>
-        <p:txBody>
-          <a:bodyPr rtlCol="0" anchor="ctr"/>
-          <a:lstStyle/>
-          <a:p>
-            <a:pPr algn="ctr"/>
-            <a:endParaRPr lang="en-GB"/>
-          </a:p>
-        </p:txBody>
-      </p:sp>
-      <p:sp>
-        <p:nvSpPr>
-          <p:cNvPr id="90" name="Isosceles Triangle 89"/>
-          <p:cNvSpPr/>
-          <p:nvPr/>
-        </p:nvSpPr>
-        <p:spPr>
-          <a:xfrm>
-            <a:off x="3398541" y="5649745"/>
-            <a:ext cx="120356" cy="138700"/>
-          </a:xfrm>
-          <a:prstGeom prst="triangle">
-            <a:avLst/>
-          </a:prstGeom>
-          <a:solidFill>
-            <a:schemeClr val="bg1">
-              <a:lumMod val="85000"/>
-            </a:schemeClr>
-          </a:solidFill>
-          <a:ln>
-            <a:solidFill>
-              <a:schemeClr val="tx1"/>
-            </a:solidFill>
-          </a:ln>
-        </p:spPr>
-        <p:style>
-          <a:lnRef idx="2">
-            <a:schemeClr val="accent1">
-              <a:shade val="50000"/>
-            </a:schemeClr>
-          </a:lnRef>
-          <a:fillRef idx="1">
-            <a:schemeClr val="accent1"/>
-          </a:fillRef>
-          <a:effectRef idx="0">
-            <a:schemeClr val="accent1"/>
-          </a:effectRef>
-          <a:fontRef idx="minor">
-            <a:schemeClr val="lt1"/>
-          </a:fontRef>
-        </p:style>
-        <p:txBody>
-          <a:bodyPr rtlCol="0" anchor="ctr"/>
-          <a:lstStyle/>
-          <a:p>
-            <a:pPr algn="ctr"/>
-            <a:endParaRPr lang="en-GB"/>
-          </a:p>
-        </p:txBody>
-      </p:sp>
-      <p:sp>
-        <p:nvSpPr>
-          <p:cNvPr id="7169" name="TextBox 7168"/>
-          <p:cNvSpPr txBox="1"/>
-          <p:nvPr/>
-        </p:nvSpPr>
-        <p:spPr>
-          <a:xfrm>
-            <a:off x="2200203" y="2376115"/>
-            <a:ext cx="1318694" cy="276999"/>
-          </a:xfrm>
-          <a:prstGeom prst="rect">
-            <a:avLst/>
-          </a:prstGeom>
-          <a:noFill/>
-        </p:spPr>
-        <p:txBody>
-          <a:bodyPr wrap="square" rtlCol="0">
-            <a:spAutoFit/>
-          </a:bodyPr>
-          <a:lstStyle/>
-          <a:p>
-            <a:r>
-              <a:rPr lang="en-GB" sz="1200" b="1" dirty="0" smtClean="0"/>
-              <a:t>Payload Bay</a:t>
-            </a:r>
-            <a:endParaRPr lang="en-GB" sz="1200" b="1" dirty="0"/>
-          </a:p>
-        </p:txBody>
-      </p:sp>
-      <p:sp>
-        <p:nvSpPr>
-          <p:cNvPr id="92" name="TextBox 91"/>
-          <p:cNvSpPr txBox="1"/>
-          <p:nvPr/>
-        </p:nvSpPr>
-        <p:spPr>
-          <a:xfrm>
-            <a:off x="2200203" y="3585639"/>
-            <a:ext cx="1318694" cy="276999"/>
-          </a:xfrm>
-          <a:prstGeom prst="rect">
-            <a:avLst/>
-          </a:prstGeom>
-          <a:noFill/>
-        </p:spPr>
-        <p:txBody>
-          <a:bodyPr wrap="square" rtlCol="0">
-            <a:spAutoFit/>
-          </a:bodyPr>
-          <a:lstStyle/>
-          <a:p>
-            <a:r>
-              <a:rPr lang="en-GB" sz="1200" b="1" dirty="0" smtClean="0"/>
-              <a:t>Second stage</a:t>
-            </a:r>
-            <a:endParaRPr lang="en-GB" sz="1200" b="1" dirty="0"/>
-          </a:p>
-        </p:txBody>
-      </p:sp>
-      <p:sp>
-        <p:nvSpPr>
-          <p:cNvPr id="93" name="TextBox 92"/>
-          <p:cNvSpPr txBox="1"/>
-          <p:nvPr/>
-        </p:nvSpPr>
-        <p:spPr>
-          <a:xfrm>
-            <a:off x="2200203" y="4794747"/>
-            <a:ext cx="1318694" cy="276999"/>
-          </a:xfrm>
-          <a:prstGeom prst="rect">
-            <a:avLst/>
-          </a:prstGeom>
-          <a:noFill/>
-        </p:spPr>
-        <p:txBody>
-          <a:bodyPr wrap="square" rtlCol="0">
-            <a:spAutoFit/>
-          </a:bodyPr>
-          <a:lstStyle/>
-          <a:p>
-            <a:r>
-              <a:rPr lang="en-GB" sz="1200" b="1" dirty="0" smtClean="0"/>
-              <a:t>First stage</a:t>
-            </a:r>
-            <a:endParaRPr lang="en-GB" sz="1200" b="1" dirty="0"/>
-          </a:p>
-        </p:txBody>
-      </p:sp>
-      <p:sp>
-        <p:nvSpPr>
-          <p:cNvPr id="95" name="TextBox 94"/>
-          <p:cNvSpPr txBox="1"/>
-          <p:nvPr/>
-        </p:nvSpPr>
-        <p:spPr>
-          <a:xfrm>
-            <a:off x="5266981" y="2404631"/>
-            <a:ext cx="1318694" cy="276999"/>
-          </a:xfrm>
-          <a:prstGeom prst="rect">
-            <a:avLst/>
-          </a:prstGeom>
-          <a:noFill/>
-        </p:spPr>
-        <p:txBody>
-          <a:bodyPr wrap="square" rtlCol="0">
-            <a:spAutoFit/>
-          </a:bodyPr>
-          <a:lstStyle/>
-          <a:p>
-            <a:r>
-              <a:rPr lang="en-GB" sz="1200" b="1" dirty="0" smtClean="0"/>
-              <a:t>Your rocket</a:t>
-            </a:r>
-            <a:endParaRPr lang="en-GB" sz="1200" b="1" dirty="0"/>
-          </a:p>
-        </p:txBody>
-      </p:sp>
-      <p:pic>
-        <p:nvPicPr>
-          <p:cNvPr id="96" name="Picture 10" descr="alert, attention, danger, error, exclamation, problem, warning icon"/>
-          <p:cNvPicPr>
-            <a:picLocks noChangeAspect="1" noChangeArrowheads="1"/>
-          </p:cNvPicPr>
-          <p:nvPr/>
-        </p:nvPicPr>
-        <p:blipFill>
-          <a:blip r:embed="rId2" cstate="print">
-            <a:extLst>
-              <a:ext uri="{28A0092B-C50C-407E-A947-70E740481C1C}">
-                <a14:useLocalDpi xmlns:a14="http://schemas.microsoft.com/office/drawing/2010/main" val="0"/>
-              </a:ext>
-            </a:extLst>
-          </a:blip>
-          <a:srcRect/>
-          <a:stretch>
-            <a:fillRect/>
-          </a:stretch>
-        </p:blipFill>
-        <p:spPr bwMode="auto">
-          <a:xfrm>
-            <a:off x="5220978" y="5601716"/>
-            <a:ext cx="360000" cy="360000"/>
-          </a:xfrm>
-          <a:prstGeom prst="rect">
-            <a:avLst/>
-          </a:prstGeom>
-          <a:noFill/>
-          <a:extLst>
-            <a:ext uri="{909E8E84-426E-40DD-AFC4-6F175D3DCCD1}">
-              <a14:hiddenFill xmlns:a14="http://schemas.microsoft.com/office/drawing/2010/main">
-                <a:solidFill>
-                  <a:srgbClr val="FFFFFF"/>
-                </a:solidFill>
-              </a14:hiddenFill>
-            </a:ext>
-          </a:extLst>
-        </p:spPr>
-      </p:pic>
-      <p:sp>
-        <p:nvSpPr>
-          <p:cNvPr id="97" name="TextBox 96"/>
-          <p:cNvSpPr txBox="1"/>
-          <p:nvPr/>
-        </p:nvSpPr>
-        <p:spPr>
-          <a:xfrm>
-            <a:off x="6172580" y="5186218"/>
-            <a:ext cx="1012845" cy="415498"/>
-          </a:xfrm>
-          <a:prstGeom prst="rect">
-            <a:avLst/>
-          </a:prstGeom>
-          <a:noFill/>
-        </p:spPr>
-        <p:txBody>
-          <a:bodyPr wrap="square" rtlCol="0">
-            <a:spAutoFit/>
-          </a:bodyPr>
-          <a:lstStyle/>
-          <a:p>
-            <a:r>
-              <a:rPr lang="en-GB" sz="1050" dirty="0" smtClean="0">
-                <a:solidFill>
-                  <a:srgbClr val="FF0000"/>
-                </a:solidFill>
-              </a:rPr>
-              <a:t>Error message (if applicable)</a:t>
-            </a:r>
-            <a:endParaRPr lang="en-GB" sz="1050" dirty="0">
-              <a:solidFill>
-                <a:srgbClr val="FF0000"/>
-              </a:solidFill>
-            </a:endParaRPr>
-          </a:p>
-        </p:txBody>
-      </p:sp>
-      <p:sp>
-        <p:nvSpPr>
-          <p:cNvPr id="98" name="Rectangle 97"/>
-          <p:cNvSpPr/>
-          <p:nvPr/>
-        </p:nvSpPr>
-        <p:spPr>
-          <a:xfrm>
-            <a:off x="5641088" y="5605246"/>
-            <a:ext cx="2280619" cy="451443"/>
-          </a:xfrm>
-          <a:prstGeom prst="rect">
-            <a:avLst/>
-          </a:prstGeom>
-          <a:solidFill>
-            <a:schemeClr val="accent4">
-              <a:lumMod val="60000"/>
-              <a:lumOff val="40000"/>
-            </a:schemeClr>
-          </a:solidFill>
-          <a:ln>
-            <a:solidFill>
-              <a:srgbClr val="FF0000"/>
-            </a:solidFill>
-          </a:ln>
-        </p:spPr>
-        <p:style>
-          <a:lnRef idx="2">
-            <a:schemeClr val="accent1">
-              <a:shade val="50000"/>
-            </a:schemeClr>
-          </a:lnRef>
-          <a:fillRef idx="1">
-            <a:schemeClr val="accent1"/>
-          </a:fillRef>
-          <a:effectRef idx="0">
-            <a:schemeClr val="accent1"/>
-          </a:effectRef>
-          <a:fontRef idx="minor">
-            <a:schemeClr val="lt1"/>
-          </a:fontRef>
-        </p:style>
-        <p:txBody>
-          <a:bodyPr rtlCol="0" anchor="ctr"/>
-          <a:lstStyle/>
-          <a:p>
-            <a:pPr marL="171450" indent="-171450">
-              <a:buFont typeface="Arial" panose="020B0604020202020204" pitchFamily="34" charset="0"/>
-              <a:buChar char="•"/>
-            </a:pPr>
-            <a:r>
-              <a:rPr lang="en-GB" sz="1100" dirty="0" smtClean="0">
-                <a:solidFill>
-                  <a:sysClr val="windowText" lastClr="000000"/>
-                </a:solidFill>
-              </a:rPr>
-              <a:t>Payload bay too big for 2</a:t>
-            </a:r>
-            <a:r>
-              <a:rPr lang="en-GB" sz="1100" baseline="30000" dirty="0" smtClean="0">
-                <a:solidFill>
-                  <a:sysClr val="windowText" lastClr="000000"/>
-                </a:solidFill>
-              </a:rPr>
-              <a:t>nd</a:t>
-            </a:r>
-            <a:r>
-              <a:rPr lang="en-GB" sz="1100" dirty="0" smtClean="0">
-                <a:solidFill>
-                  <a:sysClr val="windowText" lastClr="000000"/>
-                </a:solidFill>
-              </a:rPr>
-              <a:t> stage</a:t>
-            </a:r>
-          </a:p>
-          <a:p>
-            <a:pPr marL="171450" indent="-171450">
-              <a:buFont typeface="Arial" panose="020B0604020202020204" pitchFamily="34" charset="0"/>
-              <a:buChar char="•"/>
-            </a:pPr>
-            <a:r>
-              <a:rPr lang="en-GB" sz="1100" dirty="0" smtClean="0">
-                <a:solidFill>
-                  <a:sysClr val="windowText" lastClr="000000"/>
-                </a:solidFill>
-              </a:rPr>
-              <a:t>2</a:t>
-            </a:r>
-            <a:r>
-              <a:rPr lang="en-GB" sz="1100" baseline="30000" dirty="0" smtClean="0">
-                <a:solidFill>
-                  <a:sysClr val="windowText" lastClr="000000"/>
-                </a:solidFill>
-              </a:rPr>
-              <a:t>nd</a:t>
-            </a:r>
-            <a:r>
-              <a:rPr lang="en-GB" sz="1100" dirty="0" smtClean="0">
-                <a:solidFill>
-                  <a:sysClr val="windowText" lastClr="000000"/>
-                </a:solidFill>
-              </a:rPr>
-              <a:t> stage too big for 1</a:t>
-            </a:r>
-            <a:r>
-              <a:rPr lang="en-GB" sz="1100" baseline="30000" dirty="0" smtClean="0">
-                <a:solidFill>
-                  <a:sysClr val="windowText" lastClr="000000"/>
-                </a:solidFill>
-              </a:rPr>
-              <a:t>st</a:t>
-            </a:r>
-            <a:r>
-              <a:rPr lang="en-GB" sz="1100" dirty="0" smtClean="0">
-                <a:solidFill>
-                  <a:sysClr val="windowText" lastClr="000000"/>
-                </a:solidFill>
-              </a:rPr>
-              <a:t> stage</a:t>
-            </a:r>
-            <a:endParaRPr lang="en-GB" sz="1100" dirty="0">
-              <a:solidFill>
-                <a:sysClr val="windowText" lastClr="000000"/>
-              </a:solidFill>
-            </a:endParaRPr>
-          </a:p>
-        </p:txBody>
-      </p:sp>
-      <p:sp>
-        <p:nvSpPr>
-          <p:cNvPr id="99" name="TextBox 98"/>
-          <p:cNvSpPr txBox="1"/>
-          <p:nvPr/>
-        </p:nvSpPr>
-        <p:spPr>
-          <a:xfrm>
-            <a:off x="5300051" y="4543240"/>
-            <a:ext cx="1097511" cy="900246"/>
-          </a:xfrm>
-          <a:prstGeom prst="rect">
-            <a:avLst/>
-          </a:prstGeom>
-          <a:noFill/>
-        </p:spPr>
-        <p:txBody>
-          <a:bodyPr wrap="square" rtlCol="0">
-            <a:spAutoFit/>
-          </a:bodyPr>
-          <a:lstStyle/>
-          <a:p>
-            <a:r>
-              <a:rPr lang="en-GB" sz="1050" dirty="0" smtClean="0">
-                <a:solidFill>
-                  <a:srgbClr val="FF0000"/>
-                </a:solidFill>
-              </a:rPr>
-              <a:t>Schematic of chosen stages</a:t>
-            </a:r>
-          </a:p>
-          <a:p>
-            <a:endParaRPr lang="en-GB" sz="1050" dirty="0">
-              <a:solidFill>
-                <a:srgbClr val="FF0000"/>
-              </a:solidFill>
-            </a:endParaRPr>
-          </a:p>
-          <a:p>
-            <a:r>
-              <a:rPr lang="en-GB" sz="1050" dirty="0" smtClean="0">
-                <a:solidFill>
-                  <a:srgbClr val="FF0000"/>
-                </a:solidFill>
-              </a:rPr>
-              <a:t>(spaceplane may complicate it!</a:t>
-            </a:r>
-            <a:endParaRPr lang="en-GB" sz="1050" dirty="0">
-              <a:solidFill>
-                <a:srgbClr val="FF0000"/>
-              </a:solidFill>
-            </a:endParaRPr>
-          </a:p>
-        </p:txBody>
-      </p:sp>
-      <p:sp>
-        <p:nvSpPr>
-          <p:cNvPr id="7172" name="Rectangle 7171"/>
-          <p:cNvSpPr/>
-          <p:nvPr/>
-        </p:nvSpPr>
-        <p:spPr>
-          <a:xfrm>
-            <a:off x="2960147" y="2630077"/>
-            <a:ext cx="980154" cy="980154"/>
-          </a:xfrm>
-          <a:prstGeom prst="rect">
-            <a:avLst/>
-          </a:prstGeom>
-          <a:noFill/>
-          <a:ln w="28575">
-            <a:solidFill>
-              <a:srgbClr val="0070C0"/>
-            </a:solidFill>
-          </a:ln>
-        </p:spPr>
-        <p:style>
-          <a:lnRef idx="2">
-            <a:schemeClr val="accent1">
-              <a:shade val="50000"/>
-            </a:schemeClr>
-          </a:lnRef>
-          <a:fillRef idx="1">
-            <a:schemeClr val="accent1"/>
-          </a:fillRef>
-          <a:effectRef idx="0">
-            <a:schemeClr val="accent1"/>
-          </a:effectRef>
-          <a:fontRef idx="minor">
-            <a:schemeClr val="lt1"/>
-          </a:fontRef>
-        </p:style>
-        <p:txBody>
-          <a:bodyPr rtlCol="0" anchor="ctr"/>
-          <a:lstStyle/>
-          <a:p>
-            <a:pPr algn="ctr"/>
-            <a:endParaRPr lang="en-GB"/>
-          </a:p>
-        </p:txBody>
-      </p:sp>
-      <p:sp>
-        <p:nvSpPr>
-          <p:cNvPr id="101" name="Rectangle 100"/>
-          <p:cNvSpPr/>
-          <p:nvPr/>
-        </p:nvSpPr>
-        <p:spPr>
-          <a:xfrm>
-            <a:off x="2960147" y="3788869"/>
-            <a:ext cx="980154" cy="980154"/>
-          </a:xfrm>
-          <a:prstGeom prst="rect">
-            <a:avLst/>
-          </a:prstGeom>
-          <a:noFill/>
-          <a:ln w="28575">
-            <a:solidFill>
-              <a:srgbClr val="0070C0"/>
-            </a:solidFill>
-          </a:ln>
-        </p:spPr>
-        <p:style>
-          <a:lnRef idx="2">
-            <a:schemeClr val="accent1">
-              <a:shade val="50000"/>
-            </a:schemeClr>
-          </a:lnRef>
-          <a:fillRef idx="1">
-            <a:schemeClr val="accent1"/>
-          </a:fillRef>
-          <a:effectRef idx="0">
-            <a:schemeClr val="accent1"/>
-          </a:effectRef>
-          <a:fontRef idx="minor">
-            <a:schemeClr val="lt1"/>
-          </a:fontRef>
-        </p:style>
-        <p:txBody>
-          <a:bodyPr rtlCol="0" anchor="ctr"/>
-          <a:lstStyle/>
-          <a:p>
-            <a:pPr algn="ctr"/>
-            <a:endParaRPr lang="en-GB"/>
-          </a:p>
-        </p:txBody>
-      </p:sp>
-      <p:sp>
-        <p:nvSpPr>
-          <p:cNvPr id="102" name="Rectangle 101"/>
-          <p:cNvSpPr/>
-          <p:nvPr/>
-        </p:nvSpPr>
-        <p:spPr>
-          <a:xfrm>
-            <a:off x="2960147" y="5015006"/>
-            <a:ext cx="980154" cy="980154"/>
-          </a:xfrm>
-          <a:prstGeom prst="rect">
-            <a:avLst/>
-          </a:prstGeom>
-          <a:noFill/>
-          <a:ln w="28575">
-            <a:solidFill>
-              <a:srgbClr val="0070C0"/>
-            </a:solidFill>
-          </a:ln>
-        </p:spPr>
-        <p:style>
-          <a:lnRef idx="2">
-            <a:schemeClr val="accent1">
-              <a:shade val="50000"/>
-            </a:schemeClr>
-          </a:lnRef>
-          <a:fillRef idx="1">
-            <a:schemeClr val="accent1"/>
-          </a:fillRef>
-          <a:effectRef idx="0">
-            <a:schemeClr val="accent1"/>
-          </a:effectRef>
-          <a:fontRef idx="minor">
-            <a:schemeClr val="lt1"/>
-          </a:fontRef>
-        </p:style>
-        <p:txBody>
-          <a:bodyPr rtlCol="0" anchor="ctr"/>
-          <a:lstStyle/>
-          <a:p>
-            <a:pPr algn="ctr"/>
-            <a:endParaRPr lang="en-GB"/>
-          </a:p>
-        </p:txBody>
-      </p:sp>
-      <p:sp>
-        <p:nvSpPr>
-          <p:cNvPr id="103" name="TextBox 102"/>
-          <p:cNvSpPr txBox="1"/>
-          <p:nvPr/>
-        </p:nvSpPr>
-        <p:spPr>
-          <a:xfrm>
-            <a:off x="3491312" y="2121332"/>
-            <a:ext cx="1012845" cy="415498"/>
-          </a:xfrm>
-          <a:prstGeom prst="rect">
-            <a:avLst/>
-          </a:prstGeom>
-          <a:noFill/>
-        </p:spPr>
-        <p:txBody>
-          <a:bodyPr wrap="square" rtlCol="0">
-            <a:spAutoFit/>
-          </a:bodyPr>
-          <a:lstStyle/>
-          <a:p>
-            <a:r>
-              <a:rPr lang="en-GB" sz="1050" dirty="0" smtClean="0">
-                <a:solidFill>
-                  <a:srgbClr val="FF0000"/>
-                </a:solidFill>
-              </a:rPr>
-              <a:t>Carousels for each stage</a:t>
-            </a:r>
-            <a:endParaRPr lang="en-GB" sz="1050" dirty="0">
-              <a:solidFill>
-                <a:srgbClr val="FF0000"/>
-              </a:solidFill>
-            </a:endParaRPr>
-          </a:p>
-        </p:txBody>
-      </p:sp>
-      <p:grpSp>
-        <p:nvGrpSpPr>
-          <p:cNvPr id="104" name="Group 103"/>
-          <p:cNvGrpSpPr/>
-          <p:nvPr/>
-        </p:nvGrpSpPr>
-        <p:grpSpPr>
-          <a:xfrm>
-            <a:off x="1655782" y="2700867"/>
-            <a:ext cx="193130" cy="3189711"/>
-            <a:chOff x="7649064" y="2700867"/>
-            <a:chExt cx="193130" cy="3189711"/>
-          </a:xfrm>
-        </p:grpSpPr>
-        <p:sp>
-          <p:nvSpPr>
-            <p:cNvPr id="105" name="Rectangle 104"/>
-            <p:cNvSpPr/>
-            <p:nvPr/>
-          </p:nvSpPr>
-          <p:spPr>
-            <a:xfrm>
-              <a:off x="7653867" y="2700867"/>
-              <a:ext cx="188327" cy="3189711"/>
-            </a:xfrm>
-            <a:prstGeom prst="rect">
-              <a:avLst/>
-            </a:prstGeom>
-            <a:solidFill>
-              <a:schemeClr val="bg1">
-                <a:lumMod val="75000"/>
-              </a:schemeClr>
-            </a:solidFill>
-          </p:spPr>
-          <p:style>
-            <a:lnRef idx="2">
-              <a:schemeClr val="accent1">
-                <a:shade val="50000"/>
-              </a:schemeClr>
-            </a:lnRef>
-            <a:fillRef idx="1">
-              <a:schemeClr val="accent1"/>
-            </a:fillRef>
-            <a:effectRef idx="0">
-              <a:schemeClr val="accent1"/>
-            </a:effectRef>
-            <a:fontRef idx="minor">
-              <a:schemeClr val="lt1"/>
-            </a:fontRef>
-          </p:style>
-          <p:txBody>
-            <a:bodyPr rtlCol="0" anchor="ctr"/>
-            <a:lstStyle/>
-            <a:p>
-              <a:pPr algn="ctr"/>
-              <a:endParaRPr lang="en-GB"/>
-            </a:p>
-          </p:txBody>
-        </p:sp>
-        <p:sp>
-          <p:nvSpPr>
-            <p:cNvPr id="106" name="Isosceles Triangle 105"/>
-            <p:cNvSpPr/>
-            <p:nvPr/>
-          </p:nvSpPr>
-          <p:spPr>
-            <a:xfrm flipV="1">
-              <a:off x="7698769" y="5787186"/>
-              <a:ext cx="86478" cy="45720"/>
-            </a:xfrm>
-            <a:prstGeom prst="triangle">
-              <a:avLst/>
-            </a:prstGeom>
-            <a:solidFill>
-              <a:schemeClr val="tx1"/>
-            </a:solidFill>
-            <a:ln>
-              <a:solidFill>
-                <a:schemeClr val="tx1"/>
-              </a:solidFill>
-            </a:ln>
-          </p:spPr>
-          <p:style>
-            <a:lnRef idx="2">
-              <a:schemeClr val="accent1">
-                <a:shade val="50000"/>
-              </a:schemeClr>
-            </a:lnRef>
-            <a:fillRef idx="1">
-              <a:schemeClr val="accent1"/>
-            </a:fillRef>
-            <a:effectRef idx="0">
-              <a:schemeClr val="accent1"/>
-            </a:effectRef>
-            <a:fontRef idx="minor">
-              <a:schemeClr val="lt1"/>
-            </a:fontRef>
-          </p:style>
-          <p:txBody>
-            <a:bodyPr rtlCol="0" anchor="ctr"/>
-            <a:lstStyle/>
-            <a:p>
-              <a:pPr algn="ctr"/>
-              <a:endParaRPr lang="en-GB"/>
-            </a:p>
-          </p:txBody>
-        </p:sp>
-        <p:sp>
-          <p:nvSpPr>
-            <p:cNvPr id="107" name="Isosceles Triangle 106"/>
-            <p:cNvSpPr/>
-            <p:nvPr/>
-          </p:nvSpPr>
-          <p:spPr>
-            <a:xfrm rot="10800000" flipV="1">
-              <a:off x="7698769" y="2750003"/>
-              <a:ext cx="86480" cy="45720"/>
-            </a:xfrm>
-            <a:prstGeom prst="triangle">
-              <a:avLst/>
-            </a:prstGeom>
-            <a:solidFill>
-              <a:schemeClr val="tx1"/>
-            </a:solidFill>
-            <a:ln>
-              <a:solidFill>
-                <a:schemeClr val="tx1"/>
-              </a:solidFill>
-            </a:ln>
-          </p:spPr>
-          <p:style>
-            <a:lnRef idx="2">
-              <a:schemeClr val="accent1">
-                <a:shade val="50000"/>
-              </a:schemeClr>
-            </a:lnRef>
-            <a:fillRef idx="1">
-              <a:schemeClr val="accent1"/>
-            </a:fillRef>
-            <a:effectRef idx="0">
-              <a:schemeClr val="accent1"/>
-            </a:effectRef>
-            <a:fontRef idx="minor">
-              <a:schemeClr val="lt1"/>
-            </a:fontRef>
-          </p:style>
-          <p:txBody>
-            <a:bodyPr rtlCol="0" anchor="ctr"/>
-            <a:lstStyle/>
-            <a:p>
-              <a:pPr algn="ctr"/>
-              <a:endParaRPr lang="en-GB"/>
-            </a:p>
-          </p:txBody>
-        </p:sp>
-        <p:sp>
-          <p:nvSpPr>
-            <p:cNvPr id="108" name="Rectangle 107"/>
-            <p:cNvSpPr/>
-            <p:nvPr/>
-          </p:nvSpPr>
-          <p:spPr>
-            <a:xfrm>
-              <a:off x="7649064" y="2904029"/>
-              <a:ext cx="193130" cy="609538"/>
-            </a:xfrm>
-            <a:prstGeom prst="rect">
-              <a:avLst/>
-            </a:prstGeom>
-            <a:solidFill>
-              <a:schemeClr val="bg1">
-                <a:lumMod val="65000"/>
-              </a:schemeClr>
-            </a:solidFill>
-            <a:ln>
-              <a:noFill/>
-            </a:ln>
-          </p:spPr>
-          <p:style>
-            <a:lnRef idx="2">
-              <a:schemeClr val="accent1">
-                <a:shade val="50000"/>
-              </a:schemeClr>
-            </a:lnRef>
-            <a:fillRef idx="1">
-              <a:schemeClr val="accent1"/>
-            </a:fillRef>
-            <a:effectRef idx="0">
-              <a:schemeClr val="accent1"/>
-            </a:effectRef>
-            <a:fontRef idx="minor">
-              <a:schemeClr val="lt1"/>
-            </a:fontRef>
-          </p:style>
-          <p:txBody>
-            <a:bodyPr rtlCol="0" anchor="ctr"/>
-            <a:lstStyle/>
-            <a:p>
-              <a:pPr algn="ctr"/>
-              <a:endParaRPr lang="en-GB"/>
-            </a:p>
-          </p:txBody>
-        </p:sp>
-      </p:grpSp>
-      <p:sp>
-        <p:nvSpPr>
-          <p:cNvPr id="7173" name="Rectangle 7172"/>
-          <p:cNvSpPr/>
-          <p:nvPr/>
-        </p:nvSpPr>
-        <p:spPr>
-          <a:xfrm>
-            <a:off x="5638159" y="3231321"/>
-            <a:ext cx="192160" cy="192160"/>
-          </a:xfrm>
-          <a:prstGeom prst="rect">
-            <a:avLst/>
-          </a:prstGeom>
-          <a:solidFill>
-            <a:srgbClr val="0070C0"/>
-          </a:solidFill>
-          <a:ln>
-            <a:solidFill>
-              <a:schemeClr val="tx1"/>
-            </a:solidFill>
-          </a:ln>
-        </p:spPr>
-        <p:style>
-          <a:lnRef idx="2">
-            <a:schemeClr val="accent1">
-              <a:shade val="50000"/>
-            </a:schemeClr>
-          </a:lnRef>
-          <a:fillRef idx="1">
-            <a:schemeClr val="accent1"/>
-          </a:fillRef>
-          <a:effectRef idx="0">
-            <a:schemeClr val="accent1"/>
-          </a:effectRef>
-          <a:fontRef idx="minor">
-            <a:schemeClr val="lt1"/>
-          </a:fontRef>
-        </p:style>
-        <p:txBody>
-          <a:bodyPr rtlCol="0" anchor="ctr"/>
-          <a:lstStyle/>
-          <a:p>
-            <a:pPr algn="ctr"/>
-            <a:endParaRPr lang="en-GB"/>
-          </a:p>
-        </p:txBody>
-      </p:sp>
-      <p:sp>
-        <p:nvSpPr>
-          <p:cNvPr id="110" name="TextBox 109"/>
-          <p:cNvSpPr txBox="1"/>
-          <p:nvPr/>
-        </p:nvSpPr>
-        <p:spPr>
-          <a:xfrm>
-            <a:off x="5968092" y="2839367"/>
-            <a:ext cx="1012845" cy="415498"/>
-          </a:xfrm>
-          <a:prstGeom prst="rect">
-            <a:avLst/>
-          </a:prstGeom>
-          <a:noFill/>
-        </p:spPr>
-        <p:txBody>
-          <a:bodyPr wrap="square" rtlCol="0">
-            <a:spAutoFit/>
-          </a:bodyPr>
-          <a:lstStyle/>
-          <a:p>
-            <a:r>
-              <a:rPr lang="en-GB" sz="1050" dirty="0" smtClean="0">
-                <a:solidFill>
-                  <a:srgbClr val="FF0000"/>
-                </a:solidFill>
-              </a:rPr>
-              <a:t>Satellite in payload bay</a:t>
-            </a:r>
-            <a:endParaRPr lang="en-GB" sz="1050" dirty="0">
-              <a:solidFill>
-                <a:srgbClr val="FF0000"/>
-              </a:solidFill>
-            </a:endParaRPr>
-          </a:p>
-        </p:txBody>
-      </p:sp>
-    </p:spTree>
-    <p:extLst>
-      <p:ext uri="{BB962C8B-B14F-4D97-AF65-F5344CB8AC3E}">
-        <p14:creationId xmlns:p14="http://schemas.microsoft.com/office/powerpoint/2010/main" val="3051610887"/>
-      </p:ext>
-    </p:extLst>
-  </p:cSld>
-  <p:clrMapOvr>
-    <a:masterClrMapping/>
-  </p:clrMapOvr>
-</p:sld>
-</file>
-
-<file path=ppt/slides/slide9.xml><?xml version="1.0" encoding="utf-8"?>
-<p:sld xmlns:a="http://schemas.openxmlformats.org/drawingml/2006/main" xmlns:r="http://schemas.openxmlformats.org/officeDocument/2006/relationships" xmlns:p="http://schemas.openxmlformats.org/presentationml/2006/main">
-  <p:cSld>
-    <p:spTree>
-      <p:nvGrpSpPr>
-        <p:cNvPr id="1" name=""/>
-        <p:cNvGrpSpPr/>
-        <p:nvPr/>
-      </p:nvGrpSpPr>
-      <p:grpSpPr>
-        <a:xfrm>
-          <a:off x="0" y="0"/>
-          <a:ext cx="0" cy="0"/>
-          <a:chOff x="0" y="0"/>
-          <a:chExt cx="0" cy="0"/>
-        </a:xfrm>
-      </p:grpSpPr>
-      <p:sp>
-        <p:nvSpPr>
-          <p:cNvPr id="2" name="Title 1"/>
-          <p:cNvSpPr>
-            <a:spLocks noGrp="1"/>
-          </p:cNvSpPr>
-          <p:nvPr>
-            <p:ph type="title"/>
-          </p:nvPr>
-        </p:nvSpPr>
-        <p:spPr/>
-        <p:txBody>
-          <a:bodyPr/>
-          <a:lstStyle/>
-          <a:p>
-            <a:r>
-              <a:rPr lang="en-GB" dirty="0" smtClean="0"/>
-              <a:t>6. Launch</a:t>
-            </a:r>
-            <a:endParaRPr lang="en-GB" dirty="0"/>
-          </a:p>
-        </p:txBody>
-      </p:sp>
-      <p:sp>
-        <p:nvSpPr>
-          <p:cNvPr id="3" name="Content Placeholder 2"/>
-          <p:cNvSpPr>
-            <a:spLocks noGrp="1"/>
-          </p:cNvSpPr>
-          <p:nvPr>
-            <p:ph idx="1"/>
-          </p:nvPr>
-        </p:nvSpPr>
-        <p:spPr/>
-        <p:txBody>
-          <a:bodyPr/>
-          <a:lstStyle/>
-          <a:p>
-            <a:endParaRPr lang="en-GB" dirty="0"/>
-          </a:p>
-        </p:txBody>
-      </p:sp>
-      <p:sp>
-        <p:nvSpPr>
-          <p:cNvPr id="4" name="Rounded Rectangle 3"/>
-          <p:cNvSpPr/>
-          <p:nvPr/>
-        </p:nvSpPr>
-        <p:spPr>
-          <a:xfrm>
-            <a:off x="3670300" y="1930401"/>
-            <a:ext cx="1803400" cy="694266"/>
-          </a:xfrm>
-          <a:prstGeom prst="roundRect">
-            <a:avLst/>
-          </a:prstGeom>
-        </p:spPr>
-        <p:style>
-          <a:lnRef idx="2">
-            <a:schemeClr val="accent1">
-              <a:shade val="50000"/>
-            </a:schemeClr>
-          </a:lnRef>
-          <a:fillRef idx="1">
-            <a:schemeClr val="accent1"/>
-          </a:fillRef>
-          <a:effectRef idx="0">
-            <a:schemeClr val="accent1"/>
-          </a:effectRef>
-          <a:fontRef idx="minor">
-            <a:schemeClr val="lt1"/>
-          </a:fontRef>
-        </p:style>
-        <p:txBody>
-          <a:bodyPr rtlCol="0" anchor="ctr"/>
-          <a:lstStyle/>
-          <a:p>
-            <a:pPr algn="ctr"/>
-            <a:r>
-              <a:rPr lang="en-GB" dirty="0" smtClean="0"/>
-              <a:t>Launch!</a:t>
-            </a:r>
-            <a:endParaRPr lang="en-GB" dirty="0"/>
-          </a:p>
-        </p:txBody>
-      </p:sp>
-      <p:pic>
-        <p:nvPicPr>
-          <p:cNvPr id="6" name="Picture 5"/>
-          <p:cNvPicPr>
-            <a:picLocks noChangeAspect="1"/>
-          </p:cNvPicPr>
-          <p:nvPr/>
-        </p:nvPicPr>
-        <p:blipFill rotWithShape="1">
-          <a:blip r:embed="rId2"/>
-          <a:srcRect l="16887" t="15804" r="62347" b="54092"/>
-          <a:stretch/>
-        </p:blipFill>
-        <p:spPr>
-          <a:xfrm>
-            <a:off x="2345266" y="2729443"/>
-            <a:ext cx="4676971" cy="2311399"/>
-          </a:xfrm>
-          <a:prstGeom prst="rect">
-            <a:avLst/>
-          </a:prstGeom>
-        </p:spPr>
-      </p:pic>
-      <p:sp>
-        <p:nvSpPr>
-          <p:cNvPr id="7" name="TextBox 6"/>
-          <p:cNvSpPr txBox="1"/>
-          <p:nvPr/>
-        </p:nvSpPr>
-        <p:spPr>
-          <a:xfrm>
-            <a:off x="778933" y="3064934"/>
-            <a:ext cx="1625600" cy="1200329"/>
-          </a:xfrm>
-          <a:prstGeom prst="rect">
-            <a:avLst/>
-          </a:prstGeom>
-          <a:noFill/>
-        </p:spPr>
-        <p:txBody>
-          <a:bodyPr wrap="square" rtlCol="0">
-            <a:spAutoFit/>
-          </a:bodyPr>
-          <a:lstStyle/>
-          <a:p>
-            <a:r>
-              <a:rPr lang="en-GB" dirty="0" smtClean="0">
-                <a:solidFill>
-                  <a:srgbClr val="FF0000"/>
-                </a:solidFill>
-              </a:rPr>
-              <a:t>Animation of launch. With stages dropping off?</a:t>
-            </a:r>
-          </a:p>
-        </p:txBody>
-      </p:sp>
-      <p:sp>
-        <p:nvSpPr>
-          <p:cNvPr id="10" name="TextBox 9"/>
-          <p:cNvSpPr txBox="1"/>
-          <p:nvPr/>
-        </p:nvSpPr>
-        <p:spPr>
-          <a:xfrm>
-            <a:off x="2139518" y="5249333"/>
-            <a:ext cx="5088466" cy="646331"/>
-          </a:xfrm>
-          <a:prstGeom prst="rect">
-            <a:avLst/>
-          </a:prstGeom>
-          <a:noFill/>
-        </p:spPr>
-        <p:txBody>
-          <a:bodyPr wrap="square" rtlCol="0">
-            <a:spAutoFit/>
-          </a:bodyPr>
-          <a:lstStyle/>
-          <a:p>
-            <a:r>
-              <a:rPr lang="en-GB" dirty="0" smtClean="0"/>
-              <a:t>Congratulations! Your satellite is now successfully providing an internet service to Europe!</a:t>
-            </a:r>
-            <a:endParaRPr lang="en-GB" dirty="0"/>
-          </a:p>
-        </p:txBody>
-      </p:sp>
-    </p:spTree>
-    <p:extLst>
-      <p:ext uri="{BB962C8B-B14F-4D97-AF65-F5344CB8AC3E}">
-        <p14:creationId xmlns:p14="http://schemas.microsoft.com/office/powerpoint/2010/main" val="2589133257"/>
       </p:ext>
     </p:extLst>
   </p:cSld>
